--- a/overview/images/sdk_overview.pptx
+++ b/overview/images/sdk_overview.pptx
@@ -134,7 +134,7 @@
           <p:cNvPr id="2" name="Title 1">
             <a:extLst>
               <a:ext uri="{FF2B5EF4-FFF2-40B4-BE49-F238E27FC236}">
-                <a16:creationId xmlns:a16="http://schemas.microsoft.com/office/drawing/2014/main" xmlns="" id="{4243E3D0-5767-407F-872C-2BAB208E45C9}"/>
+                <a16:creationId xmlns="" xmlns:a16="http://schemas.microsoft.com/office/drawing/2014/main" id="{4243E3D0-5767-407F-872C-2BAB208E45C9}"/>
               </a:ext>
             </a:extLst>
           </p:cNvPr>
@@ -171,7 +171,7 @@
           <p:cNvPr id="3" name="Subtitle 2">
             <a:extLst>
               <a:ext uri="{FF2B5EF4-FFF2-40B4-BE49-F238E27FC236}">
-                <a16:creationId xmlns:a16="http://schemas.microsoft.com/office/drawing/2014/main" xmlns="" id="{B5C0D0C4-6FFE-40AB-AE8E-74B8A9323106}"/>
+                <a16:creationId xmlns="" xmlns:a16="http://schemas.microsoft.com/office/drawing/2014/main" id="{B5C0D0C4-6FFE-40AB-AE8E-74B8A9323106}"/>
               </a:ext>
             </a:extLst>
           </p:cNvPr>
@@ -241,7 +241,7 @@
           <p:cNvPr id="4" name="Date Placeholder 3">
             <a:extLst>
               <a:ext uri="{FF2B5EF4-FFF2-40B4-BE49-F238E27FC236}">
-                <a16:creationId xmlns:a16="http://schemas.microsoft.com/office/drawing/2014/main" xmlns="" id="{57FF27FE-F48A-41D9-AF18-CEC519A88593}"/>
+                <a16:creationId xmlns="" xmlns:a16="http://schemas.microsoft.com/office/drawing/2014/main" id="{57FF27FE-F48A-41D9-AF18-CEC519A88593}"/>
               </a:ext>
             </a:extLst>
           </p:cNvPr>
@@ -259,7 +259,7 @@
           <a:p>
             <a:fld id="{A3AE657A-D284-404D-960B-6B1864A84D1B}" type="datetimeFigureOut">
               <a:rPr lang="en-US" smtClean="0"/>
-              <a:t>3/28/2022</a:t>
+              <a:t>4/7/2022</a:t>
             </a:fld>
             <a:endParaRPr lang="en-US"/>
           </a:p>
@@ -270,7 +270,7 @@
           <p:cNvPr id="5" name="Footer Placeholder 4">
             <a:extLst>
               <a:ext uri="{FF2B5EF4-FFF2-40B4-BE49-F238E27FC236}">
-                <a16:creationId xmlns:a16="http://schemas.microsoft.com/office/drawing/2014/main" xmlns="" id="{79874C1E-7A1F-44C5-9BE3-8AACC708AF2B}"/>
+                <a16:creationId xmlns="" xmlns:a16="http://schemas.microsoft.com/office/drawing/2014/main" id="{79874C1E-7A1F-44C5-9BE3-8AACC708AF2B}"/>
               </a:ext>
             </a:extLst>
           </p:cNvPr>
@@ -295,7 +295,7 @@
           <p:cNvPr id="6" name="Slide Number Placeholder 5">
             <a:extLst>
               <a:ext uri="{FF2B5EF4-FFF2-40B4-BE49-F238E27FC236}">
-                <a16:creationId xmlns:a16="http://schemas.microsoft.com/office/drawing/2014/main" xmlns="" id="{0E5D5769-2CFE-4279-8005-3A358A0C9F7C}"/>
+                <a16:creationId xmlns="" xmlns:a16="http://schemas.microsoft.com/office/drawing/2014/main" id="{0E5D5769-2CFE-4279-8005-3A358A0C9F7C}"/>
               </a:ext>
             </a:extLst>
           </p:cNvPr>
@@ -354,7 +354,7 @@
           <p:cNvPr id="2" name="Title 1">
             <a:extLst>
               <a:ext uri="{FF2B5EF4-FFF2-40B4-BE49-F238E27FC236}">
-                <a16:creationId xmlns:a16="http://schemas.microsoft.com/office/drawing/2014/main" xmlns="" id="{E493B8E1-AB84-4A19-99A8-8FFDBBA42EEC}"/>
+                <a16:creationId xmlns="" xmlns:a16="http://schemas.microsoft.com/office/drawing/2014/main" id="{E493B8E1-AB84-4A19-99A8-8FFDBBA42EEC}"/>
               </a:ext>
             </a:extLst>
           </p:cNvPr>
@@ -382,7 +382,7 @@
           <p:cNvPr id="3" name="Vertical Text Placeholder 2">
             <a:extLst>
               <a:ext uri="{FF2B5EF4-FFF2-40B4-BE49-F238E27FC236}">
-                <a16:creationId xmlns:a16="http://schemas.microsoft.com/office/drawing/2014/main" xmlns="" id="{504EE673-0442-44CD-AD99-883EA8042F6C}"/>
+                <a16:creationId xmlns="" xmlns:a16="http://schemas.microsoft.com/office/drawing/2014/main" id="{504EE673-0442-44CD-AD99-883EA8042F6C}"/>
               </a:ext>
             </a:extLst>
           </p:cNvPr>
@@ -439,7 +439,7 @@
           <p:cNvPr id="4" name="Date Placeholder 3">
             <a:extLst>
               <a:ext uri="{FF2B5EF4-FFF2-40B4-BE49-F238E27FC236}">
-                <a16:creationId xmlns:a16="http://schemas.microsoft.com/office/drawing/2014/main" xmlns="" id="{BD4D62BC-979E-414F-ACA2-719E3126E0D3}"/>
+                <a16:creationId xmlns="" xmlns:a16="http://schemas.microsoft.com/office/drawing/2014/main" id="{BD4D62BC-979E-414F-ACA2-719E3126E0D3}"/>
               </a:ext>
             </a:extLst>
           </p:cNvPr>
@@ -457,7 +457,7 @@
           <a:p>
             <a:fld id="{A3AE657A-D284-404D-960B-6B1864A84D1B}" type="datetimeFigureOut">
               <a:rPr lang="en-US" smtClean="0"/>
-              <a:t>3/28/2022</a:t>
+              <a:t>4/7/2022</a:t>
             </a:fld>
             <a:endParaRPr lang="en-US"/>
           </a:p>
@@ -468,7 +468,7 @@
           <p:cNvPr id="5" name="Footer Placeholder 4">
             <a:extLst>
               <a:ext uri="{FF2B5EF4-FFF2-40B4-BE49-F238E27FC236}">
-                <a16:creationId xmlns:a16="http://schemas.microsoft.com/office/drawing/2014/main" xmlns="" id="{12648AE1-E942-4187-A24B-744428AD156E}"/>
+                <a16:creationId xmlns="" xmlns:a16="http://schemas.microsoft.com/office/drawing/2014/main" id="{12648AE1-E942-4187-A24B-744428AD156E}"/>
               </a:ext>
             </a:extLst>
           </p:cNvPr>
@@ -493,7 +493,7 @@
           <p:cNvPr id="6" name="Slide Number Placeholder 5">
             <a:extLst>
               <a:ext uri="{FF2B5EF4-FFF2-40B4-BE49-F238E27FC236}">
-                <a16:creationId xmlns:a16="http://schemas.microsoft.com/office/drawing/2014/main" xmlns="" id="{AAD573CE-9206-4A7C-899B-1B52C566D467}"/>
+                <a16:creationId xmlns="" xmlns:a16="http://schemas.microsoft.com/office/drawing/2014/main" id="{AAD573CE-9206-4A7C-899B-1B52C566D467}"/>
               </a:ext>
             </a:extLst>
           </p:cNvPr>
@@ -552,7 +552,7 @@
           <p:cNvPr id="2" name="Vertical Title 1">
             <a:extLst>
               <a:ext uri="{FF2B5EF4-FFF2-40B4-BE49-F238E27FC236}">
-                <a16:creationId xmlns:a16="http://schemas.microsoft.com/office/drawing/2014/main" xmlns="" id="{48AAB1A3-8764-420F-AD44-A386ECB4FCFB}"/>
+                <a16:creationId xmlns="" xmlns:a16="http://schemas.microsoft.com/office/drawing/2014/main" id="{48AAB1A3-8764-420F-AD44-A386ECB4FCFB}"/>
               </a:ext>
             </a:extLst>
           </p:cNvPr>
@@ -585,7 +585,7 @@
           <p:cNvPr id="3" name="Vertical Text Placeholder 2">
             <a:extLst>
               <a:ext uri="{FF2B5EF4-FFF2-40B4-BE49-F238E27FC236}">
-                <a16:creationId xmlns:a16="http://schemas.microsoft.com/office/drawing/2014/main" xmlns="" id="{FF710454-AC41-4FDA-8919-231447E90BA2}"/>
+                <a16:creationId xmlns="" xmlns:a16="http://schemas.microsoft.com/office/drawing/2014/main" id="{FF710454-AC41-4FDA-8919-231447E90BA2}"/>
               </a:ext>
             </a:extLst>
           </p:cNvPr>
@@ -647,7 +647,7 @@
           <p:cNvPr id="4" name="Date Placeholder 3">
             <a:extLst>
               <a:ext uri="{FF2B5EF4-FFF2-40B4-BE49-F238E27FC236}">
-                <a16:creationId xmlns:a16="http://schemas.microsoft.com/office/drawing/2014/main" xmlns="" id="{45DC499D-E247-4929-9A1C-407F23EA021F}"/>
+                <a16:creationId xmlns="" xmlns:a16="http://schemas.microsoft.com/office/drawing/2014/main" id="{45DC499D-E247-4929-9A1C-407F23EA021F}"/>
               </a:ext>
             </a:extLst>
           </p:cNvPr>
@@ -665,7 +665,7 @@
           <a:p>
             <a:fld id="{A3AE657A-D284-404D-960B-6B1864A84D1B}" type="datetimeFigureOut">
               <a:rPr lang="en-US" smtClean="0"/>
-              <a:t>3/28/2022</a:t>
+              <a:t>4/7/2022</a:t>
             </a:fld>
             <a:endParaRPr lang="en-US"/>
           </a:p>
@@ -676,7 +676,7 @@
           <p:cNvPr id="5" name="Footer Placeholder 4">
             <a:extLst>
               <a:ext uri="{FF2B5EF4-FFF2-40B4-BE49-F238E27FC236}">
-                <a16:creationId xmlns:a16="http://schemas.microsoft.com/office/drawing/2014/main" xmlns="" id="{4B3E01FA-FBBE-4A21-A2AC-EBEAABA022E2}"/>
+                <a16:creationId xmlns="" xmlns:a16="http://schemas.microsoft.com/office/drawing/2014/main" id="{4B3E01FA-FBBE-4A21-A2AC-EBEAABA022E2}"/>
               </a:ext>
             </a:extLst>
           </p:cNvPr>
@@ -701,7 +701,7 @@
           <p:cNvPr id="6" name="Slide Number Placeholder 5">
             <a:extLst>
               <a:ext uri="{FF2B5EF4-FFF2-40B4-BE49-F238E27FC236}">
-                <a16:creationId xmlns:a16="http://schemas.microsoft.com/office/drawing/2014/main" xmlns="" id="{EA7DE12E-2AF2-48E0-B454-6D04AFB32A85}"/>
+                <a16:creationId xmlns="" xmlns:a16="http://schemas.microsoft.com/office/drawing/2014/main" id="{EA7DE12E-2AF2-48E0-B454-6D04AFB32A85}"/>
               </a:ext>
             </a:extLst>
           </p:cNvPr>
@@ -760,7 +760,7 @@
           <p:cNvPr id="2" name="Title 1">
             <a:extLst>
               <a:ext uri="{FF2B5EF4-FFF2-40B4-BE49-F238E27FC236}">
-                <a16:creationId xmlns:a16="http://schemas.microsoft.com/office/drawing/2014/main" xmlns="" id="{0E1B28FB-8487-4D52-88BB-8F326D508605}"/>
+                <a16:creationId xmlns="" xmlns:a16="http://schemas.microsoft.com/office/drawing/2014/main" id="{0E1B28FB-8487-4D52-88BB-8F326D508605}"/>
               </a:ext>
             </a:extLst>
           </p:cNvPr>
@@ -788,7 +788,7 @@
           <p:cNvPr id="3" name="Content Placeholder 2">
             <a:extLst>
               <a:ext uri="{FF2B5EF4-FFF2-40B4-BE49-F238E27FC236}">
-                <a16:creationId xmlns:a16="http://schemas.microsoft.com/office/drawing/2014/main" xmlns="" id="{B5E60C55-2213-4A0A-8D34-6DC18B740A4D}"/>
+                <a16:creationId xmlns="" xmlns:a16="http://schemas.microsoft.com/office/drawing/2014/main" id="{B5E60C55-2213-4A0A-8D34-6DC18B740A4D}"/>
               </a:ext>
             </a:extLst>
           </p:cNvPr>
@@ -845,7 +845,7 @@
           <p:cNvPr id="4" name="Date Placeholder 3">
             <a:extLst>
               <a:ext uri="{FF2B5EF4-FFF2-40B4-BE49-F238E27FC236}">
-                <a16:creationId xmlns:a16="http://schemas.microsoft.com/office/drawing/2014/main" xmlns="" id="{114A91A5-54C2-41A6-AD1F-295D574EEF1F}"/>
+                <a16:creationId xmlns="" xmlns:a16="http://schemas.microsoft.com/office/drawing/2014/main" id="{114A91A5-54C2-41A6-AD1F-295D574EEF1F}"/>
               </a:ext>
             </a:extLst>
           </p:cNvPr>
@@ -863,7 +863,7 @@
           <a:p>
             <a:fld id="{A3AE657A-D284-404D-960B-6B1864A84D1B}" type="datetimeFigureOut">
               <a:rPr lang="en-US" smtClean="0"/>
-              <a:t>3/28/2022</a:t>
+              <a:t>4/7/2022</a:t>
             </a:fld>
             <a:endParaRPr lang="en-US"/>
           </a:p>
@@ -874,7 +874,7 @@
           <p:cNvPr id="5" name="Footer Placeholder 4">
             <a:extLst>
               <a:ext uri="{FF2B5EF4-FFF2-40B4-BE49-F238E27FC236}">
-                <a16:creationId xmlns:a16="http://schemas.microsoft.com/office/drawing/2014/main" xmlns="" id="{E1A26EFA-E991-43E7-9C78-B4BB6ECE4A41}"/>
+                <a16:creationId xmlns="" xmlns:a16="http://schemas.microsoft.com/office/drawing/2014/main" id="{E1A26EFA-E991-43E7-9C78-B4BB6ECE4A41}"/>
               </a:ext>
             </a:extLst>
           </p:cNvPr>
@@ -899,7 +899,7 @@
           <p:cNvPr id="6" name="Slide Number Placeholder 5">
             <a:extLst>
               <a:ext uri="{FF2B5EF4-FFF2-40B4-BE49-F238E27FC236}">
-                <a16:creationId xmlns:a16="http://schemas.microsoft.com/office/drawing/2014/main" xmlns="" id="{3CD36FE9-589F-4A0F-AAE5-46A53382A676}"/>
+                <a16:creationId xmlns="" xmlns:a16="http://schemas.microsoft.com/office/drawing/2014/main" id="{3CD36FE9-589F-4A0F-AAE5-46A53382A676}"/>
               </a:ext>
             </a:extLst>
           </p:cNvPr>
@@ -958,7 +958,7 @@
           <p:cNvPr id="2" name="Title 1">
             <a:extLst>
               <a:ext uri="{FF2B5EF4-FFF2-40B4-BE49-F238E27FC236}">
-                <a16:creationId xmlns:a16="http://schemas.microsoft.com/office/drawing/2014/main" xmlns="" id="{0627631A-428C-4235-B3B3-5CF0755771CA}"/>
+                <a16:creationId xmlns="" xmlns:a16="http://schemas.microsoft.com/office/drawing/2014/main" id="{0627631A-428C-4235-B3B3-5CF0755771CA}"/>
               </a:ext>
             </a:extLst>
           </p:cNvPr>
@@ -995,7 +995,7 @@
           <p:cNvPr id="3" name="Text Placeholder 2">
             <a:extLst>
               <a:ext uri="{FF2B5EF4-FFF2-40B4-BE49-F238E27FC236}">
-                <a16:creationId xmlns:a16="http://schemas.microsoft.com/office/drawing/2014/main" xmlns="" id="{70C4FE9A-A32C-4B26-BC26-8394C7C01A2B}"/>
+                <a16:creationId xmlns="" xmlns:a16="http://schemas.microsoft.com/office/drawing/2014/main" id="{70C4FE9A-A32C-4B26-BC26-8394C7C01A2B}"/>
               </a:ext>
             </a:extLst>
           </p:cNvPr>
@@ -1120,7 +1120,7 @@
           <p:cNvPr id="4" name="Date Placeholder 3">
             <a:extLst>
               <a:ext uri="{FF2B5EF4-FFF2-40B4-BE49-F238E27FC236}">
-                <a16:creationId xmlns:a16="http://schemas.microsoft.com/office/drawing/2014/main" xmlns="" id="{51DC7A1A-32CE-43D4-A34D-7D167EBE1B03}"/>
+                <a16:creationId xmlns="" xmlns:a16="http://schemas.microsoft.com/office/drawing/2014/main" id="{51DC7A1A-32CE-43D4-A34D-7D167EBE1B03}"/>
               </a:ext>
             </a:extLst>
           </p:cNvPr>
@@ -1138,7 +1138,7 @@
           <a:p>
             <a:fld id="{A3AE657A-D284-404D-960B-6B1864A84D1B}" type="datetimeFigureOut">
               <a:rPr lang="en-US" smtClean="0"/>
-              <a:t>3/28/2022</a:t>
+              <a:t>4/7/2022</a:t>
             </a:fld>
             <a:endParaRPr lang="en-US"/>
           </a:p>
@@ -1149,7 +1149,7 @@
           <p:cNvPr id="5" name="Footer Placeholder 4">
             <a:extLst>
               <a:ext uri="{FF2B5EF4-FFF2-40B4-BE49-F238E27FC236}">
-                <a16:creationId xmlns:a16="http://schemas.microsoft.com/office/drawing/2014/main" xmlns="" id="{BA62EE10-D047-4BD9-A3F6-DD5EBA209CA1}"/>
+                <a16:creationId xmlns="" xmlns:a16="http://schemas.microsoft.com/office/drawing/2014/main" id="{BA62EE10-D047-4BD9-A3F6-DD5EBA209CA1}"/>
               </a:ext>
             </a:extLst>
           </p:cNvPr>
@@ -1174,7 +1174,7 @@
           <p:cNvPr id="6" name="Slide Number Placeholder 5">
             <a:extLst>
               <a:ext uri="{FF2B5EF4-FFF2-40B4-BE49-F238E27FC236}">
-                <a16:creationId xmlns:a16="http://schemas.microsoft.com/office/drawing/2014/main" xmlns="" id="{8FCB72E2-5F2D-4C3C-A573-D36B3498BA7A}"/>
+                <a16:creationId xmlns="" xmlns:a16="http://schemas.microsoft.com/office/drawing/2014/main" id="{8FCB72E2-5F2D-4C3C-A573-D36B3498BA7A}"/>
               </a:ext>
             </a:extLst>
           </p:cNvPr>
@@ -1233,7 +1233,7 @@
           <p:cNvPr id="2" name="Title 1">
             <a:extLst>
               <a:ext uri="{FF2B5EF4-FFF2-40B4-BE49-F238E27FC236}">
-                <a16:creationId xmlns:a16="http://schemas.microsoft.com/office/drawing/2014/main" xmlns="" id="{61CB242F-90DA-4932-9B60-1E44AEF49484}"/>
+                <a16:creationId xmlns="" xmlns:a16="http://schemas.microsoft.com/office/drawing/2014/main" id="{61CB242F-90DA-4932-9B60-1E44AEF49484}"/>
               </a:ext>
             </a:extLst>
           </p:cNvPr>
@@ -1261,7 +1261,7 @@
           <p:cNvPr id="3" name="Content Placeholder 2">
             <a:extLst>
               <a:ext uri="{FF2B5EF4-FFF2-40B4-BE49-F238E27FC236}">
-                <a16:creationId xmlns:a16="http://schemas.microsoft.com/office/drawing/2014/main" xmlns="" id="{788E95E5-B64D-46CE-ACF2-6A351D5FB94D}"/>
+                <a16:creationId xmlns="" xmlns:a16="http://schemas.microsoft.com/office/drawing/2014/main" id="{788E95E5-B64D-46CE-ACF2-6A351D5FB94D}"/>
               </a:ext>
             </a:extLst>
           </p:cNvPr>
@@ -1323,7 +1323,7 @@
           <p:cNvPr id="4" name="Content Placeholder 3">
             <a:extLst>
               <a:ext uri="{FF2B5EF4-FFF2-40B4-BE49-F238E27FC236}">
-                <a16:creationId xmlns:a16="http://schemas.microsoft.com/office/drawing/2014/main" xmlns="" id="{59BAA6EB-4BED-4357-983D-EA104F4B060A}"/>
+                <a16:creationId xmlns="" xmlns:a16="http://schemas.microsoft.com/office/drawing/2014/main" id="{59BAA6EB-4BED-4357-983D-EA104F4B060A}"/>
               </a:ext>
             </a:extLst>
           </p:cNvPr>
@@ -1385,7 +1385,7 @@
           <p:cNvPr id="5" name="Date Placeholder 4">
             <a:extLst>
               <a:ext uri="{FF2B5EF4-FFF2-40B4-BE49-F238E27FC236}">
-                <a16:creationId xmlns:a16="http://schemas.microsoft.com/office/drawing/2014/main" xmlns="" id="{5A25FC22-7C76-457B-B4AA-215CA835C3E1}"/>
+                <a16:creationId xmlns="" xmlns:a16="http://schemas.microsoft.com/office/drawing/2014/main" id="{5A25FC22-7C76-457B-B4AA-215CA835C3E1}"/>
               </a:ext>
             </a:extLst>
           </p:cNvPr>
@@ -1403,7 +1403,7 @@
           <a:p>
             <a:fld id="{A3AE657A-D284-404D-960B-6B1864A84D1B}" type="datetimeFigureOut">
               <a:rPr lang="en-US" smtClean="0"/>
-              <a:t>3/28/2022</a:t>
+              <a:t>4/7/2022</a:t>
             </a:fld>
             <a:endParaRPr lang="en-US"/>
           </a:p>
@@ -1414,7 +1414,7 @@
           <p:cNvPr id="6" name="Footer Placeholder 5">
             <a:extLst>
               <a:ext uri="{FF2B5EF4-FFF2-40B4-BE49-F238E27FC236}">
-                <a16:creationId xmlns:a16="http://schemas.microsoft.com/office/drawing/2014/main" xmlns="" id="{F8AD7C2F-FD59-46E5-85F6-10CBA1C0F450}"/>
+                <a16:creationId xmlns="" xmlns:a16="http://schemas.microsoft.com/office/drawing/2014/main" id="{F8AD7C2F-FD59-46E5-85F6-10CBA1C0F450}"/>
               </a:ext>
             </a:extLst>
           </p:cNvPr>
@@ -1439,7 +1439,7 @@
           <p:cNvPr id="7" name="Slide Number Placeholder 6">
             <a:extLst>
               <a:ext uri="{FF2B5EF4-FFF2-40B4-BE49-F238E27FC236}">
-                <a16:creationId xmlns:a16="http://schemas.microsoft.com/office/drawing/2014/main" xmlns="" id="{98B3FFE0-2B60-4C11-A32E-1FCF8493AF62}"/>
+                <a16:creationId xmlns="" xmlns:a16="http://schemas.microsoft.com/office/drawing/2014/main" id="{98B3FFE0-2B60-4C11-A32E-1FCF8493AF62}"/>
               </a:ext>
             </a:extLst>
           </p:cNvPr>
@@ -1498,7 +1498,7 @@
           <p:cNvPr id="2" name="Title 1">
             <a:extLst>
               <a:ext uri="{FF2B5EF4-FFF2-40B4-BE49-F238E27FC236}">
-                <a16:creationId xmlns:a16="http://schemas.microsoft.com/office/drawing/2014/main" xmlns="" id="{1C78C062-392B-449C-B8CE-B5DE3D886F86}"/>
+                <a16:creationId xmlns="" xmlns:a16="http://schemas.microsoft.com/office/drawing/2014/main" id="{1C78C062-392B-449C-B8CE-B5DE3D886F86}"/>
               </a:ext>
             </a:extLst>
           </p:cNvPr>
@@ -1531,7 +1531,7 @@
           <p:cNvPr id="3" name="Text Placeholder 2">
             <a:extLst>
               <a:ext uri="{FF2B5EF4-FFF2-40B4-BE49-F238E27FC236}">
-                <a16:creationId xmlns:a16="http://schemas.microsoft.com/office/drawing/2014/main" xmlns="" id="{F6CD22DE-6688-42E5-983F-AB537BC15F61}"/>
+                <a16:creationId xmlns="" xmlns:a16="http://schemas.microsoft.com/office/drawing/2014/main" id="{F6CD22DE-6688-42E5-983F-AB537BC15F61}"/>
               </a:ext>
             </a:extLst>
           </p:cNvPr>
@@ -1602,7 +1602,7 @@
           <p:cNvPr id="4" name="Content Placeholder 3">
             <a:extLst>
               <a:ext uri="{FF2B5EF4-FFF2-40B4-BE49-F238E27FC236}">
-                <a16:creationId xmlns:a16="http://schemas.microsoft.com/office/drawing/2014/main" xmlns="" id="{EBE71AF3-41EE-4F51-8C21-BC7D3E327C8D}"/>
+                <a16:creationId xmlns="" xmlns:a16="http://schemas.microsoft.com/office/drawing/2014/main" id="{EBE71AF3-41EE-4F51-8C21-BC7D3E327C8D}"/>
               </a:ext>
             </a:extLst>
           </p:cNvPr>
@@ -1664,7 +1664,7 @@
           <p:cNvPr id="5" name="Text Placeholder 4">
             <a:extLst>
               <a:ext uri="{FF2B5EF4-FFF2-40B4-BE49-F238E27FC236}">
-                <a16:creationId xmlns:a16="http://schemas.microsoft.com/office/drawing/2014/main" xmlns="" id="{73B194B6-F36E-4B56-AE2D-FC9E3BE7932C}"/>
+                <a16:creationId xmlns="" xmlns:a16="http://schemas.microsoft.com/office/drawing/2014/main" id="{73B194B6-F36E-4B56-AE2D-FC9E3BE7932C}"/>
               </a:ext>
             </a:extLst>
           </p:cNvPr>
@@ -1735,7 +1735,7 @@
           <p:cNvPr id="6" name="Content Placeholder 5">
             <a:extLst>
               <a:ext uri="{FF2B5EF4-FFF2-40B4-BE49-F238E27FC236}">
-                <a16:creationId xmlns:a16="http://schemas.microsoft.com/office/drawing/2014/main" xmlns="" id="{B01EC941-0411-4396-BA23-9E4B19E149B4}"/>
+                <a16:creationId xmlns="" xmlns:a16="http://schemas.microsoft.com/office/drawing/2014/main" id="{B01EC941-0411-4396-BA23-9E4B19E149B4}"/>
               </a:ext>
             </a:extLst>
           </p:cNvPr>
@@ -1797,7 +1797,7 @@
           <p:cNvPr id="7" name="Date Placeholder 6">
             <a:extLst>
               <a:ext uri="{FF2B5EF4-FFF2-40B4-BE49-F238E27FC236}">
-                <a16:creationId xmlns:a16="http://schemas.microsoft.com/office/drawing/2014/main" xmlns="" id="{2E728EBB-506B-4F31-886B-80D8B3A550A6}"/>
+                <a16:creationId xmlns="" xmlns:a16="http://schemas.microsoft.com/office/drawing/2014/main" id="{2E728EBB-506B-4F31-886B-80D8B3A550A6}"/>
               </a:ext>
             </a:extLst>
           </p:cNvPr>
@@ -1815,7 +1815,7 @@
           <a:p>
             <a:fld id="{A3AE657A-D284-404D-960B-6B1864A84D1B}" type="datetimeFigureOut">
               <a:rPr lang="en-US" smtClean="0"/>
-              <a:t>3/28/2022</a:t>
+              <a:t>4/7/2022</a:t>
             </a:fld>
             <a:endParaRPr lang="en-US"/>
           </a:p>
@@ -1826,7 +1826,7 @@
           <p:cNvPr id="8" name="Footer Placeholder 7">
             <a:extLst>
               <a:ext uri="{FF2B5EF4-FFF2-40B4-BE49-F238E27FC236}">
-                <a16:creationId xmlns:a16="http://schemas.microsoft.com/office/drawing/2014/main" xmlns="" id="{B44AF1B1-CDB9-4627-9337-59449F01AC7A}"/>
+                <a16:creationId xmlns="" xmlns:a16="http://schemas.microsoft.com/office/drawing/2014/main" id="{B44AF1B1-CDB9-4627-9337-59449F01AC7A}"/>
               </a:ext>
             </a:extLst>
           </p:cNvPr>
@@ -1851,7 +1851,7 @@
           <p:cNvPr id="9" name="Slide Number Placeholder 8">
             <a:extLst>
               <a:ext uri="{FF2B5EF4-FFF2-40B4-BE49-F238E27FC236}">
-                <a16:creationId xmlns:a16="http://schemas.microsoft.com/office/drawing/2014/main" xmlns="" id="{9B0C9E1E-6E34-454C-9223-EA62E44F00AD}"/>
+                <a16:creationId xmlns="" xmlns:a16="http://schemas.microsoft.com/office/drawing/2014/main" id="{9B0C9E1E-6E34-454C-9223-EA62E44F00AD}"/>
               </a:ext>
             </a:extLst>
           </p:cNvPr>
@@ -1910,7 +1910,7 @@
           <p:cNvPr id="2" name="Title 1">
             <a:extLst>
               <a:ext uri="{FF2B5EF4-FFF2-40B4-BE49-F238E27FC236}">
-                <a16:creationId xmlns:a16="http://schemas.microsoft.com/office/drawing/2014/main" xmlns="" id="{8DA7F72A-1F12-41E4-95DD-89CB88B4CB47}"/>
+                <a16:creationId xmlns="" xmlns:a16="http://schemas.microsoft.com/office/drawing/2014/main" id="{8DA7F72A-1F12-41E4-95DD-89CB88B4CB47}"/>
               </a:ext>
             </a:extLst>
           </p:cNvPr>
@@ -1938,7 +1938,7 @@
           <p:cNvPr id="3" name="Date Placeholder 2">
             <a:extLst>
               <a:ext uri="{FF2B5EF4-FFF2-40B4-BE49-F238E27FC236}">
-                <a16:creationId xmlns:a16="http://schemas.microsoft.com/office/drawing/2014/main" xmlns="" id="{E1230E12-6076-49CB-9E6E-C5C642FE4793}"/>
+                <a16:creationId xmlns="" xmlns:a16="http://schemas.microsoft.com/office/drawing/2014/main" id="{E1230E12-6076-49CB-9E6E-C5C642FE4793}"/>
               </a:ext>
             </a:extLst>
           </p:cNvPr>
@@ -1956,7 +1956,7 @@
           <a:p>
             <a:fld id="{A3AE657A-D284-404D-960B-6B1864A84D1B}" type="datetimeFigureOut">
               <a:rPr lang="en-US" smtClean="0"/>
-              <a:t>3/28/2022</a:t>
+              <a:t>4/7/2022</a:t>
             </a:fld>
             <a:endParaRPr lang="en-US"/>
           </a:p>
@@ -1967,7 +1967,7 @@
           <p:cNvPr id="4" name="Footer Placeholder 3">
             <a:extLst>
               <a:ext uri="{FF2B5EF4-FFF2-40B4-BE49-F238E27FC236}">
-                <a16:creationId xmlns:a16="http://schemas.microsoft.com/office/drawing/2014/main" xmlns="" id="{09513BE8-E2C4-4578-AD28-62A82C5C8748}"/>
+                <a16:creationId xmlns="" xmlns:a16="http://schemas.microsoft.com/office/drawing/2014/main" id="{09513BE8-E2C4-4578-AD28-62A82C5C8748}"/>
               </a:ext>
             </a:extLst>
           </p:cNvPr>
@@ -1992,7 +1992,7 @@
           <p:cNvPr id="5" name="Slide Number Placeholder 4">
             <a:extLst>
               <a:ext uri="{FF2B5EF4-FFF2-40B4-BE49-F238E27FC236}">
-                <a16:creationId xmlns:a16="http://schemas.microsoft.com/office/drawing/2014/main" xmlns="" id="{488EB3D3-86DA-4F31-BDBB-695ABC949AE5}"/>
+                <a16:creationId xmlns="" xmlns:a16="http://schemas.microsoft.com/office/drawing/2014/main" id="{488EB3D3-86DA-4F31-BDBB-695ABC949AE5}"/>
               </a:ext>
             </a:extLst>
           </p:cNvPr>
@@ -2051,7 +2051,7 @@
           <p:cNvPr id="2" name="Date Placeholder 1">
             <a:extLst>
               <a:ext uri="{FF2B5EF4-FFF2-40B4-BE49-F238E27FC236}">
-                <a16:creationId xmlns:a16="http://schemas.microsoft.com/office/drawing/2014/main" xmlns="" id="{57F069B2-016A-4E27-86F1-362553CBFBF8}"/>
+                <a16:creationId xmlns="" xmlns:a16="http://schemas.microsoft.com/office/drawing/2014/main" id="{57F069B2-016A-4E27-86F1-362553CBFBF8}"/>
               </a:ext>
             </a:extLst>
           </p:cNvPr>
@@ -2069,7 +2069,7 @@
           <a:p>
             <a:fld id="{A3AE657A-D284-404D-960B-6B1864A84D1B}" type="datetimeFigureOut">
               <a:rPr lang="en-US" smtClean="0"/>
-              <a:t>3/28/2022</a:t>
+              <a:t>4/7/2022</a:t>
             </a:fld>
             <a:endParaRPr lang="en-US"/>
           </a:p>
@@ -2080,7 +2080,7 @@
           <p:cNvPr id="3" name="Footer Placeholder 2">
             <a:extLst>
               <a:ext uri="{FF2B5EF4-FFF2-40B4-BE49-F238E27FC236}">
-                <a16:creationId xmlns:a16="http://schemas.microsoft.com/office/drawing/2014/main" xmlns="" id="{791F90A9-3720-4BB0-A934-298DAE23A04B}"/>
+                <a16:creationId xmlns="" xmlns:a16="http://schemas.microsoft.com/office/drawing/2014/main" id="{791F90A9-3720-4BB0-A934-298DAE23A04B}"/>
               </a:ext>
             </a:extLst>
           </p:cNvPr>
@@ -2105,7 +2105,7 @@
           <p:cNvPr id="4" name="Slide Number Placeholder 3">
             <a:extLst>
               <a:ext uri="{FF2B5EF4-FFF2-40B4-BE49-F238E27FC236}">
-                <a16:creationId xmlns:a16="http://schemas.microsoft.com/office/drawing/2014/main" xmlns="" id="{664794EF-DBBD-482B-A780-21502550ABE7}"/>
+                <a16:creationId xmlns="" xmlns:a16="http://schemas.microsoft.com/office/drawing/2014/main" id="{664794EF-DBBD-482B-A780-21502550ABE7}"/>
               </a:ext>
             </a:extLst>
           </p:cNvPr>
@@ -2164,7 +2164,7 @@
           <p:cNvPr id="2" name="Title 1">
             <a:extLst>
               <a:ext uri="{FF2B5EF4-FFF2-40B4-BE49-F238E27FC236}">
-                <a16:creationId xmlns:a16="http://schemas.microsoft.com/office/drawing/2014/main" xmlns="" id="{6D0CC981-BC2A-4566-BA54-B1FACDCAF48D}"/>
+                <a16:creationId xmlns="" xmlns:a16="http://schemas.microsoft.com/office/drawing/2014/main" id="{6D0CC981-BC2A-4566-BA54-B1FACDCAF48D}"/>
               </a:ext>
             </a:extLst>
           </p:cNvPr>
@@ -2201,7 +2201,7 @@
           <p:cNvPr id="3" name="Content Placeholder 2">
             <a:extLst>
               <a:ext uri="{FF2B5EF4-FFF2-40B4-BE49-F238E27FC236}">
-                <a16:creationId xmlns:a16="http://schemas.microsoft.com/office/drawing/2014/main" xmlns="" id="{CF32CEED-D1F1-4801-84AD-CB77A51AB429}"/>
+                <a16:creationId xmlns="" xmlns:a16="http://schemas.microsoft.com/office/drawing/2014/main" id="{CF32CEED-D1F1-4801-84AD-CB77A51AB429}"/>
               </a:ext>
             </a:extLst>
           </p:cNvPr>
@@ -2291,7 +2291,7 @@
           <p:cNvPr id="4" name="Text Placeholder 3">
             <a:extLst>
               <a:ext uri="{FF2B5EF4-FFF2-40B4-BE49-F238E27FC236}">
-                <a16:creationId xmlns:a16="http://schemas.microsoft.com/office/drawing/2014/main" xmlns="" id="{81C6CE86-C87A-4620-91E1-94FBE4804063}"/>
+                <a16:creationId xmlns="" xmlns:a16="http://schemas.microsoft.com/office/drawing/2014/main" id="{81C6CE86-C87A-4620-91E1-94FBE4804063}"/>
               </a:ext>
             </a:extLst>
           </p:cNvPr>
@@ -2362,7 +2362,7 @@
           <p:cNvPr id="5" name="Date Placeholder 4">
             <a:extLst>
               <a:ext uri="{FF2B5EF4-FFF2-40B4-BE49-F238E27FC236}">
-                <a16:creationId xmlns:a16="http://schemas.microsoft.com/office/drawing/2014/main" xmlns="" id="{84A81CCF-6073-4981-805E-B970CA8EAB70}"/>
+                <a16:creationId xmlns="" xmlns:a16="http://schemas.microsoft.com/office/drawing/2014/main" id="{84A81CCF-6073-4981-805E-B970CA8EAB70}"/>
               </a:ext>
             </a:extLst>
           </p:cNvPr>
@@ -2380,7 +2380,7 @@
           <a:p>
             <a:fld id="{A3AE657A-D284-404D-960B-6B1864A84D1B}" type="datetimeFigureOut">
               <a:rPr lang="en-US" smtClean="0"/>
-              <a:t>3/28/2022</a:t>
+              <a:t>4/7/2022</a:t>
             </a:fld>
             <a:endParaRPr lang="en-US"/>
           </a:p>
@@ -2391,7 +2391,7 @@
           <p:cNvPr id="6" name="Footer Placeholder 5">
             <a:extLst>
               <a:ext uri="{FF2B5EF4-FFF2-40B4-BE49-F238E27FC236}">
-                <a16:creationId xmlns:a16="http://schemas.microsoft.com/office/drawing/2014/main" xmlns="" id="{FE1F0BBE-5758-4FEB-B74D-E83097EF1A0E}"/>
+                <a16:creationId xmlns="" xmlns:a16="http://schemas.microsoft.com/office/drawing/2014/main" id="{FE1F0BBE-5758-4FEB-B74D-E83097EF1A0E}"/>
               </a:ext>
             </a:extLst>
           </p:cNvPr>
@@ -2416,7 +2416,7 @@
           <p:cNvPr id="7" name="Slide Number Placeholder 6">
             <a:extLst>
               <a:ext uri="{FF2B5EF4-FFF2-40B4-BE49-F238E27FC236}">
-                <a16:creationId xmlns:a16="http://schemas.microsoft.com/office/drawing/2014/main" xmlns="" id="{2DD8899B-B015-4679-B980-75A6FE60E7C1}"/>
+                <a16:creationId xmlns="" xmlns:a16="http://schemas.microsoft.com/office/drawing/2014/main" id="{2DD8899B-B015-4679-B980-75A6FE60E7C1}"/>
               </a:ext>
             </a:extLst>
           </p:cNvPr>
@@ -2475,7 +2475,7 @@
           <p:cNvPr id="2" name="Title 1">
             <a:extLst>
               <a:ext uri="{FF2B5EF4-FFF2-40B4-BE49-F238E27FC236}">
-                <a16:creationId xmlns:a16="http://schemas.microsoft.com/office/drawing/2014/main" xmlns="" id="{8B4C2EBA-5FFF-4E97-9A88-E605A6524D13}"/>
+                <a16:creationId xmlns="" xmlns:a16="http://schemas.microsoft.com/office/drawing/2014/main" id="{8B4C2EBA-5FFF-4E97-9A88-E605A6524D13}"/>
               </a:ext>
             </a:extLst>
           </p:cNvPr>
@@ -2512,7 +2512,7 @@
           <p:cNvPr id="3" name="Picture Placeholder 2">
             <a:extLst>
               <a:ext uri="{FF2B5EF4-FFF2-40B4-BE49-F238E27FC236}">
-                <a16:creationId xmlns:a16="http://schemas.microsoft.com/office/drawing/2014/main" xmlns="" id="{4BEEE40D-DDC8-4194-95AE-3F8428D2A75E}"/>
+                <a16:creationId xmlns="" xmlns:a16="http://schemas.microsoft.com/office/drawing/2014/main" id="{4BEEE40D-DDC8-4194-95AE-3F8428D2A75E}"/>
               </a:ext>
             </a:extLst>
           </p:cNvPr>
@@ -2579,7 +2579,7 @@
           <p:cNvPr id="4" name="Text Placeholder 3">
             <a:extLst>
               <a:ext uri="{FF2B5EF4-FFF2-40B4-BE49-F238E27FC236}">
-                <a16:creationId xmlns:a16="http://schemas.microsoft.com/office/drawing/2014/main" xmlns="" id="{41A49CA5-9F13-48B1-AD08-99DB2DE25458}"/>
+                <a16:creationId xmlns="" xmlns:a16="http://schemas.microsoft.com/office/drawing/2014/main" id="{41A49CA5-9F13-48B1-AD08-99DB2DE25458}"/>
               </a:ext>
             </a:extLst>
           </p:cNvPr>
@@ -2650,7 +2650,7 @@
           <p:cNvPr id="5" name="Date Placeholder 4">
             <a:extLst>
               <a:ext uri="{FF2B5EF4-FFF2-40B4-BE49-F238E27FC236}">
-                <a16:creationId xmlns:a16="http://schemas.microsoft.com/office/drawing/2014/main" xmlns="" id="{17763D3E-C535-4B90-814D-77964803AC10}"/>
+                <a16:creationId xmlns="" xmlns:a16="http://schemas.microsoft.com/office/drawing/2014/main" id="{17763D3E-C535-4B90-814D-77964803AC10}"/>
               </a:ext>
             </a:extLst>
           </p:cNvPr>
@@ -2668,7 +2668,7 @@
           <a:p>
             <a:fld id="{A3AE657A-D284-404D-960B-6B1864A84D1B}" type="datetimeFigureOut">
               <a:rPr lang="en-US" smtClean="0"/>
-              <a:t>3/28/2022</a:t>
+              <a:t>4/7/2022</a:t>
             </a:fld>
             <a:endParaRPr lang="en-US"/>
           </a:p>
@@ -2679,7 +2679,7 @@
           <p:cNvPr id="6" name="Footer Placeholder 5">
             <a:extLst>
               <a:ext uri="{FF2B5EF4-FFF2-40B4-BE49-F238E27FC236}">
-                <a16:creationId xmlns:a16="http://schemas.microsoft.com/office/drawing/2014/main" xmlns="" id="{7E4472C7-A0B9-48B6-AECC-45F7EF14EFE4}"/>
+                <a16:creationId xmlns="" xmlns:a16="http://schemas.microsoft.com/office/drawing/2014/main" id="{7E4472C7-A0B9-48B6-AECC-45F7EF14EFE4}"/>
               </a:ext>
             </a:extLst>
           </p:cNvPr>
@@ -2704,7 +2704,7 @@
           <p:cNvPr id="7" name="Slide Number Placeholder 6">
             <a:extLst>
               <a:ext uri="{FF2B5EF4-FFF2-40B4-BE49-F238E27FC236}">
-                <a16:creationId xmlns:a16="http://schemas.microsoft.com/office/drawing/2014/main" xmlns="" id="{E9C83EB5-6CC3-45AD-A266-794B610EEE1C}"/>
+                <a16:creationId xmlns="" xmlns:a16="http://schemas.microsoft.com/office/drawing/2014/main" id="{E9C83EB5-6CC3-45AD-A266-794B610EEE1C}"/>
               </a:ext>
             </a:extLst>
           </p:cNvPr>
@@ -2768,7 +2768,7 @@
           <p:cNvPr id="2" name="Title Placeholder 1">
             <a:extLst>
               <a:ext uri="{FF2B5EF4-FFF2-40B4-BE49-F238E27FC236}">
-                <a16:creationId xmlns:a16="http://schemas.microsoft.com/office/drawing/2014/main" xmlns="" id="{FC07EE6F-80F7-498F-8FC8-766087863C96}"/>
+                <a16:creationId xmlns="" xmlns:a16="http://schemas.microsoft.com/office/drawing/2014/main" id="{FC07EE6F-80F7-498F-8FC8-766087863C96}"/>
               </a:ext>
             </a:extLst>
           </p:cNvPr>
@@ -2806,7 +2806,7 @@
           <p:cNvPr id="3" name="Text Placeholder 2">
             <a:extLst>
               <a:ext uri="{FF2B5EF4-FFF2-40B4-BE49-F238E27FC236}">
-                <a16:creationId xmlns:a16="http://schemas.microsoft.com/office/drawing/2014/main" xmlns="" id="{78F0F1D2-23C3-432E-BF86-FE9C26EB9A3E}"/>
+                <a16:creationId xmlns="" xmlns:a16="http://schemas.microsoft.com/office/drawing/2014/main" id="{78F0F1D2-23C3-432E-BF86-FE9C26EB9A3E}"/>
               </a:ext>
             </a:extLst>
           </p:cNvPr>
@@ -2873,7 +2873,7 @@
           <p:cNvPr id="4" name="Date Placeholder 3">
             <a:extLst>
               <a:ext uri="{FF2B5EF4-FFF2-40B4-BE49-F238E27FC236}">
-                <a16:creationId xmlns:a16="http://schemas.microsoft.com/office/drawing/2014/main" xmlns="" id="{45FBC486-1BCB-4B13-9054-B2C57F6EE911}"/>
+                <a16:creationId xmlns="" xmlns:a16="http://schemas.microsoft.com/office/drawing/2014/main" id="{45FBC486-1BCB-4B13-9054-B2C57F6EE911}"/>
               </a:ext>
             </a:extLst>
           </p:cNvPr>
@@ -2909,7 +2909,7 @@
           <a:p>
             <a:fld id="{A3AE657A-D284-404D-960B-6B1864A84D1B}" type="datetimeFigureOut">
               <a:rPr lang="en-US" smtClean="0"/>
-              <a:t>3/28/2022</a:t>
+              <a:t>4/7/2022</a:t>
             </a:fld>
             <a:endParaRPr lang="en-US"/>
           </a:p>
@@ -2920,7 +2920,7 @@
           <p:cNvPr id="5" name="Footer Placeholder 4">
             <a:extLst>
               <a:ext uri="{FF2B5EF4-FFF2-40B4-BE49-F238E27FC236}">
-                <a16:creationId xmlns:a16="http://schemas.microsoft.com/office/drawing/2014/main" xmlns="" id="{3B8AAE3E-84DF-43F6-902B-A5E732AF278A}"/>
+                <a16:creationId xmlns="" xmlns:a16="http://schemas.microsoft.com/office/drawing/2014/main" id="{3B8AAE3E-84DF-43F6-902B-A5E732AF278A}"/>
               </a:ext>
             </a:extLst>
           </p:cNvPr>
@@ -2963,7 +2963,7 @@
           <p:cNvPr id="6" name="Slide Number Placeholder 5">
             <a:extLst>
               <a:ext uri="{FF2B5EF4-FFF2-40B4-BE49-F238E27FC236}">
-                <a16:creationId xmlns:a16="http://schemas.microsoft.com/office/drawing/2014/main" xmlns="" id="{7579D16B-435A-46BA-B9D4-735DD6980E26}"/>
+                <a16:creationId xmlns="" xmlns:a16="http://schemas.microsoft.com/office/drawing/2014/main" id="{7579D16B-435A-46BA-B9D4-735DD6980E26}"/>
               </a:ext>
             </a:extLst>
           </p:cNvPr>
@@ -3331,7 +3331,7 @@
           <p:cNvPr id="65" name="Rounded Rectangle 60">
             <a:extLst>
               <a:ext uri="{FF2B5EF4-FFF2-40B4-BE49-F238E27FC236}">
-                <a16:creationId xmlns:a16="http://schemas.microsoft.com/office/drawing/2014/main" xmlns="" id="{237A6621-EDB6-4188-8573-7B8B8746FFD7}"/>
+                <a16:creationId xmlns="" xmlns:a16="http://schemas.microsoft.com/office/drawing/2014/main" id="{237A6621-EDB6-4188-8573-7B8B8746FFD7}"/>
               </a:ext>
             </a:extLst>
           </p:cNvPr>
@@ -3407,8 +3407,8 @@
         </p:nvSpPr>
         <p:spPr>
           <a:xfrm>
-            <a:off x="6961465" y="1532318"/>
-            <a:ext cx="2460363" cy="873926"/>
+            <a:off x="6818301" y="2737797"/>
+            <a:ext cx="1713698" cy="979235"/>
           </a:xfrm>
           <a:prstGeom prst="roundRect">
             <a:avLst>
@@ -3556,8 +3556,8 @@
         </p:nvSpPr>
         <p:spPr>
           <a:xfrm>
-            <a:off x="6866417" y="4061535"/>
-            <a:ext cx="2439630" cy="810581"/>
+            <a:off x="6818300" y="3817070"/>
+            <a:ext cx="1695857" cy="1052090"/>
           </a:xfrm>
           <a:prstGeom prst="roundRect">
             <a:avLst>
@@ -3615,95 +3615,13 @@
       </p:sp>
       <p:sp>
         <p:nvSpPr>
-          <p:cNvPr id="69" name="Rounded Rectangle 68"/>
-          <p:cNvSpPr/>
-          <p:nvPr/>
-        </p:nvSpPr>
-        <p:spPr>
-          <a:xfrm>
-            <a:off x="6892257" y="2844607"/>
-            <a:ext cx="2435650" cy="853748"/>
-          </a:xfrm>
-          <a:prstGeom prst="roundRect">
-            <a:avLst>
-              <a:gd name="adj" fmla="val 15733"/>
-            </a:avLst>
-          </a:prstGeom>
-          <a:solidFill>
-            <a:srgbClr val="FFFFFF"/>
-          </a:solidFill>
-          <a:ln w="12700" cap="flat" cmpd="sng" algn="ctr">
-            <a:solidFill>
-              <a:srgbClr val="CBD3D7"/>
-            </a:solidFill>
-            <a:prstDash val="solid"/>
-          </a:ln>
-          <a:effectLst/>
-        </p:spPr>
-        <p:txBody>
-          <a:bodyPr rtlCol="0" anchor="ctr"/>
-          <a:lstStyle/>
-          <a:p>
-            <a:pPr marL="0" marR="0" lvl="0" indent="0" algn="ctr" defTabSz="914377" eaLnBrk="1" fontAlgn="auto" latinLnBrk="0" hangingPunct="1">
-              <a:lnSpc>
-                <a:spcPct val="100000"/>
-              </a:lnSpc>
-              <a:spcBef>
-                <a:spcPts val="0"/>
-              </a:spcBef>
-              <a:spcAft>
-                <a:spcPts val="0"/>
-              </a:spcAft>
-              <a:buClrTx/>
-              <a:buSzTx/>
-              <a:buFontTx/>
-              <a:buNone/>
-              <a:tabLst/>
-              <a:defRPr/>
-            </a:pPr>
-            <a:r>
-              <a:rPr kumimoji="0" lang="en-US" sz="1800" b="0" i="0" u="none" strike="noStrike" kern="0" cap="none" spc="0" normalizeH="0" baseline="0" noProof="0" smtClean="0">
-                <a:ln>
-                  <a:noFill/>
-                </a:ln>
-                <a:solidFill>
-                  <a:srgbClr val="FFFFFF"/>
-                </a:solidFill>
-                <a:effectLst/>
-                <a:uLnTx/>
-                <a:uFillTx/>
-                <a:latin typeface="Calibri" panose="020F0502020204030204"/>
-                <a:ea typeface="+mn-ea"/>
-                <a:cs typeface="+mn-cs"/>
-              </a:rPr>
-              <a:t>vz</a:t>
-            </a:r>
-            <a:endParaRPr kumimoji="0" lang="en-US" sz="1800" b="0" i="0" u="none" strike="noStrike" kern="0" cap="none" spc="0" normalizeH="0" baseline="0" noProof="0" dirty="0" smtClean="0">
-              <a:ln>
-                <a:noFill/>
-              </a:ln>
-              <a:solidFill>
-                <a:srgbClr val="FFFFFF"/>
-              </a:solidFill>
-              <a:effectLst/>
-              <a:uLnTx/>
-              <a:uFillTx/>
-              <a:latin typeface="Calibri" panose="020F0502020204030204"/>
-              <a:ea typeface="+mn-ea"/>
-              <a:cs typeface="+mn-cs"/>
-            </a:endParaRPr>
-          </a:p>
-        </p:txBody>
-      </p:sp>
-      <p:sp>
-        <p:nvSpPr>
           <p:cNvPr id="70" name="TextBox 69"/>
           <p:cNvSpPr txBox="1"/>
           <p:nvPr/>
         </p:nvSpPr>
         <p:spPr>
           <a:xfrm>
-            <a:off x="6961465" y="1607973"/>
+            <a:off x="6818300" y="2813453"/>
             <a:ext cx="1931600" cy="307777"/>
           </a:xfrm>
           <a:prstGeom prst="rect">
@@ -3727,52 +3645,7 @@
                 <a:ea typeface="Source Sans Pro" charset="0"/>
                 <a:cs typeface="Source Sans Pro" charset="0"/>
               </a:rPr>
-              <a:t>Central Repository</a:t>
-            </a:r>
-            <a:endParaRPr lang="en-US" sz="1400" b="1" dirty="0">
-              <a:solidFill>
-                <a:srgbClr val="4B5357"/>
-              </a:solidFill>
-              <a:latin typeface="Source Sans Pro" charset="0"/>
-              <a:ea typeface="Source Sans Pro" charset="0"/>
-              <a:cs typeface="Source Sans Pro" charset="0"/>
-            </a:endParaRPr>
-          </a:p>
-        </p:txBody>
-      </p:sp>
-      <p:sp>
-        <p:nvSpPr>
-          <p:cNvPr id="71" name="TextBox 70"/>
-          <p:cNvSpPr txBox="1"/>
-          <p:nvPr/>
-        </p:nvSpPr>
-        <p:spPr>
-          <a:xfrm>
-            <a:off x="6934146" y="2952215"/>
-            <a:ext cx="1909130" cy="307777"/>
-          </a:xfrm>
-          <a:prstGeom prst="rect">
-            <a:avLst/>
-          </a:prstGeom>
-          <a:noFill/>
-        </p:spPr>
-        <p:txBody>
-          <a:bodyPr wrap="square" rtlCol="0">
-            <a:spAutoFit/>
-          </a:bodyPr>
-          <a:lstStyle/>
-          <a:p>
-            <a:pPr defTabSz="914377"/>
-            <a:r>
-              <a:rPr lang="en-US" sz="1400" b="1" dirty="0" smtClean="0">
-                <a:solidFill>
-                  <a:srgbClr val="4B5357"/>
-                </a:solidFill>
-                <a:latin typeface="Source Sans Pro" charset="0"/>
-                <a:ea typeface="Source Sans Pro" charset="0"/>
-                <a:cs typeface="Source Sans Pro" charset="0"/>
-              </a:rPr>
-              <a:t>Developer Repository</a:t>
+              <a:t>Module Repositories</a:t>
             </a:r>
             <a:endParaRPr lang="en-US" sz="1400" b="1" dirty="0">
               <a:solidFill>
@@ -3801,7 +3674,7 @@
         </p:blipFill>
         <p:spPr>
           <a:xfrm>
-            <a:off x="8821416" y="4152036"/>
+            <a:off x="7488098" y="4372670"/>
             <a:ext cx="356260" cy="356260"/>
           </a:xfrm>
           <a:prstGeom prst="rect">
@@ -3817,7 +3690,7 @@
         </p:nvSpPr>
         <p:spPr>
           <a:xfrm>
-            <a:off x="6891801" y="4176277"/>
+            <a:off x="6849785" y="3986584"/>
             <a:ext cx="1783362" cy="307777"/>
           </a:xfrm>
           <a:prstGeom prst="rect">
@@ -3841,7 +3714,7 @@
                 <a:ea typeface="Source Sans Pro" charset="0"/>
                 <a:cs typeface="Source Sans Pro" charset="0"/>
               </a:rPr>
-              <a:t>GitHub Repository</a:t>
+              <a:t>Source Repositories</a:t>
             </a:r>
             <a:endParaRPr lang="en-US" sz="1400" b="1" dirty="0">
               <a:solidFill>
@@ -4061,7 +3934,7 @@
           <p:cNvPr id="77" name="Picture 76">
             <a:extLst>
               <a:ext uri="{FF2B5EF4-FFF2-40B4-BE49-F238E27FC236}">
-                <a16:creationId xmlns="" xmlns:a16="http://schemas.microsoft.com/office/drawing/2014/main" id="{72176D6D-182A-4BB5-8EA3-0ACC3EEFD101}"/>
+                <a16:creationId xmlns:a16="http://schemas.microsoft.com/office/drawing/2014/main" xmlns="" id="{72176D6D-182A-4BB5-8EA3-0ACC3EEFD101}"/>
               </a:ext>
             </a:extLst>
           </p:cNvPr>
@@ -4084,8 +3957,8 @@
         </p:blipFill>
         <p:spPr>
           <a:xfrm>
-            <a:off x="1870331" y="3394355"/>
-            <a:ext cx="973103" cy="322677"/>
+            <a:off x="1782594" y="3615265"/>
+            <a:ext cx="1093687" cy="362662"/>
           </a:xfrm>
           <a:prstGeom prst="rect">
             <a:avLst/>
@@ -4124,7 +3997,18 @@
                 <a:ea typeface="Source Sans Pro" charset="0"/>
                 <a:cs typeface="Source Sans Pro" charset="0"/>
               </a:rPr>
-              <a:t>Module Manager</a:t>
+              <a:t>Module </a:t>
+            </a:r>
+            <a:r>
+              <a:rPr lang="en-US" sz="1400" b="1" dirty="0" smtClean="0">
+                <a:solidFill>
+                  <a:srgbClr val="4B5357"/>
+                </a:solidFill>
+                <a:latin typeface="Source Sans Pro" charset="0"/>
+                <a:ea typeface="Source Sans Pro" charset="0"/>
+                <a:cs typeface="Source Sans Pro" charset="0"/>
+              </a:rPr>
+              <a:t>Manager</a:t>
             </a:r>
             <a:endParaRPr lang="en-US" sz="1400" b="1" dirty="0">
               <a:solidFill>
@@ -4139,10 +4023,10 @@
       </p:sp>
       <p:pic>
         <p:nvPicPr>
-          <p:cNvPr id="79" name="Picture 78">
-            <a:extLst>
-              <a:ext uri="{FF2B5EF4-FFF2-40B4-BE49-F238E27FC236}">
-                <a16:creationId xmlns:a16="http://schemas.microsoft.com/office/drawing/2014/main" xmlns="" id="{6E47523C-39E3-414E-8E44-2AF044AA7D00}"/>
+          <p:cNvPr id="80" name="Picture 79">
+            <a:extLst>
+              <a:ext uri="{FF2B5EF4-FFF2-40B4-BE49-F238E27FC236}">
+                <a16:creationId xmlns="" xmlns:a16="http://schemas.microsoft.com/office/drawing/2014/main" id="{B9BC1CCF-31EE-4DC1-ABBF-BD10F1CF41F4}"/>
               </a:ext>
             </a:extLst>
           </p:cNvPr>
@@ -4153,42 +4037,6 @@
         </p:nvPicPr>
         <p:blipFill>
           <a:blip r:embed="rId4" cstate="print">
-            <a:extLst>
-              <a:ext uri="{28A0092B-C50C-407E-A947-70E740481C1C}">
-                <a14:useLocalDpi xmlns:a14="http://schemas.microsoft.com/office/drawing/2010/main" val="0"/>
-              </a:ext>
-            </a:extLst>
-          </a:blip>
-          <a:stretch>
-            <a:fillRect/>
-          </a:stretch>
-        </p:blipFill>
-        <p:spPr>
-          <a:xfrm>
-            <a:off x="5151274" y="3217828"/>
-            <a:ext cx="455462" cy="459117"/>
-          </a:xfrm>
-          <a:prstGeom prst="rect">
-            <a:avLst/>
-          </a:prstGeom>
-        </p:spPr>
-      </p:pic>
-      <p:pic>
-        <p:nvPicPr>
-          <p:cNvPr id="80" name="Picture 79">
-            <a:extLst>
-              <a:ext uri="{FF2B5EF4-FFF2-40B4-BE49-F238E27FC236}">
-                <a16:creationId xmlns:a16="http://schemas.microsoft.com/office/drawing/2014/main" xmlns="" id="{B9BC1CCF-31EE-4DC1-ABBF-BD10F1CF41F4}"/>
-              </a:ext>
-            </a:extLst>
-          </p:cNvPr>
-          <p:cNvPicPr>
-            <a:picLocks noChangeAspect="1"/>
-          </p:cNvPicPr>
-          <p:nvPr/>
-        </p:nvPicPr>
-        <p:blipFill>
-          <a:blip r:embed="rId5" cstate="print">
             <a:extLst>
               <a:ext uri="{28A0092B-C50C-407E-A947-70E740481C1C}">
                 <a14:useLocalDpi xmlns:a14="http://schemas.microsoft.com/office/drawing/2010/main" val="0"/>
@@ -4241,7 +4089,7 @@
                 <a:ea typeface="Source Sans Pro" charset="0"/>
                 <a:cs typeface="Source Sans Pro" charset="0"/>
               </a:rPr>
-              <a:t>SDK (Desktop)</a:t>
+              <a:t>IDE</a:t>
             </a:r>
             <a:endParaRPr lang="en-US" sz="1400" b="1" dirty="0">
               <a:solidFill>
@@ -4259,7 +4107,7 @@
           <p:cNvPr id="82" name="Picture 81">
             <a:extLst>
               <a:ext uri="{FF2B5EF4-FFF2-40B4-BE49-F238E27FC236}">
-                <a16:creationId xmlns:a16="http://schemas.microsoft.com/office/drawing/2014/main" xmlns="" id="{579DE3DA-C1FA-49CF-890F-DF5AEF9DE1DD}"/>
+                <a16:creationId xmlns="" xmlns:a16="http://schemas.microsoft.com/office/drawing/2014/main" id="{579DE3DA-C1FA-49CF-890F-DF5AEF9DE1DD}"/>
               </a:ext>
             </a:extLst>
           </p:cNvPr>
@@ -4269,7 +4117,7 @@
           <p:nvPr/>
         </p:nvPicPr>
         <p:blipFill rotWithShape="1">
-          <a:blip r:embed="rId6" cstate="print">
+          <a:blip r:embed="rId5" cstate="print">
             <a:extLst>
               <a:ext uri="{28A0092B-C50C-407E-A947-70E740481C1C}">
                 <a14:useLocalDpi xmlns:a14="http://schemas.microsoft.com/office/drawing/2010/main" val="0"/>
@@ -4298,7 +4146,7 @@
           <p:nvPr/>
         </p:nvPicPr>
         <p:blipFill>
-          <a:blip r:embed="rId7" cstate="print">
+          <a:blip r:embed="rId6" cstate="print">
             <a:extLst>
               <a:ext uri="{28A0092B-C50C-407E-A947-70E740481C1C}">
                 <a14:useLocalDpi xmlns:a14="http://schemas.microsoft.com/office/drawing/2010/main" val="0"/>
@@ -4311,68 +4159,8 @@
         </p:blipFill>
         <p:spPr>
           <a:xfrm>
-            <a:off x="8777601" y="1557258"/>
+            <a:off x="7412282" y="3146213"/>
             <a:ext cx="457283" cy="457283"/>
-          </a:xfrm>
-          <a:prstGeom prst="rect">
-            <a:avLst/>
-          </a:prstGeom>
-        </p:spPr>
-      </p:pic>
-      <p:pic>
-        <p:nvPicPr>
-          <p:cNvPr id="84" name="Picture 83"/>
-          <p:cNvPicPr>
-            <a:picLocks noChangeAspect="1"/>
-          </p:cNvPicPr>
-          <p:nvPr/>
-        </p:nvPicPr>
-        <p:blipFill>
-          <a:blip r:embed="rId7" cstate="print">
-            <a:extLst>
-              <a:ext uri="{28A0092B-C50C-407E-A947-70E740481C1C}">
-                <a14:useLocalDpi xmlns:a14="http://schemas.microsoft.com/office/drawing/2010/main" val="0"/>
-              </a:ext>
-            </a:extLst>
-          </a:blip>
-          <a:stretch>
-            <a:fillRect/>
-          </a:stretch>
-        </p:blipFill>
-        <p:spPr>
-          <a:xfrm>
-            <a:off x="8740209" y="2877818"/>
-            <a:ext cx="457283" cy="457283"/>
-          </a:xfrm>
-          <a:prstGeom prst="rect">
-            <a:avLst/>
-          </a:prstGeom>
-        </p:spPr>
-      </p:pic>
-      <p:pic>
-        <p:nvPicPr>
-          <p:cNvPr id="85" name="Picture 84"/>
-          <p:cNvPicPr>
-            <a:picLocks noChangeAspect="1"/>
-          </p:cNvPicPr>
-          <p:nvPr/>
-        </p:nvPicPr>
-        <p:blipFill>
-          <a:blip r:embed="rId8" cstate="print">
-            <a:extLst>
-              <a:ext uri="{28A0092B-C50C-407E-A947-70E740481C1C}">
-                <a14:useLocalDpi xmlns:a14="http://schemas.microsoft.com/office/drawing/2010/main" val="0"/>
-              </a:ext>
-            </a:extLst>
-          </a:blip>
-          <a:stretch>
-            <a:fillRect/>
-          </a:stretch>
-        </p:blipFill>
-        <p:spPr>
-          <a:xfrm>
-            <a:off x="4778270" y="3944278"/>
-            <a:ext cx="1206683" cy="657548"/>
           </a:xfrm>
           <a:prstGeom prst="rect">
             <a:avLst/>
@@ -4388,7 +4176,7 @@
           <p:nvPr/>
         </p:nvPicPr>
         <p:blipFill>
-          <a:blip r:embed="rId9"/>
+          <a:blip r:embed="rId7"/>
           <a:stretch>
             <a:fillRect/>
           </a:stretch>
@@ -4448,6 +4236,72 @@
           </a:p>
         </p:txBody>
       </p:sp>
+      <p:pic>
+        <p:nvPicPr>
+          <p:cNvPr id="85" name="Picture 84"/>
+          <p:cNvPicPr>
+            <a:picLocks noChangeAspect="1"/>
+          </p:cNvPicPr>
+          <p:nvPr/>
+        </p:nvPicPr>
+        <p:blipFill>
+          <a:blip r:embed="rId8" cstate="print">
+            <a:extLst>
+              <a:ext uri="{28A0092B-C50C-407E-A947-70E740481C1C}">
+                <a14:useLocalDpi xmlns:a14="http://schemas.microsoft.com/office/drawing/2010/main" val="0"/>
+              </a:ext>
+            </a:extLst>
+          </a:blip>
+          <a:stretch>
+            <a:fillRect/>
+          </a:stretch>
+        </p:blipFill>
+        <p:spPr>
+          <a:xfrm>
+            <a:off x="4243056" y="3335551"/>
+            <a:ext cx="2255279" cy="1228951"/>
+          </a:xfrm>
+          <a:prstGeom prst="rect">
+            <a:avLst/>
+          </a:prstGeom>
+        </p:spPr>
+      </p:pic>
+      <p:pic>
+        <p:nvPicPr>
+          <p:cNvPr id="79" name="Picture 78">
+            <a:extLst>
+              <a:ext uri="{FF2B5EF4-FFF2-40B4-BE49-F238E27FC236}">
+                <a16:creationId xmlns="" xmlns:a16="http://schemas.microsoft.com/office/drawing/2014/main" id="{6E47523C-39E3-414E-8E44-2AF044AA7D00}"/>
+              </a:ext>
+            </a:extLst>
+          </p:cNvPr>
+          <p:cNvPicPr>
+            <a:picLocks noChangeAspect="1"/>
+          </p:cNvPicPr>
+          <p:nvPr/>
+        </p:nvPicPr>
+        <p:blipFill>
+          <a:blip r:embed="rId9" cstate="print">
+            <a:extLst>
+              <a:ext uri="{28A0092B-C50C-407E-A947-70E740481C1C}">
+                <a14:useLocalDpi xmlns:a14="http://schemas.microsoft.com/office/drawing/2010/main" val="0"/>
+              </a:ext>
+            </a:extLst>
+          </a:blip>
+          <a:stretch>
+            <a:fillRect/>
+          </a:stretch>
+        </p:blipFill>
+        <p:spPr>
+          <a:xfrm>
+            <a:off x="5031475" y="3781473"/>
+            <a:ext cx="455462" cy="459117"/>
+          </a:xfrm>
+          <a:prstGeom prst="rect">
+            <a:avLst/>
+          </a:prstGeom>
+        </p:spPr>
+      </p:pic>
     </p:spTree>
     <p:extLst>
       <p:ext uri="{BB962C8B-B14F-4D97-AF65-F5344CB8AC3E}">

--- a/overview/images/sdk_overview.pptx
+++ b/overview/images/sdk_overview.pptx
@@ -7,10 +7,11 @@
   </p:sldMasterIdLst>
   <p:sldIdLst>
     <p:sldId id="258" r:id="rId3"/>
-    <p:sldId id="260" r:id="rId4"/>
-    <p:sldId id="257" r:id="rId5"/>
-    <p:sldId id="259" r:id="rId6"/>
-    <p:sldId id="256" r:id="rId7"/>
+    <p:sldId id="261" r:id="rId4"/>
+    <p:sldId id="260" r:id="rId5"/>
+    <p:sldId id="257" r:id="rId6"/>
+    <p:sldId id="259" r:id="rId7"/>
+    <p:sldId id="256" r:id="rId8"/>
   </p:sldIdLst>
   <p:sldSz cx="12192000" cy="6858000"/>
   <p:notesSz cx="6858000" cy="9144000"/>
@@ -139,7 +140,7 @@
           <p:cNvPr id="2" name="Title 1">
             <a:extLst>
               <a:ext uri="{FF2B5EF4-FFF2-40B4-BE49-F238E27FC236}">
-                <a16:creationId xmlns:a16="http://schemas.microsoft.com/office/drawing/2014/main" xmlns="" id="{4243E3D0-5767-407F-872C-2BAB208E45C9}"/>
+                <a16:creationId xmlns:a16="http://schemas.microsoft.com/office/drawing/2014/main" id="{4243E3D0-5767-407F-872C-2BAB208E45C9}"/>
               </a:ext>
             </a:extLst>
           </p:cNvPr>
@@ -176,7 +177,7 @@
           <p:cNvPr id="3" name="Subtitle 2">
             <a:extLst>
               <a:ext uri="{FF2B5EF4-FFF2-40B4-BE49-F238E27FC236}">
-                <a16:creationId xmlns:a16="http://schemas.microsoft.com/office/drawing/2014/main" xmlns="" id="{B5C0D0C4-6FFE-40AB-AE8E-74B8A9323106}"/>
+                <a16:creationId xmlns:a16="http://schemas.microsoft.com/office/drawing/2014/main" id="{B5C0D0C4-6FFE-40AB-AE8E-74B8A9323106}"/>
               </a:ext>
             </a:extLst>
           </p:cNvPr>
@@ -246,7 +247,7 @@
           <p:cNvPr id="4" name="Date Placeholder 3">
             <a:extLst>
               <a:ext uri="{FF2B5EF4-FFF2-40B4-BE49-F238E27FC236}">
-                <a16:creationId xmlns:a16="http://schemas.microsoft.com/office/drawing/2014/main" xmlns="" id="{57FF27FE-F48A-41D9-AF18-CEC519A88593}"/>
+                <a16:creationId xmlns:a16="http://schemas.microsoft.com/office/drawing/2014/main" id="{57FF27FE-F48A-41D9-AF18-CEC519A88593}"/>
               </a:ext>
             </a:extLst>
           </p:cNvPr>
@@ -264,7 +265,7 @@
           <a:p>
             <a:fld id="{A3AE657A-D284-404D-960B-6B1864A84D1B}" type="datetimeFigureOut">
               <a:rPr lang="en-US" smtClean="0"/>
-              <a:t>4/20/2022</a:t>
+              <a:t>6/14/2024</a:t>
             </a:fld>
             <a:endParaRPr lang="en-US"/>
           </a:p>
@@ -275,7 +276,7 @@
           <p:cNvPr id="5" name="Footer Placeholder 4">
             <a:extLst>
               <a:ext uri="{FF2B5EF4-FFF2-40B4-BE49-F238E27FC236}">
-                <a16:creationId xmlns:a16="http://schemas.microsoft.com/office/drawing/2014/main" xmlns="" id="{79874C1E-7A1F-44C5-9BE3-8AACC708AF2B}"/>
+                <a16:creationId xmlns:a16="http://schemas.microsoft.com/office/drawing/2014/main" id="{79874C1E-7A1F-44C5-9BE3-8AACC708AF2B}"/>
               </a:ext>
             </a:extLst>
           </p:cNvPr>
@@ -300,7 +301,7 @@
           <p:cNvPr id="6" name="Slide Number Placeholder 5">
             <a:extLst>
               <a:ext uri="{FF2B5EF4-FFF2-40B4-BE49-F238E27FC236}">
-                <a16:creationId xmlns:a16="http://schemas.microsoft.com/office/drawing/2014/main" xmlns="" id="{0E5D5769-2CFE-4279-8005-3A358A0C9F7C}"/>
+                <a16:creationId xmlns:a16="http://schemas.microsoft.com/office/drawing/2014/main" id="{0E5D5769-2CFE-4279-8005-3A358A0C9F7C}"/>
               </a:ext>
             </a:extLst>
           </p:cNvPr>
@@ -359,7 +360,7 @@
           <p:cNvPr id="2" name="Title 1">
             <a:extLst>
               <a:ext uri="{FF2B5EF4-FFF2-40B4-BE49-F238E27FC236}">
-                <a16:creationId xmlns:a16="http://schemas.microsoft.com/office/drawing/2014/main" xmlns="" id="{E493B8E1-AB84-4A19-99A8-8FFDBBA42EEC}"/>
+                <a16:creationId xmlns:a16="http://schemas.microsoft.com/office/drawing/2014/main" id="{E493B8E1-AB84-4A19-99A8-8FFDBBA42EEC}"/>
               </a:ext>
             </a:extLst>
           </p:cNvPr>
@@ -387,7 +388,7 @@
           <p:cNvPr id="3" name="Vertical Text Placeholder 2">
             <a:extLst>
               <a:ext uri="{FF2B5EF4-FFF2-40B4-BE49-F238E27FC236}">
-                <a16:creationId xmlns:a16="http://schemas.microsoft.com/office/drawing/2014/main" xmlns="" id="{504EE673-0442-44CD-AD99-883EA8042F6C}"/>
+                <a16:creationId xmlns:a16="http://schemas.microsoft.com/office/drawing/2014/main" id="{504EE673-0442-44CD-AD99-883EA8042F6C}"/>
               </a:ext>
             </a:extLst>
           </p:cNvPr>
@@ -444,7 +445,7 @@
           <p:cNvPr id="4" name="Date Placeholder 3">
             <a:extLst>
               <a:ext uri="{FF2B5EF4-FFF2-40B4-BE49-F238E27FC236}">
-                <a16:creationId xmlns:a16="http://schemas.microsoft.com/office/drawing/2014/main" xmlns="" id="{BD4D62BC-979E-414F-ACA2-719E3126E0D3}"/>
+                <a16:creationId xmlns:a16="http://schemas.microsoft.com/office/drawing/2014/main" id="{BD4D62BC-979E-414F-ACA2-719E3126E0D3}"/>
               </a:ext>
             </a:extLst>
           </p:cNvPr>
@@ -462,7 +463,7 @@
           <a:p>
             <a:fld id="{A3AE657A-D284-404D-960B-6B1864A84D1B}" type="datetimeFigureOut">
               <a:rPr lang="en-US" smtClean="0"/>
-              <a:t>4/20/2022</a:t>
+              <a:t>6/14/2024</a:t>
             </a:fld>
             <a:endParaRPr lang="en-US"/>
           </a:p>
@@ -473,7 +474,7 @@
           <p:cNvPr id="5" name="Footer Placeholder 4">
             <a:extLst>
               <a:ext uri="{FF2B5EF4-FFF2-40B4-BE49-F238E27FC236}">
-                <a16:creationId xmlns:a16="http://schemas.microsoft.com/office/drawing/2014/main" xmlns="" id="{12648AE1-E942-4187-A24B-744428AD156E}"/>
+                <a16:creationId xmlns:a16="http://schemas.microsoft.com/office/drawing/2014/main" id="{12648AE1-E942-4187-A24B-744428AD156E}"/>
               </a:ext>
             </a:extLst>
           </p:cNvPr>
@@ -498,7 +499,7 @@
           <p:cNvPr id="6" name="Slide Number Placeholder 5">
             <a:extLst>
               <a:ext uri="{FF2B5EF4-FFF2-40B4-BE49-F238E27FC236}">
-                <a16:creationId xmlns:a16="http://schemas.microsoft.com/office/drawing/2014/main" xmlns="" id="{AAD573CE-9206-4A7C-899B-1B52C566D467}"/>
+                <a16:creationId xmlns:a16="http://schemas.microsoft.com/office/drawing/2014/main" id="{AAD573CE-9206-4A7C-899B-1B52C566D467}"/>
               </a:ext>
             </a:extLst>
           </p:cNvPr>
@@ -557,7 +558,7 @@
           <p:cNvPr id="2" name="Vertical Title 1">
             <a:extLst>
               <a:ext uri="{FF2B5EF4-FFF2-40B4-BE49-F238E27FC236}">
-                <a16:creationId xmlns:a16="http://schemas.microsoft.com/office/drawing/2014/main" xmlns="" id="{48AAB1A3-8764-420F-AD44-A386ECB4FCFB}"/>
+                <a16:creationId xmlns:a16="http://schemas.microsoft.com/office/drawing/2014/main" id="{48AAB1A3-8764-420F-AD44-A386ECB4FCFB}"/>
               </a:ext>
             </a:extLst>
           </p:cNvPr>
@@ -590,7 +591,7 @@
           <p:cNvPr id="3" name="Vertical Text Placeholder 2">
             <a:extLst>
               <a:ext uri="{FF2B5EF4-FFF2-40B4-BE49-F238E27FC236}">
-                <a16:creationId xmlns:a16="http://schemas.microsoft.com/office/drawing/2014/main" xmlns="" id="{FF710454-AC41-4FDA-8919-231447E90BA2}"/>
+                <a16:creationId xmlns:a16="http://schemas.microsoft.com/office/drawing/2014/main" id="{FF710454-AC41-4FDA-8919-231447E90BA2}"/>
               </a:ext>
             </a:extLst>
           </p:cNvPr>
@@ -652,7 +653,7 @@
           <p:cNvPr id="4" name="Date Placeholder 3">
             <a:extLst>
               <a:ext uri="{FF2B5EF4-FFF2-40B4-BE49-F238E27FC236}">
-                <a16:creationId xmlns:a16="http://schemas.microsoft.com/office/drawing/2014/main" xmlns="" id="{45DC499D-E247-4929-9A1C-407F23EA021F}"/>
+                <a16:creationId xmlns:a16="http://schemas.microsoft.com/office/drawing/2014/main" id="{45DC499D-E247-4929-9A1C-407F23EA021F}"/>
               </a:ext>
             </a:extLst>
           </p:cNvPr>
@@ -670,7 +671,7 @@
           <a:p>
             <a:fld id="{A3AE657A-D284-404D-960B-6B1864A84D1B}" type="datetimeFigureOut">
               <a:rPr lang="en-US" smtClean="0"/>
-              <a:t>4/20/2022</a:t>
+              <a:t>6/14/2024</a:t>
             </a:fld>
             <a:endParaRPr lang="en-US"/>
           </a:p>
@@ -681,7 +682,7 @@
           <p:cNvPr id="5" name="Footer Placeholder 4">
             <a:extLst>
               <a:ext uri="{FF2B5EF4-FFF2-40B4-BE49-F238E27FC236}">
-                <a16:creationId xmlns:a16="http://schemas.microsoft.com/office/drawing/2014/main" xmlns="" id="{4B3E01FA-FBBE-4A21-A2AC-EBEAABA022E2}"/>
+                <a16:creationId xmlns:a16="http://schemas.microsoft.com/office/drawing/2014/main" id="{4B3E01FA-FBBE-4A21-A2AC-EBEAABA022E2}"/>
               </a:ext>
             </a:extLst>
           </p:cNvPr>
@@ -706,7 +707,7 @@
           <p:cNvPr id="6" name="Slide Number Placeholder 5">
             <a:extLst>
               <a:ext uri="{FF2B5EF4-FFF2-40B4-BE49-F238E27FC236}">
-                <a16:creationId xmlns:a16="http://schemas.microsoft.com/office/drawing/2014/main" xmlns="" id="{EA7DE12E-2AF2-48E0-B454-6D04AFB32A85}"/>
+                <a16:creationId xmlns:a16="http://schemas.microsoft.com/office/drawing/2014/main" id="{EA7DE12E-2AF2-48E0-B454-6D04AFB32A85}"/>
               </a:ext>
             </a:extLst>
           </p:cNvPr>
@@ -1176,7 +1177,7 @@
           <p:cNvPr id="10" name="Picture 9">
             <a:extLst>
               <a:ext uri="{FF2B5EF4-FFF2-40B4-BE49-F238E27FC236}">
-                <a16:creationId xmlns:a16="http://schemas.microsoft.com/office/drawing/2014/main" xmlns="" id="{0D3D4444-B917-2444-A320-631533C06D73}"/>
+                <a16:creationId xmlns:a16="http://schemas.microsoft.com/office/drawing/2014/main" id="{0D3D4444-B917-2444-A320-631533C06D73}"/>
               </a:ext>
             </a:extLst>
           </p:cNvPr>
@@ -1587,7 +1588,7 @@
                 </a:solidFill>
               </a:rPr>
               <a:pPr defTabSz="914377"/>
-              <a:t>avril 22</a:t>
+              <a:t>juin 24</a:t>
             </a:fld>
             <a:endParaRPr lang="en-US" dirty="0">
               <a:solidFill>
@@ -2005,7 +2006,7 @@
                 </a:solidFill>
               </a:rPr>
               <a:pPr defTabSz="914377"/>
-              <a:t>avril 22</a:t>
+              <a:t>juin 24</a:t>
             </a:fld>
             <a:endParaRPr lang="en-US" dirty="0">
               <a:solidFill>
@@ -2485,7 +2486,7 @@
                 </a:solidFill>
               </a:rPr>
               <a:pPr defTabSz="914377"/>
-              <a:t>avril 22</a:t>
+              <a:t>juin 24</a:t>
             </a:fld>
             <a:endParaRPr lang="en-US" dirty="0">
               <a:solidFill>
@@ -2964,7 +2965,7 @@
                 </a:solidFill>
               </a:rPr>
               <a:pPr defTabSz="914377"/>
-              <a:t>avril 22</a:t>
+              <a:t>juin 24</a:t>
             </a:fld>
             <a:endParaRPr lang="en-US" dirty="0">
               <a:solidFill>
@@ -3259,7 +3260,7 @@
                 </a:solidFill>
               </a:rPr>
               <a:pPr defTabSz="914377"/>
-              <a:t>avril 22</a:t>
+              <a:t>juin 24</a:t>
             </a:fld>
             <a:endParaRPr lang="en-US" dirty="0">
               <a:solidFill>
@@ -3669,7 +3670,7 @@
                 </a:solidFill>
               </a:rPr>
               <a:pPr defTabSz="914377"/>
-              <a:t>avril 22</a:t>
+              <a:t>juin 24</a:t>
             </a:fld>
             <a:endParaRPr lang="en-US" dirty="0">
               <a:solidFill>
@@ -3818,7 +3819,7 @@
           <p:cNvPr id="2" name="Title 1">
             <a:extLst>
               <a:ext uri="{FF2B5EF4-FFF2-40B4-BE49-F238E27FC236}">
-                <a16:creationId xmlns:a16="http://schemas.microsoft.com/office/drawing/2014/main" xmlns="" id="{0E1B28FB-8487-4D52-88BB-8F326D508605}"/>
+                <a16:creationId xmlns:a16="http://schemas.microsoft.com/office/drawing/2014/main" id="{0E1B28FB-8487-4D52-88BB-8F326D508605}"/>
               </a:ext>
             </a:extLst>
           </p:cNvPr>
@@ -3846,7 +3847,7 @@
           <p:cNvPr id="3" name="Content Placeholder 2">
             <a:extLst>
               <a:ext uri="{FF2B5EF4-FFF2-40B4-BE49-F238E27FC236}">
-                <a16:creationId xmlns:a16="http://schemas.microsoft.com/office/drawing/2014/main" xmlns="" id="{B5E60C55-2213-4A0A-8D34-6DC18B740A4D}"/>
+                <a16:creationId xmlns:a16="http://schemas.microsoft.com/office/drawing/2014/main" id="{B5E60C55-2213-4A0A-8D34-6DC18B740A4D}"/>
               </a:ext>
             </a:extLst>
           </p:cNvPr>
@@ -3903,7 +3904,7 @@
           <p:cNvPr id="4" name="Date Placeholder 3">
             <a:extLst>
               <a:ext uri="{FF2B5EF4-FFF2-40B4-BE49-F238E27FC236}">
-                <a16:creationId xmlns:a16="http://schemas.microsoft.com/office/drawing/2014/main" xmlns="" id="{114A91A5-54C2-41A6-AD1F-295D574EEF1F}"/>
+                <a16:creationId xmlns:a16="http://schemas.microsoft.com/office/drawing/2014/main" id="{114A91A5-54C2-41A6-AD1F-295D574EEF1F}"/>
               </a:ext>
             </a:extLst>
           </p:cNvPr>
@@ -3921,7 +3922,7 @@
           <a:p>
             <a:fld id="{A3AE657A-D284-404D-960B-6B1864A84D1B}" type="datetimeFigureOut">
               <a:rPr lang="en-US" smtClean="0"/>
-              <a:t>4/20/2022</a:t>
+              <a:t>6/14/2024</a:t>
             </a:fld>
             <a:endParaRPr lang="en-US"/>
           </a:p>
@@ -3932,7 +3933,7 @@
           <p:cNvPr id="5" name="Footer Placeholder 4">
             <a:extLst>
               <a:ext uri="{FF2B5EF4-FFF2-40B4-BE49-F238E27FC236}">
-                <a16:creationId xmlns:a16="http://schemas.microsoft.com/office/drawing/2014/main" xmlns="" id="{E1A26EFA-E991-43E7-9C78-B4BB6ECE4A41}"/>
+                <a16:creationId xmlns:a16="http://schemas.microsoft.com/office/drawing/2014/main" id="{E1A26EFA-E991-43E7-9C78-B4BB6ECE4A41}"/>
               </a:ext>
             </a:extLst>
           </p:cNvPr>
@@ -3957,7 +3958,7 @@
           <p:cNvPr id="6" name="Slide Number Placeholder 5">
             <a:extLst>
               <a:ext uri="{FF2B5EF4-FFF2-40B4-BE49-F238E27FC236}">
-                <a16:creationId xmlns:a16="http://schemas.microsoft.com/office/drawing/2014/main" xmlns="" id="{3CD36FE9-589F-4A0F-AAE5-46A53382A676}"/>
+                <a16:creationId xmlns:a16="http://schemas.microsoft.com/office/drawing/2014/main" id="{3CD36FE9-589F-4A0F-AAE5-46A53382A676}"/>
               </a:ext>
             </a:extLst>
           </p:cNvPr>
@@ -4141,7 +4142,7 @@
                 </a:solidFill>
               </a:rPr>
               <a:pPr defTabSz="914377"/>
-              <a:t>avril 22</a:t>
+              <a:t>juin 24</a:t>
             </a:fld>
             <a:endParaRPr lang="en-US" dirty="0">
               <a:solidFill>
@@ -4478,7 +4479,7 @@
                 </a:solidFill>
               </a:rPr>
               <a:pPr defTabSz="914377"/>
-              <a:t>avril 22</a:t>
+              <a:t>juin 24</a:t>
             </a:fld>
             <a:endParaRPr lang="en-US" dirty="0">
               <a:solidFill>
@@ -4712,7 +4713,7 @@
                 </a:solidFill>
               </a:rPr>
               <a:pPr defTabSz="914377"/>
-              <a:t>avril 22</a:t>
+              <a:t>juin 24</a:t>
             </a:fld>
             <a:endParaRPr lang="en-US" dirty="0">
               <a:solidFill>
@@ -4790,7 +4791,7 @@
           <p:cNvPr id="7" name="Text Placeholder 2">
             <a:extLst>
               <a:ext uri="{FF2B5EF4-FFF2-40B4-BE49-F238E27FC236}">
-                <a16:creationId xmlns:a16="http://schemas.microsoft.com/office/drawing/2014/main" xmlns="" id="{EE9EA528-AAC2-D34E-8538-0A0AAD80AD96}"/>
+                <a16:creationId xmlns:a16="http://schemas.microsoft.com/office/drawing/2014/main" id="{EE9EA528-AAC2-D34E-8538-0A0AAD80AD96}"/>
               </a:ext>
             </a:extLst>
           </p:cNvPr>
@@ -4876,7 +4877,7 @@
           <p:cNvPr id="10" name="Content Placeholder 3">
             <a:extLst>
               <a:ext uri="{FF2B5EF4-FFF2-40B4-BE49-F238E27FC236}">
-                <a16:creationId xmlns:a16="http://schemas.microsoft.com/office/drawing/2014/main" xmlns="" id="{DAF8326C-6710-4047-962C-1C0A0F78FFB5}"/>
+                <a16:creationId xmlns:a16="http://schemas.microsoft.com/office/drawing/2014/main" id="{DAF8326C-6710-4047-962C-1C0A0F78FFB5}"/>
               </a:ext>
             </a:extLst>
           </p:cNvPr>
@@ -5191,7 +5192,7 @@
                 </a:solidFill>
               </a:rPr>
               <a:pPr defTabSz="914377"/>
-              <a:t>avril 22</a:t>
+              <a:t>juin 24</a:t>
             </a:fld>
             <a:endParaRPr lang="en-US" dirty="0">
               <a:solidFill>
@@ -5515,7 +5516,7 @@
                 </a:solidFill>
               </a:rPr>
               <a:pPr defTabSz="914377"/>
-              <a:t>avril 22</a:t>
+              <a:t>juin 24</a:t>
             </a:fld>
             <a:endParaRPr lang="en-US" dirty="0">
               <a:solidFill>
@@ -5633,7 +5634,7 @@
           <p:cNvPr id="7" name="Text Placeholder 2">
             <a:extLst>
               <a:ext uri="{FF2B5EF4-FFF2-40B4-BE49-F238E27FC236}">
-                <a16:creationId xmlns:a16="http://schemas.microsoft.com/office/drawing/2014/main" xmlns="" id="{BADF2A12-0EA6-EC4F-864C-2E94AC36ADCE}"/>
+                <a16:creationId xmlns:a16="http://schemas.microsoft.com/office/drawing/2014/main" id="{BADF2A12-0EA6-EC4F-864C-2E94AC36ADCE}"/>
               </a:ext>
             </a:extLst>
           </p:cNvPr>
@@ -6182,7 +6183,7 @@
                 </a:solidFill>
               </a:rPr>
               <a:pPr defTabSz="914377"/>
-              <a:t>avril 22</a:t>
+              <a:t>juin 24</a:t>
             </a:fld>
             <a:endParaRPr lang="en-US" dirty="0">
               <a:solidFill>
@@ -6409,7 +6410,7 @@
                 </a:solidFill>
               </a:rPr>
               <a:pPr defTabSz="914377"/>
-              <a:t>avril 22</a:t>
+              <a:t>juin 24</a:t>
             </a:fld>
             <a:endParaRPr lang="en-US" dirty="0">
               <a:solidFill>
@@ -6527,7 +6528,7 @@
           <p:cNvPr id="7" name="Content Placeholder 3">
             <a:extLst>
               <a:ext uri="{FF2B5EF4-FFF2-40B4-BE49-F238E27FC236}">
-                <a16:creationId xmlns:a16="http://schemas.microsoft.com/office/drawing/2014/main" xmlns="" id="{2E4978A6-AF2C-644A-9245-7D0BA4E8B6CE}"/>
+                <a16:creationId xmlns:a16="http://schemas.microsoft.com/office/drawing/2014/main" id="{2E4978A6-AF2C-644A-9245-7D0BA4E8B6CE}"/>
               </a:ext>
             </a:extLst>
           </p:cNvPr>
@@ -6843,7 +6844,7 @@
                 </a:solidFill>
               </a:rPr>
               <a:pPr defTabSz="914377"/>
-              <a:t>avril 22</a:t>
+              <a:t>juin 24</a:t>
             </a:fld>
             <a:endParaRPr lang="en-US" dirty="0">
               <a:solidFill>
@@ -6961,7 +6962,7 @@
           <p:cNvPr id="7" name="Text Placeholder 2">
             <a:extLst>
               <a:ext uri="{FF2B5EF4-FFF2-40B4-BE49-F238E27FC236}">
-                <a16:creationId xmlns:a16="http://schemas.microsoft.com/office/drawing/2014/main" xmlns="" id="{BADF2A12-0EA6-EC4F-864C-2E94AC36ADCE}"/>
+                <a16:creationId xmlns:a16="http://schemas.microsoft.com/office/drawing/2014/main" id="{BADF2A12-0EA6-EC4F-864C-2E94AC36ADCE}"/>
               </a:ext>
             </a:extLst>
           </p:cNvPr>
@@ -7687,7 +7688,7 @@
                 </a:solidFill>
               </a:rPr>
               <a:pPr defTabSz="914377"/>
-              <a:t>avril 22</a:t>
+              <a:t>juin 24</a:t>
             </a:fld>
             <a:endParaRPr lang="en-US" dirty="0">
               <a:solidFill>
@@ -7879,7 +7880,7 @@
                 </a:solidFill>
               </a:rPr>
               <a:pPr defTabSz="914377"/>
-              <a:t>avril 22</a:t>
+              <a:t>juin 24</a:t>
             </a:fld>
             <a:endParaRPr lang="en-US" dirty="0">
               <a:solidFill>
@@ -7988,7 +7989,7 @@
           <p:cNvPr id="2" name="Title 1">
             <a:extLst>
               <a:ext uri="{FF2B5EF4-FFF2-40B4-BE49-F238E27FC236}">
-                <a16:creationId xmlns:a16="http://schemas.microsoft.com/office/drawing/2014/main" xmlns="" id="{0627631A-428C-4235-B3B3-5CF0755771CA}"/>
+                <a16:creationId xmlns:a16="http://schemas.microsoft.com/office/drawing/2014/main" id="{0627631A-428C-4235-B3B3-5CF0755771CA}"/>
               </a:ext>
             </a:extLst>
           </p:cNvPr>
@@ -8025,7 +8026,7 @@
           <p:cNvPr id="3" name="Text Placeholder 2">
             <a:extLst>
               <a:ext uri="{FF2B5EF4-FFF2-40B4-BE49-F238E27FC236}">
-                <a16:creationId xmlns:a16="http://schemas.microsoft.com/office/drawing/2014/main" xmlns="" id="{70C4FE9A-A32C-4B26-BC26-8394C7C01A2B}"/>
+                <a16:creationId xmlns:a16="http://schemas.microsoft.com/office/drawing/2014/main" id="{70C4FE9A-A32C-4B26-BC26-8394C7C01A2B}"/>
               </a:ext>
             </a:extLst>
           </p:cNvPr>
@@ -8150,7 +8151,7 @@
           <p:cNvPr id="4" name="Date Placeholder 3">
             <a:extLst>
               <a:ext uri="{FF2B5EF4-FFF2-40B4-BE49-F238E27FC236}">
-                <a16:creationId xmlns:a16="http://schemas.microsoft.com/office/drawing/2014/main" xmlns="" id="{51DC7A1A-32CE-43D4-A34D-7D167EBE1B03}"/>
+                <a16:creationId xmlns:a16="http://schemas.microsoft.com/office/drawing/2014/main" id="{51DC7A1A-32CE-43D4-A34D-7D167EBE1B03}"/>
               </a:ext>
             </a:extLst>
           </p:cNvPr>
@@ -8168,7 +8169,7 @@
           <a:p>
             <a:fld id="{A3AE657A-D284-404D-960B-6B1864A84D1B}" type="datetimeFigureOut">
               <a:rPr lang="en-US" smtClean="0"/>
-              <a:t>4/20/2022</a:t>
+              <a:t>6/14/2024</a:t>
             </a:fld>
             <a:endParaRPr lang="en-US"/>
           </a:p>
@@ -8179,7 +8180,7 @@
           <p:cNvPr id="5" name="Footer Placeholder 4">
             <a:extLst>
               <a:ext uri="{FF2B5EF4-FFF2-40B4-BE49-F238E27FC236}">
-                <a16:creationId xmlns:a16="http://schemas.microsoft.com/office/drawing/2014/main" xmlns="" id="{BA62EE10-D047-4BD9-A3F6-DD5EBA209CA1}"/>
+                <a16:creationId xmlns:a16="http://schemas.microsoft.com/office/drawing/2014/main" id="{BA62EE10-D047-4BD9-A3F6-DD5EBA209CA1}"/>
               </a:ext>
             </a:extLst>
           </p:cNvPr>
@@ -8204,7 +8205,7 @@
           <p:cNvPr id="6" name="Slide Number Placeholder 5">
             <a:extLst>
               <a:ext uri="{FF2B5EF4-FFF2-40B4-BE49-F238E27FC236}">
-                <a16:creationId xmlns:a16="http://schemas.microsoft.com/office/drawing/2014/main" xmlns="" id="{8FCB72E2-5F2D-4C3C-A573-D36B3498BA7A}"/>
+                <a16:creationId xmlns:a16="http://schemas.microsoft.com/office/drawing/2014/main" id="{8FCB72E2-5F2D-4C3C-A573-D36B3498BA7A}"/>
               </a:ext>
             </a:extLst>
           </p:cNvPr>
@@ -8263,7 +8264,7 @@
           <p:cNvPr id="13" name="Rectangle 12">
             <a:extLst>
               <a:ext uri="{FF2B5EF4-FFF2-40B4-BE49-F238E27FC236}">
-                <a16:creationId xmlns:a16="http://schemas.microsoft.com/office/drawing/2014/main" xmlns="" id="{200F2B4F-ED74-D84B-A5FF-644A79E13221}"/>
+                <a16:creationId xmlns:a16="http://schemas.microsoft.com/office/drawing/2014/main" id="{200F2B4F-ED74-D84B-A5FF-644A79E13221}"/>
               </a:ext>
             </a:extLst>
           </p:cNvPr>
@@ -8507,7 +8508,7 @@
           <p:cNvPr id="14" name="Footer Placeholder 5">
             <a:extLst>
               <a:ext uri="{FF2B5EF4-FFF2-40B4-BE49-F238E27FC236}">
-                <a16:creationId xmlns:a16="http://schemas.microsoft.com/office/drawing/2014/main" xmlns="" id="{9D0AEA00-A11E-E447-A27D-E3693067A9E6}"/>
+                <a16:creationId xmlns:a16="http://schemas.microsoft.com/office/drawing/2014/main" id="{9D0AEA00-A11E-E447-A27D-E3693067A9E6}"/>
               </a:ext>
             </a:extLst>
           </p:cNvPr>
@@ -8564,7 +8565,7 @@
           <p:cNvPr id="16" name="Picture 2" descr="C:\Users\cmorineau\Marketing-Private\Marcom\Graphics\Artwork_Corp\Logos\Logo-microej-grey-h50.png">
             <a:extLst>
               <a:ext uri="{FF2B5EF4-FFF2-40B4-BE49-F238E27FC236}">
-                <a16:creationId xmlns:a16="http://schemas.microsoft.com/office/drawing/2014/main" xmlns="" id="{75E7AEDB-C69E-AA4C-96BC-8D040A4C81DB}"/>
+                <a16:creationId xmlns:a16="http://schemas.microsoft.com/office/drawing/2014/main" id="{75E7AEDB-C69E-AA4C-96BC-8D040A4C81DB}"/>
               </a:ext>
             </a:extLst>
           </p:cNvPr>
@@ -8686,7 +8687,7 @@
                 </a:solidFill>
               </a:rPr>
               <a:pPr defTabSz="914377"/>
-              <a:t>avril 22</a:t>
+              <a:t>juin 24</a:t>
             </a:fld>
             <a:endParaRPr lang="en-US" dirty="0">
               <a:solidFill>
@@ -8764,7 +8765,7 @@
           <p:cNvPr id="11" name="Picture 10">
             <a:extLst>
               <a:ext uri="{FF2B5EF4-FFF2-40B4-BE49-F238E27FC236}">
-                <a16:creationId xmlns:a16="http://schemas.microsoft.com/office/drawing/2014/main" xmlns="" id="{21EA2856-E9E7-8D44-8863-70888E0D7F19}"/>
+                <a16:creationId xmlns:a16="http://schemas.microsoft.com/office/drawing/2014/main" id="{21EA2856-E9E7-8D44-8863-70888E0D7F19}"/>
               </a:ext>
             </a:extLst>
           </p:cNvPr>
@@ -8800,7 +8801,7 @@
           <p:cNvPr id="15" name="Title Placeholder 1">
             <a:extLst>
               <a:ext uri="{FF2B5EF4-FFF2-40B4-BE49-F238E27FC236}">
-                <a16:creationId xmlns:a16="http://schemas.microsoft.com/office/drawing/2014/main" xmlns="" id="{ED4F756F-313C-9A45-AA9F-4637139720F4}"/>
+                <a16:creationId xmlns:a16="http://schemas.microsoft.com/office/drawing/2014/main" id="{ED4F756F-313C-9A45-AA9F-4637139720F4}"/>
               </a:ext>
             </a:extLst>
           </p:cNvPr>
@@ -8858,7 +8859,7 @@
           <p:cNvPr id="16" name="Picture 15">
             <a:extLst>
               <a:ext uri="{FF2B5EF4-FFF2-40B4-BE49-F238E27FC236}">
-                <a16:creationId xmlns:a16="http://schemas.microsoft.com/office/drawing/2014/main" xmlns="" id="{A9288502-3773-1F4B-A16F-58C59F5FD419}"/>
+                <a16:creationId xmlns:a16="http://schemas.microsoft.com/office/drawing/2014/main" id="{A9288502-3773-1F4B-A16F-58C59F5FD419}"/>
               </a:ext>
             </a:extLst>
           </p:cNvPr>
@@ -8894,7 +8895,7 @@
           <p:cNvPr id="32" name="Straight Connector 31">
             <a:extLst>
               <a:ext uri="{FF2B5EF4-FFF2-40B4-BE49-F238E27FC236}">
-                <a16:creationId xmlns:a16="http://schemas.microsoft.com/office/drawing/2014/main" xmlns="" id="{158023E0-65D2-F849-83D8-A55E2AC6BB63}"/>
+                <a16:creationId xmlns:a16="http://schemas.microsoft.com/office/drawing/2014/main" id="{158023E0-65D2-F849-83D8-A55E2AC6BB63}"/>
               </a:ext>
             </a:extLst>
           </p:cNvPr>
@@ -8932,7 +8933,7 @@
           <p:cNvPr id="36" name="Straight Connector 35">
             <a:extLst>
               <a:ext uri="{FF2B5EF4-FFF2-40B4-BE49-F238E27FC236}">
-                <a16:creationId xmlns:a16="http://schemas.microsoft.com/office/drawing/2014/main" xmlns="" id="{1C61BB10-90B1-A04F-AB02-727027D1950C}"/>
+                <a16:creationId xmlns:a16="http://schemas.microsoft.com/office/drawing/2014/main" id="{1C61BB10-90B1-A04F-AB02-727027D1950C}"/>
               </a:ext>
             </a:extLst>
           </p:cNvPr>
@@ -8975,7 +8976,7 @@
           <p:cNvPr id="37" name="Content Placeholder 3">
             <a:extLst>
               <a:ext uri="{FF2B5EF4-FFF2-40B4-BE49-F238E27FC236}">
-                <a16:creationId xmlns:a16="http://schemas.microsoft.com/office/drawing/2014/main" xmlns="" id="{E6FA2AB0-B1DC-CE4F-BA00-6F224EAE5B8E}"/>
+                <a16:creationId xmlns:a16="http://schemas.microsoft.com/office/drawing/2014/main" id="{E6FA2AB0-B1DC-CE4F-BA00-6F224EAE5B8E}"/>
               </a:ext>
             </a:extLst>
           </p:cNvPr>
@@ -9071,7 +9072,7 @@
           <p:cNvPr id="17" name="Content Placeholder 3">
             <a:extLst>
               <a:ext uri="{FF2B5EF4-FFF2-40B4-BE49-F238E27FC236}">
-                <a16:creationId xmlns:a16="http://schemas.microsoft.com/office/drawing/2014/main" xmlns="" id="{A143064D-45EC-0A4F-88C5-9640D09D7651}"/>
+                <a16:creationId xmlns:a16="http://schemas.microsoft.com/office/drawing/2014/main" id="{A143064D-45EC-0A4F-88C5-9640D09D7651}"/>
               </a:ext>
             </a:extLst>
           </p:cNvPr>
@@ -9239,7 +9240,7 @@
                 </a:solidFill>
               </a:rPr>
               <a:pPr defTabSz="914377"/>
-              <a:t>avril 22</a:t>
+              <a:t>juin 24</a:t>
             </a:fld>
             <a:endParaRPr lang="en-US" dirty="0">
               <a:solidFill>
@@ -9308,7 +9309,7 @@
           <p:cNvPr id="8" name="Rectangle 7">
             <a:extLst>
               <a:ext uri="{FF2B5EF4-FFF2-40B4-BE49-F238E27FC236}">
-                <a16:creationId xmlns:a16="http://schemas.microsoft.com/office/drawing/2014/main" xmlns="" id="{6524FE37-B1D2-9A48-8EE1-B9816DBDEF3D}"/>
+                <a16:creationId xmlns:a16="http://schemas.microsoft.com/office/drawing/2014/main" id="{6524FE37-B1D2-9A48-8EE1-B9816DBDEF3D}"/>
               </a:ext>
             </a:extLst>
           </p:cNvPr>
@@ -9350,7 +9351,7 @@
           <p:cNvPr id="9" name="TextBox 8">
             <a:extLst>
               <a:ext uri="{FF2B5EF4-FFF2-40B4-BE49-F238E27FC236}">
-                <a16:creationId xmlns:a16="http://schemas.microsoft.com/office/drawing/2014/main" xmlns="" id="{46ADA988-EDE2-EB43-9964-F5CB85382BA1}"/>
+                <a16:creationId xmlns:a16="http://schemas.microsoft.com/office/drawing/2014/main" id="{46ADA988-EDE2-EB43-9964-F5CB85382BA1}"/>
               </a:ext>
             </a:extLst>
           </p:cNvPr>
@@ -9533,7 +9534,7 @@
           <p:cNvPr id="12" name="Straight Connector 11">
             <a:extLst>
               <a:ext uri="{FF2B5EF4-FFF2-40B4-BE49-F238E27FC236}">
-                <a16:creationId xmlns:a16="http://schemas.microsoft.com/office/drawing/2014/main" xmlns="" id="{80782101-745C-B64C-BF8C-0612C8A826F4}"/>
+                <a16:creationId xmlns:a16="http://schemas.microsoft.com/office/drawing/2014/main" id="{80782101-745C-B64C-BF8C-0612C8A826F4}"/>
               </a:ext>
             </a:extLst>
           </p:cNvPr>
@@ -9643,7 +9644,7 @@
                 </a:solidFill>
               </a:rPr>
               <a:pPr defTabSz="914377"/>
-              <a:t>avril 22</a:t>
+              <a:t>juin 24</a:t>
             </a:fld>
             <a:endParaRPr lang="en-US" dirty="0">
               <a:solidFill>
@@ -9721,7 +9722,7 @@
           <p:cNvPr id="11" name="Rectangle 10">
             <a:extLst>
               <a:ext uri="{FF2B5EF4-FFF2-40B4-BE49-F238E27FC236}">
-                <a16:creationId xmlns:a16="http://schemas.microsoft.com/office/drawing/2014/main" xmlns="" id="{1A60FEF2-2730-8045-B797-AEA6DA2ED07B}"/>
+                <a16:creationId xmlns:a16="http://schemas.microsoft.com/office/drawing/2014/main" id="{1A60FEF2-2730-8045-B797-AEA6DA2ED07B}"/>
               </a:ext>
             </a:extLst>
           </p:cNvPr>
@@ -9765,7 +9766,7 @@
           <p:cNvPr id="12" name="Straight Connector 11">
             <a:extLst>
               <a:ext uri="{FF2B5EF4-FFF2-40B4-BE49-F238E27FC236}">
-                <a16:creationId xmlns:a16="http://schemas.microsoft.com/office/drawing/2014/main" xmlns="" id="{9FC44B9B-3ED3-CD4D-A4B4-670F9A0707A7}"/>
+                <a16:creationId xmlns:a16="http://schemas.microsoft.com/office/drawing/2014/main" id="{9FC44B9B-3ED3-CD4D-A4B4-670F9A0707A7}"/>
               </a:ext>
             </a:extLst>
           </p:cNvPr>
@@ -9801,7 +9802,7 @@
           <p:cNvPr id="13" name="Rectangle 12">
             <a:extLst>
               <a:ext uri="{FF2B5EF4-FFF2-40B4-BE49-F238E27FC236}">
-                <a16:creationId xmlns:a16="http://schemas.microsoft.com/office/drawing/2014/main" xmlns="" id="{A8E9047D-CEE7-1041-9CD2-438580517A8B}"/>
+                <a16:creationId xmlns:a16="http://schemas.microsoft.com/office/drawing/2014/main" id="{A8E9047D-CEE7-1041-9CD2-438580517A8B}"/>
               </a:ext>
             </a:extLst>
           </p:cNvPr>
@@ -9845,7 +9846,7 @@
           <p:cNvPr id="14" name="Straight Connector 13">
             <a:extLst>
               <a:ext uri="{FF2B5EF4-FFF2-40B4-BE49-F238E27FC236}">
-                <a16:creationId xmlns:a16="http://schemas.microsoft.com/office/drawing/2014/main" xmlns="" id="{A080B88E-5B35-9C42-B51A-25732C333881}"/>
+                <a16:creationId xmlns:a16="http://schemas.microsoft.com/office/drawing/2014/main" id="{A080B88E-5B35-9C42-B51A-25732C333881}"/>
               </a:ext>
             </a:extLst>
           </p:cNvPr>
@@ -9881,7 +9882,7 @@
           <p:cNvPr id="16" name="TextBox 15">
             <a:extLst>
               <a:ext uri="{FF2B5EF4-FFF2-40B4-BE49-F238E27FC236}">
-                <a16:creationId xmlns:a16="http://schemas.microsoft.com/office/drawing/2014/main" xmlns="" id="{B2BB3227-C774-FD42-B9A5-3508452E6A71}"/>
+                <a16:creationId xmlns:a16="http://schemas.microsoft.com/office/drawing/2014/main" id="{B2BB3227-C774-FD42-B9A5-3508452E6A71}"/>
               </a:ext>
             </a:extLst>
           </p:cNvPr>
@@ -10491,7 +10492,7 @@
           <p:cNvPr id="86" name="Rectangle 85">
             <a:extLst>
               <a:ext uri="{FF2B5EF4-FFF2-40B4-BE49-F238E27FC236}">
-                <a16:creationId xmlns:a16="http://schemas.microsoft.com/office/drawing/2014/main" xmlns="" id="{EDB109D6-5BF6-5E42-A1C1-45B238B41A7E}"/>
+                <a16:creationId xmlns:a16="http://schemas.microsoft.com/office/drawing/2014/main" id="{EDB109D6-5BF6-5E42-A1C1-45B238B41A7E}"/>
               </a:ext>
             </a:extLst>
           </p:cNvPr>
@@ -10557,7 +10558,7 @@
           <p:cNvPr id="45" name="Rectangle 1">
             <a:extLst>
               <a:ext uri="{FF2B5EF4-FFF2-40B4-BE49-F238E27FC236}">
-                <a16:creationId xmlns:a16="http://schemas.microsoft.com/office/drawing/2014/main" xmlns="" id="{7F24C5F6-F280-EE49-BEC1-D93D2617D356}"/>
+                <a16:creationId xmlns:a16="http://schemas.microsoft.com/office/drawing/2014/main" id="{7F24C5F6-F280-EE49-BEC1-D93D2617D356}"/>
               </a:ext>
             </a:extLst>
           </p:cNvPr>
@@ -10810,7 +10811,7 @@
           <p:cNvPr id="89" name="Rectangle 88">
             <a:extLst>
               <a:ext uri="{FF2B5EF4-FFF2-40B4-BE49-F238E27FC236}">
-                <a16:creationId xmlns:a16="http://schemas.microsoft.com/office/drawing/2014/main" xmlns="" id="{EFCB9C4D-5246-B743-853A-FA66CEE7DE4D}"/>
+                <a16:creationId xmlns:a16="http://schemas.microsoft.com/office/drawing/2014/main" id="{EFCB9C4D-5246-B743-853A-FA66CEE7DE4D}"/>
               </a:ext>
             </a:extLst>
           </p:cNvPr>
@@ -10866,7 +10867,7 @@
           <p:cNvPr id="93" name="Triangle 92">
             <a:extLst>
               <a:ext uri="{FF2B5EF4-FFF2-40B4-BE49-F238E27FC236}">
-                <a16:creationId xmlns:a16="http://schemas.microsoft.com/office/drawing/2014/main" xmlns="" id="{0D72A147-C32E-C540-8F80-59F865637BB1}"/>
+                <a16:creationId xmlns:a16="http://schemas.microsoft.com/office/drawing/2014/main" id="{0D72A147-C32E-C540-8F80-59F865637BB1}"/>
               </a:ext>
             </a:extLst>
           </p:cNvPr>
@@ -10925,7 +10926,7 @@
             <a:hlinkClick r:id="rId2"/>
             <a:extLst>
               <a:ext uri="{FF2B5EF4-FFF2-40B4-BE49-F238E27FC236}">
-                <a16:creationId xmlns:a16="http://schemas.microsoft.com/office/drawing/2014/main" xmlns="" id="{0A03D419-B4E4-A341-8258-BAF4FC5373B4}"/>
+                <a16:creationId xmlns:a16="http://schemas.microsoft.com/office/drawing/2014/main" id="{0A03D419-B4E4-A341-8258-BAF4FC5373B4}"/>
               </a:ext>
             </a:extLst>
           </p:cNvPr>
@@ -10992,7 +10993,7 @@
           <p:cNvPr id="95" name="Group 94">
             <a:extLst>
               <a:ext uri="{FF2B5EF4-FFF2-40B4-BE49-F238E27FC236}">
-                <a16:creationId xmlns:a16="http://schemas.microsoft.com/office/drawing/2014/main" xmlns="" id="{89E75E57-B1BB-1043-92B1-2837059A39CF}"/>
+                <a16:creationId xmlns:a16="http://schemas.microsoft.com/office/drawing/2014/main" id="{89E75E57-B1BB-1043-92B1-2837059A39CF}"/>
               </a:ext>
             </a:extLst>
           </p:cNvPr>
@@ -11012,7 +11013,7 @@
             <p:cNvPr id="96" name="Rounded Rectangle 95">
               <a:extLst>
                 <a:ext uri="{FF2B5EF4-FFF2-40B4-BE49-F238E27FC236}">
-                  <a16:creationId xmlns:a16="http://schemas.microsoft.com/office/drawing/2014/main" xmlns="" id="{C571F53C-F9A8-D34F-89E9-D59834F26F2A}"/>
+                  <a16:creationId xmlns:a16="http://schemas.microsoft.com/office/drawing/2014/main" id="{C571F53C-F9A8-D34F-89E9-D59834F26F2A}"/>
                 </a:ext>
               </a:extLst>
             </p:cNvPr>
@@ -11069,7 +11070,7 @@
               <a:hlinkClick r:id="rId3"/>
               <a:extLst>
                 <a:ext uri="{FF2B5EF4-FFF2-40B4-BE49-F238E27FC236}">
-                  <a16:creationId xmlns:a16="http://schemas.microsoft.com/office/drawing/2014/main" xmlns="" id="{BCCC18FD-7037-504F-B7DD-009E93D5CFC5}"/>
+                  <a16:creationId xmlns:a16="http://schemas.microsoft.com/office/drawing/2014/main" id="{BCCC18FD-7037-504F-B7DD-009E93D5CFC5}"/>
                 </a:ext>
               </a:extLst>
             </p:cNvPr>
@@ -11124,7 +11125,7 @@
             <a:hlinkClick r:id="rId3"/>
             <a:extLst>
               <a:ext uri="{FF2B5EF4-FFF2-40B4-BE49-F238E27FC236}">
-                <a16:creationId xmlns:a16="http://schemas.microsoft.com/office/drawing/2014/main" xmlns="" id="{31AA4A0D-C979-ED41-9053-191689A53F33}"/>
+                <a16:creationId xmlns:a16="http://schemas.microsoft.com/office/drawing/2014/main" id="{31AA4A0D-C979-ED41-9053-191689A53F33}"/>
               </a:ext>
             </a:extLst>
           </p:cNvPr>
@@ -11191,7 +11192,7 @@
           <p:cNvPr id="105" name="Group 104">
             <a:extLst>
               <a:ext uri="{FF2B5EF4-FFF2-40B4-BE49-F238E27FC236}">
-                <a16:creationId xmlns:a16="http://schemas.microsoft.com/office/drawing/2014/main" xmlns="" id="{7BF00640-0851-4A4E-8179-1BD384D8F525}"/>
+                <a16:creationId xmlns:a16="http://schemas.microsoft.com/office/drawing/2014/main" id="{7BF00640-0851-4A4E-8179-1BD384D8F525}"/>
               </a:ext>
             </a:extLst>
           </p:cNvPr>
@@ -11211,7 +11212,7 @@
             <p:cNvPr id="106" name="Rounded Rectangle 105">
               <a:extLst>
                 <a:ext uri="{FF2B5EF4-FFF2-40B4-BE49-F238E27FC236}">
-                  <a16:creationId xmlns:a16="http://schemas.microsoft.com/office/drawing/2014/main" xmlns="" id="{5AA2B150-5004-364C-910A-A392CD7A853A}"/>
+                  <a16:creationId xmlns:a16="http://schemas.microsoft.com/office/drawing/2014/main" id="{5AA2B150-5004-364C-910A-A392CD7A853A}"/>
                 </a:ext>
               </a:extLst>
             </p:cNvPr>
@@ -11268,7 +11269,7 @@
               <a:hlinkClick r:id="rId3"/>
               <a:extLst>
                 <a:ext uri="{FF2B5EF4-FFF2-40B4-BE49-F238E27FC236}">
-                  <a16:creationId xmlns:a16="http://schemas.microsoft.com/office/drawing/2014/main" xmlns="" id="{91AD4506-A6D6-124C-97E7-7D3DF0EBA900}"/>
+                  <a16:creationId xmlns:a16="http://schemas.microsoft.com/office/drawing/2014/main" id="{91AD4506-A6D6-124C-97E7-7D3DF0EBA900}"/>
                 </a:ext>
               </a:extLst>
             </p:cNvPr>
@@ -11324,7 +11325,7 @@
           <p:cNvPr id="122" name="Picture 121">
             <a:extLst>
               <a:ext uri="{FF2B5EF4-FFF2-40B4-BE49-F238E27FC236}">
-                <a16:creationId xmlns:a16="http://schemas.microsoft.com/office/drawing/2014/main" xmlns="" id="{B221A555-3C2F-E94D-96E4-6FC85564B891}"/>
+                <a16:creationId xmlns:a16="http://schemas.microsoft.com/office/drawing/2014/main" id="{B221A555-3C2F-E94D-96E4-6FC85564B891}"/>
               </a:ext>
             </a:extLst>
           </p:cNvPr>
@@ -11360,7 +11361,7 @@
           <p:cNvPr id="129" name="Title 24">
             <a:extLst>
               <a:ext uri="{FF2B5EF4-FFF2-40B4-BE49-F238E27FC236}">
-                <a16:creationId xmlns:a16="http://schemas.microsoft.com/office/drawing/2014/main" xmlns="" id="{C9C5C095-FA83-CE44-8BA2-FB0F4CF430D7}"/>
+                <a16:creationId xmlns:a16="http://schemas.microsoft.com/office/drawing/2014/main" id="{C9C5C095-FA83-CE44-8BA2-FB0F4CF430D7}"/>
               </a:ext>
             </a:extLst>
           </p:cNvPr>
@@ -11420,7 +11421,7 @@
           <p:cNvPr id="134" name="Picture 133">
             <a:extLst>
               <a:ext uri="{FF2B5EF4-FFF2-40B4-BE49-F238E27FC236}">
-                <a16:creationId xmlns:a16="http://schemas.microsoft.com/office/drawing/2014/main" xmlns="" id="{0E8E09F9-EF0B-4C47-B695-BE4EBAFCE677}"/>
+                <a16:creationId xmlns:a16="http://schemas.microsoft.com/office/drawing/2014/main" id="{0E8E09F9-EF0B-4C47-B695-BE4EBAFCE677}"/>
               </a:ext>
             </a:extLst>
           </p:cNvPr>
@@ -11455,7 +11456,7 @@
           <p:cNvPr id="135" name="Straight Connector 134">
             <a:extLst>
               <a:ext uri="{FF2B5EF4-FFF2-40B4-BE49-F238E27FC236}">
-                <a16:creationId xmlns:a16="http://schemas.microsoft.com/office/drawing/2014/main" xmlns="" id="{FF6AB179-2926-4D40-A4DD-8BB1E9EAEA7D}"/>
+                <a16:creationId xmlns:a16="http://schemas.microsoft.com/office/drawing/2014/main" id="{FF6AB179-2926-4D40-A4DD-8BB1E9EAEA7D}"/>
               </a:ext>
             </a:extLst>
           </p:cNvPr>
@@ -11496,7 +11497,7 @@
           <p:cNvPr id="41" name="Content Placeholder 52">
             <a:extLst>
               <a:ext uri="{FF2B5EF4-FFF2-40B4-BE49-F238E27FC236}">
-                <a16:creationId xmlns:a16="http://schemas.microsoft.com/office/drawing/2014/main" xmlns="" id="{03870E7E-5F8D-F64D-B6CF-AC70B18948A2}"/>
+                <a16:creationId xmlns:a16="http://schemas.microsoft.com/office/drawing/2014/main" id="{03870E7E-5F8D-F64D-B6CF-AC70B18948A2}"/>
               </a:ext>
             </a:extLst>
           </p:cNvPr>
@@ -11746,7 +11747,7 @@
           <p:cNvPr id="42" name="Content Placeholder 52">
             <a:extLst>
               <a:ext uri="{FF2B5EF4-FFF2-40B4-BE49-F238E27FC236}">
-                <a16:creationId xmlns:a16="http://schemas.microsoft.com/office/drawing/2014/main" xmlns="" id="{95FE5B9D-9272-3841-9EE5-9D5A046A1FF7}"/>
+                <a16:creationId xmlns:a16="http://schemas.microsoft.com/office/drawing/2014/main" id="{95FE5B9D-9272-3841-9EE5-9D5A046A1FF7}"/>
               </a:ext>
             </a:extLst>
           </p:cNvPr>
@@ -11982,7 +11983,7 @@
           <p:cNvPr id="43" name="Content Placeholder 52">
             <a:extLst>
               <a:ext uri="{FF2B5EF4-FFF2-40B4-BE49-F238E27FC236}">
-                <a16:creationId xmlns:a16="http://schemas.microsoft.com/office/drawing/2014/main" xmlns="" id="{8C3392A2-7BEC-C643-A397-ACB0C15BDDE1}"/>
+                <a16:creationId xmlns:a16="http://schemas.microsoft.com/office/drawing/2014/main" id="{8C3392A2-7BEC-C643-A397-ACB0C15BDDE1}"/>
               </a:ext>
             </a:extLst>
           </p:cNvPr>
@@ -12217,7 +12218,7 @@
           <p:cNvPr id="44" name="Content Placeholder 52">
             <a:extLst>
               <a:ext uri="{FF2B5EF4-FFF2-40B4-BE49-F238E27FC236}">
-                <a16:creationId xmlns:a16="http://schemas.microsoft.com/office/drawing/2014/main" xmlns="" id="{5BF202D4-4239-7E4F-93CD-8E57B0E44847}"/>
+                <a16:creationId xmlns:a16="http://schemas.microsoft.com/office/drawing/2014/main" id="{5BF202D4-4239-7E4F-93CD-8E57B0E44847}"/>
               </a:ext>
             </a:extLst>
           </p:cNvPr>
@@ -12419,16 +12420,6 @@
               </a:rPr>
               <a:t> CHINA</a:t>
             </a:r>
-            <a:r>
-              <a:rPr lang="en-US" sz="1158" spc="30" dirty="0">
-                <a:solidFill>
-                  <a:srgbClr val="FFFFFF"/>
-                </a:solidFill>
-                <a:latin typeface="Source Sans Pro Light" panose="020B0403030403020204" pitchFamily="34" charset="77"/>
-                <a:ea typeface="Source Sans Pro" panose="020B0503030403020204" pitchFamily="34" charset="0"/>
-              </a:rPr>
-              <a:t/>
-            </a:r>
             <a:br>
               <a:rPr lang="en-US" sz="1158" spc="30" dirty="0">
                 <a:solidFill>
@@ -12461,7 +12452,7 @@
           <p:cNvPr id="46" name="Content Placeholder 52">
             <a:extLst>
               <a:ext uri="{FF2B5EF4-FFF2-40B4-BE49-F238E27FC236}">
-                <a16:creationId xmlns:a16="http://schemas.microsoft.com/office/drawing/2014/main" xmlns="" id="{16FDB233-B738-8D4E-B43F-750A1A983DE9}"/>
+                <a16:creationId xmlns:a16="http://schemas.microsoft.com/office/drawing/2014/main" id="{16FDB233-B738-8D4E-B43F-750A1A983DE9}"/>
               </a:ext>
             </a:extLst>
           </p:cNvPr>
@@ -12697,7 +12688,7 @@
           <p:cNvPr id="47" name="Picture 46">
             <a:extLst>
               <a:ext uri="{FF2B5EF4-FFF2-40B4-BE49-F238E27FC236}">
-                <a16:creationId xmlns:a16="http://schemas.microsoft.com/office/drawing/2014/main" xmlns="" id="{E394D0E0-025D-644F-82A2-ED215AC1B381}"/>
+                <a16:creationId xmlns:a16="http://schemas.microsoft.com/office/drawing/2014/main" id="{E394D0E0-025D-644F-82A2-ED215AC1B381}"/>
               </a:ext>
             </a:extLst>
           </p:cNvPr>
@@ -12733,7 +12724,7 @@
           <p:cNvPr id="48" name="Picture 47">
             <a:extLst>
               <a:ext uri="{FF2B5EF4-FFF2-40B4-BE49-F238E27FC236}">
-                <a16:creationId xmlns:a16="http://schemas.microsoft.com/office/drawing/2014/main" xmlns="" id="{35E0AA7F-0EA4-224A-92F8-C9A9D5B1B802}"/>
+                <a16:creationId xmlns:a16="http://schemas.microsoft.com/office/drawing/2014/main" id="{35E0AA7F-0EA4-224A-92F8-C9A9D5B1B802}"/>
               </a:ext>
             </a:extLst>
           </p:cNvPr>
@@ -12769,7 +12760,7 @@
           <p:cNvPr id="49" name="Picture 48">
             <a:extLst>
               <a:ext uri="{FF2B5EF4-FFF2-40B4-BE49-F238E27FC236}">
-                <a16:creationId xmlns:a16="http://schemas.microsoft.com/office/drawing/2014/main" xmlns="" id="{A48092AC-915B-524D-9672-FE0826E130E7}"/>
+                <a16:creationId xmlns:a16="http://schemas.microsoft.com/office/drawing/2014/main" id="{A48092AC-915B-524D-9672-FE0826E130E7}"/>
               </a:ext>
             </a:extLst>
           </p:cNvPr>
@@ -12805,7 +12796,7 @@
           <p:cNvPr id="51" name="Picture 50">
             <a:extLst>
               <a:ext uri="{FF2B5EF4-FFF2-40B4-BE49-F238E27FC236}">
-                <a16:creationId xmlns:a16="http://schemas.microsoft.com/office/drawing/2014/main" xmlns="" id="{27E440A9-1FB1-A44A-8917-F3A839BAF906}"/>
+                <a16:creationId xmlns:a16="http://schemas.microsoft.com/office/drawing/2014/main" id="{27E440A9-1FB1-A44A-8917-F3A839BAF906}"/>
               </a:ext>
             </a:extLst>
           </p:cNvPr>
@@ -12841,7 +12832,7 @@
           <p:cNvPr id="52" name="Picture 51">
             <a:extLst>
               <a:ext uri="{FF2B5EF4-FFF2-40B4-BE49-F238E27FC236}">
-                <a16:creationId xmlns:a16="http://schemas.microsoft.com/office/drawing/2014/main" xmlns="" id="{FFFF220F-F683-2F48-A73D-6A41401B0D05}"/>
+                <a16:creationId xmlns:a16="http://schemas.microsoft.com/office/drawing/2014/main" id="{FFFF220F-F683-2F48-A73D-6A41401B0D05}"/>
               </a:ext>
             </a:extLst>
           </p:cNvPr>
@@ -12877,7 +12868,7 @@
           <p:cNvPr id="53" name="Picture 52">
             <a:extLst>
               <a:ext uri="{FF2B5EF4-FFF2-40B4-BE49-F238E27FC236}">
-                <a16:creationId xmlns:a16="http://schemas.microsoft.com/office/drawing/2014/main" xmlns="" id="{FC96BF3C-2C18-7E4E-AADA-8075C799317A}"/>
+                <a16:creationId xmlns:a16="http://schemas.microsoft.com/office/drawing/2014/main" id="{FC96BF3C-2C18-7E4E-AADA-8075C799317A}"/>
               </a:ext>
             </a:extLst>
           </p:cNvPr>
@@ -12913,7 +12904,7 @@
           <p:cNvPr id="54" name="Content Placeholder 52">
             <a:extLst>
               <a:ext uri="{FF2B5EF4-FFF2-40B4-BE49-F238E27FC236}">
-                <a16:creationId xmlns:a16="http://schemas.microsoft.com/office/drawing/2014/main" xmlns="" id="{8184E9DC-A05F-994B-8D0E-6F0964DE93A1}"/>
+                <a16:creationId xmlns:a16="http://schemas.microsoft.com/office/drawing/2014/main" id="{8184E9DC-A05F-994B-8D0E-6F0964DE93A1}"/>
               </a:ext>
             </a:extLst>
           </p:cNvPr>
@@ -13124,17 +13115,6 @@
               </a:rPr>
               <a:t>GERMANY</a:t>
             </a:r>
-            <a:r>
-              <a:rPr lang="en-US" sz="1158" b="1" spc="10" dirty="0">
-                <a:solidFill>
-                  <a:srgbClr val="FFFFFF"/>
-                </a:solidFill>
-                <a:latin typeface="Brandon Grotesque Black" charset="0"/>
-                <a:ea typeface="Brandon Grotesque Black" charset="0"/>
-                <a:cs typeface="Brandon Grotesque Black" charset="0"/>
-              </a:rPr>
-              <a:t/>
-            </a:r>
             <a:br>
               <a:rPr lang="en-US" sz="1158" b="1" spc="10" dirty="0">
                 <a:solidFill>
@@ -13170,7 +13150,7 @@
           <p:cNvPr id="37" name="Content Placeholder 52">
             <a:extLst>
               <a:ext uri="{FF2B5EF4-FFF2-40B4-BE49-F238E27FC236}">
-                <a16:creationId xmlns:a16="http://schemas.microsoft.com/office/drawing/2014/main" xmlns="" id="{A1F29D74-7F07-D84E-B102-930FD141E5B9}"/>
+                <a16:creationId xmlns:a16="http://schemas.microsoft.com/office/drawing/2014/main" id="{A1F29D74-7F07-D84E-B102-930FD141E5B9}"/>
               </a:ext>
             </a:extLst>
           </p:cNvPr>
@@ -13406,7 +13386,7 @@
           <p:cNvPr id="38" name="Picture 37">
             <a:extLst>
               <a:ext uri="{FF2B5EF4-FFF2-40B4-BE49-F238E27FC236}">
-                <a16:creationId xmlns:a16="http://schemas.microsoft.com/office/drawing/2014/main" xmlns="" id="{B4EE7BA3-3882-054B-9C71-4C6C9D45BBC3}"/>
+                <a16:creationId xmlns:a16="http://schemas.microsoft.com/office/drawing/2014/main" id="{B4EE7BA3-3882-054B-9C71-4C6C9D45BBC3}"/>
               </a:ext>
             </a:extLst>
           </p:cNvPr>
@@ -13443,7 +13423,7 @@
             <a:hlinkClick r:id="rId3"/>
             <a:extLst>
               <a:ext uri="{FF2B5EF4-FFF2-40B4-BE49-F238E27FC236}">
-                <a16:creationId xmlns:a16="http://schemas.microsoft.com/office/drawing/2014/main" xmlns="" id="{8ECC0D63-20D7-0343-86D0-A87AE2BB8F87}"/>
+                <a16:creationId xmlns:a16="http://schemas.microsoft.com/office/drawing/2014/main" id="{8ECC0D63-20D7-0343-86D0-A87AE2BB8F87}"/>
               </a:ext>
             </a:extLst>
           </p:cNvPr>
@@ -13502,7 +13482,7 @@
             <a:hlinkClick r:id="rId2"/>
             <a:extLst>
               <a:ext uri="{FF2B5EF4-FFF2-40B4-BE49-F238E27FC236}">
-                <a16:creationId xmlns:a16="http://schemas.microsoft.com/office/drawing/2014/main" xmlns="" id="{B01DB6F7-4A56-E648-8CE4-FB8C132141F4}"/>
+                <a16:creationId xmlns:a16="http://schemas.microsoft.com/office/drawing/2014/main" id="{B01DB6F7-4A56-E648-8CE4-FB8C132141F4}"/>
               </a:ext>
             </a:extLst>
           </p:cNvPr>
@@ -13591,7 +13571,7 @@
           <p:cNvPr id="86" name="Rectangle 85">
             <a:extLst>
               <a:ext uri="{FF2B5EF4-FFF2-40B4-BE49-F238E27FC236}">
-                <a16:creationId xmlns:a16="http://schemas.microsoft.com/office/drawing/2014/main" xmlns="" id="{EDB109D6-5BF6-5E42-A1C1-45B238B41A7E}"/>
+                <a16:creationId xmlns:a16="http://schemas.microsoft.com/office/drawing/2014/main" id="{EDB109D6-5BF6-5E42-A1C1-45B238B41A7E}"/>
               </a:ext>
             </a:extLst>
           </p:cNvPr>
@@ -13657,7 +13637,7 @@
           <p:cNvPr id="131" name="Rectangle 1">
             <a:extLst>
               <a:ext uri="{FF2B5EF4-FFF2-40B4-BE49-F238E27FC236}">
-                <a16:creationId xmlns:a16="http://schemas.microsoft.com/office/drawing/2014/main" xmlns="" id="{D03E41E1-380E-DF4A-8F15-AB2EAE2322B9}"/>
+                <a16:creationId xmlns:a16="http://schemas.microsoft.com/office/drawing/2014/main" id="{D03E41E1-380E-DF4A-8F15-AB2EAE2322B9}"/>
               </a:ext>
             </a:extLst>
           </p:cNvPr>
@@ -13910,7 +13890,7 @@
           <p:cNvPr id="89" name="Rectangle 88">
             <a:extLst>
               <a:ext uri="{FF2B5EF4-FFF2-40B4-BE49-F238E27FC236}">
-                <a16:creationId xmlns:a16="http://schemas.microsoft.com/office/drawing/2014/main" xmlns="" id="{EFCB9C4D-5246-B743-853A-FA66CEE7DE4D}"/>
+                <a16:creationId xmlns:a16="http://schemas.microsoft.com/office/drawing/2014/main" id="{EFCB9C4D-5246-B743-853A-FA66CEE7DE4D}"/>
               </a:ext>
             </a:extLst>
           </p:cNvPr>
@@ -13966,7 +13946,7 @@
           <p:cNvPr id="93" name="Triangle 92">
             <a:extLst>
               <a:ext uri="{FF2B5EF4-FFF2-40B4-BE49-F238E27FC236}">
-                <a16:creationId xmlns:a16="http://schemas.microsoft.com/office/drawing/2014/main" xmlns="" id="{0D72A147-C32E-C540-8F80-59F865637BB1}"/>
+                <a16:creationId xmlns:a16="http://schemas.microsoft.com/office/drawing/2014/main" id="{0D72A147-C32E-C540-8F80-59F865637BB1}"/>
               </a:ext>
             </a:extLst>
           </p:cNvPr>
@@ -14025,7 +14005,7 @@
             <a:hlinkClick r:id="rId2"/>
             <a:extLst>
               <a:ext uri="{FF2B5EF4-FFF2-40B4-BE49-F238E27FC236}">
-                <a16:creationId xmlns:a16="http://schemas.microsoft.com/office/drawing/2014/main" xmlns="" id="{0A03D419-B4E4-A341-8258-BAF4FC5373B4}"/>
+                <a16:creationId xmlns:a16="http://schemas.microsoft.com/office/drawing/2014/main" id="{0A03D419-B4E4-A341-8258-BAF4FC5373B4}"/>
               </a:ext>
             </a:extLst>
           </p:cNvPr>
@@ -14092,7 +14072,7 @@
           <p:cNvPr id="95" name="Group 94">
             <a:extLst>
               <a:ext uri="{FF2B5EF4-FFF2-40B4-BE49-F238E27FC236}">
-                <a16:creationId xmlns:a16="http://schemas.microsoft.com/office/drawing/2014/main" xmlns="" id="{89E75E57-B1BB-1043-92B1-2837059A39CF}"/>
+                <a16:creationId xmlns:a16="http://schemas.microsoft.com/office/drawing/2014/main" id="{89E75E57-B1BB-1043-92B1-2837059A39CF}"/>
               </a:ext>
             </a:extLst>
           </p:cNvPr>
@@ -14112,7 +14092,7 @@
             <p:cNvPr id="96" name="Rounded Rectangle 95">
               <a:extLst>
                 <a:ext uri="{FF2B5EF4-FFF2-40B4-BE49-F238E27FC236}">
-                  <a16:creationId xmlns:a16="http://schemas.microsoft.com/office/drawing/2014/main" xmlns="" id="{C571F53C-F9A8-D34F-89E9-D59834F26F2A}"/>
+                  <a16:creationId xmlns:a16="http://schemas.microsoft.com/office/drawing/2014/main" id="{C571F53C-F9A8-D34F-89E9-D59834F26F2A}"/>
                 </a:ext>
               </a:extLst>
             </p:cNvPr>
@@ -14169,7 +14149,7 @@
               <a:hlinkClick r:id="rId3"/>
               <a:extLst>
                 <a:ext uri="{FF2B5EF4-FFF2-40B4-BE49-F238E27FC236}">
-                  <a16:creationId xmlns:a16="http://schemas.microsoft.com/office/drawing/2014/main" xmlns="" id="{BCCC18FD-7037-504F-B7DD-009E93D5CFC5}"/>
+                  <a16:creationId xmlns:a16="http://schemas.microsoft.com/office/drawing/2014/main" id="{BCCC18FD-7037-504F-B7DD-009E93D5CFC5}"/>
                 </a:ext>
               </a:extLst>
             </p:cNvPr>
@@ -14224,7 +14204,7 @@
             <a:hlinkClick r:id="rId3"/>
             <a:extLst>
               <a:ext uri="{FF2B5EF4-FFF2-40B4-BE49-F238E27FC236}">
-                <a16:creationId xmlns:a16="http://schemas.microsoft.com/office/drawing/2014/main" xmlns="" id="{31AA4A0D-C979-ED41-9053-191689A53F33}"/>
+                <a16:creationId xmlns:a16="http://schemas.microsoft.com/office/drawing/2014/main" id="{31AA4A0D-C979-ED41-9053-191689A53F33}"/>
               </a:ext>
             </a:extLst>
           </p:cNvPr>
@@ -14291,7 +14271,7 @@
           <p:cNvPr id="105" name="Group 104">
             <a:extLst>
               <a:ext uri="{FF2B5EF4-FFF2-40B4-BE49-F238E27FC236}">
-                <a16:creationId xmlns:a16="http://schemas.microsoft.com/office/drawing/2014/main" xmlns="" id="{7BF00640-0851-4A4E-8179-1BD384D8F525}"/>
+                <a16:creationId xmlns:a16="http://schemas.microsoft.com/office/drawing/2014/main" id="{7BF00640-0851-4A4E-8179-1BD384D8F525}"/>
               </a:ext>
             </a:extLst>
           </p:cNvPr>
@@ -14311,7 +14291,7 @@
             <p:cNvPr id="106" name="Rounded Rectangle 105">
               <a:extLst>
                 <a:ext uri="{FF2B5EF4-FFF2-40B4-BE49-F238E27FC236}">
-                  <a16:creationId xmlns:a16="http://schemas.microsoft.com/office/drawing/2014/main" xmlns="" id="{5AA2B150-5004-364C-910A-A392CD7A853A}"/>
+                  <a16:creationId xmlns:a16="http://schemas.microsoft.com/office/drawing/2014/main" id="{5AA2B150-5004-364C-910A-A392CD7A853A}"/>
                 </a:ext>
               </a:extLst>
             </p:cNvPr>
@@ -14368,7 +14348,7 @@
               <a:hlinkClick r:id="rId3"/>
               <a:extLst>
                 <a:ext uri="{FF2B5EF4-FFF2-40B4-BE49-F238E27FC236}">
-                  <a16:creationId xmlns:a16="http://schemas.microsoft.com/office/drawing/2014/main" xmlns="" id="{91AD4506-A6D6-124C-97E7-7D3DF0EBA900}"/>
+                  <a16:creationId xmlns:a16="http://schemas.microsoft.com/office/drawing/2014/main" id="{91AD4506-A6D6-124C-97E7-7D3DF0EBA900}"/>
                 </a:ext>
               </a:extLst>
             </p:cNvPr>
@@ -14424,7 +14404,7 @@
           <p:cNvPr id="122" name="Picture 121">
             <a:extLst>
               <a:ext uri="{FF2B5EF4-FFF2-40B4-BE49-F238E27FC236}">
-                <a16:creationId xmlns:a16="http://schemas.microsoft.com/office/drawing/2014/main" xmlns="" id="{B221A555-3C2F-E94D-96E4-6FC85564B891}"/>
+                <a16:creationId xmlns:a16="http://schemas.microsoft.com/office/drawing/2014/main" id="{B221A555-3C2F-E94D-96E4-6FC85564B891}"/>
               </a:ext>
             </a:extLst>
           </p:cNvPr>
@@ -14460,7 +14440,7 @@
           <p:cNvPr id="129" name="Title 24">
             <a:extLst>
               <a:ext uri="{FF2B5EF4-FFF2-40B4-BE49-F238E27FC236}">
-                <a16:creationId xmlns:a16="http://schemas.microsoft.com/office/drawing/2014/main" xmlns="" id="{C9C5C095-FA83-CE44-8BA2-FB0F4CF430D7}"/>
+                <a16:creationId xmlns:a16="http://schemas.microsoft.com/office/drawing/2014/main" id="{C9C5C095-FA83-CE44-8BA2-FB0F4CF430D7}"/>
               </a:ext>
             </a:extLst>
           </p:cNvPr>
@@ -14520,7 +14500,7 @@
           <p:cNvPr id="135" name="Straight Connector 134">
             <a:extLst>
               <a:ext uri="{FF2B5EF4-FFF2-40B4-BE49-F238E27FC236}">
-                <a16:creationId xmlns:a16="http://schemas.microsoft.com/office/drawing/2014/main" xmlns="" id="{FF6AB179-2926-4D40-A4DD-8BB1E9EAEA7D}"/>
+                <a16:creationId xmlns:a16="http://schemas.microsoft.com/office/drawing/2014/main" id="{FF6AB179-2926-4D40-A4DD-8BB1E9EAEA7D}"/>
               </a:ext>
             </a:extLst>
           </p:cNvPr>
@@ -14561,7 +14541,7 @@
           <p:cNvPr id="41" name="Content Placeholder 52">
             <a:extLst>
               <a:ext uri="{FF2B5EF4-FFF2-40B4-BE49-F238E27FC236}">
-                <a16:creationId xmlns:a16="http://schemas.microsoft.com/office/drawing/2014/main" xmlns="" id="{03870E7E-5F8D-F64D-B6CF-AC70B18948A2}"/>
+                <a16:creationId xmlns:a16="http://schemas.microsoft.com/office/drawing/2014/main" id="{03870E7E-5F8D-F64D-B6CF-AC70B18948A2}"/>
               </a:ext>
             </a:extLst>
           </p:cNvPr>
@@ -14811,7 +14791,7 @@
           <p:cNvPr id="42" name="Content Placeholder 52">
             <a:extLst>
               <a:ext uri="{FF2B5EF4-FFF2-40B4-BE49-F238E27FC236}">
-                <a16:creationId xmlns:a16="http://schemas.microsoft.com/office/drawing/2014/main" xmlns="" id="{95FE5B9D-9272-3841-9EE5-9D5A046A1FF7}"/>
+                <a16:creationId xmlns:a16="http://schemas.microsoft.com/office/drawing/2014/main" id="{95FE5B9D-9272-3841-9EE5-9D5A046A1FF7}"/>
               </a:ext>
             </a:extLst>
           </p:cNvPr>
@@ -15047,7 +15027,7 @@
           <p:cNvPr id="43" name="Content Placeholder 52">
             <a:extLst>
               <a:ext uri="{FF2B5EF4-FFF2-40B4-BE49-F238E27FC236}">
-                <a16:creationId xmlns:a16="http://schemas.microsoft.com/office/drawing/2014/main" xmlns="" id="{8C3392A2-7BEC-C643-A397-ACB0C15BDDE1}"/>
+                <a16:creationId xmlns:a16="http://schemas.microsoft.com/office/drawing/2014/main" id="{8C3392A2-7BEC-C643-A397-ACB0C15BDDE1}"/>
               </a:ext>
             </a:extLst>
           </p:cNvPr>
@@ -15282,7 +15262,7 @@
           <p:cNvPr id="44" name="Content Placeholder 52">
             <a:extLst>
               <a:ext uri="{FF2B5EF4-FFF2-40B4-BE49-F238E27FC236}">
-                <a16:creationId xmlns:a16="http://schemas.microsoft.com/office/drawing/2014/main" xmlns="" id="{5BF202D4-4239-7E4F-93CD-8E57B0E44847}"/>
+                <a16:creationId xmlns:a16="http://schemas.microsoft.com/office/drawing/2014/main" id="{5BF202D4-4239-7E4F-93CD-8E57B0E44847}"/>
               </a:ext>
             </a:extLst>
           </p:cNvPr>
@@ -15484,16 +15464,6 @@
               </a:rPr>
               <a:t> CHINA</a:t>
             </a:r>
-            <a:r>
-              <a:rPr lang="en-US" sz="1158" spc="30" dirty="0">
-                <a:solidFill>
-                  <a:srgbClr val="FFFFFF"/>
-                </a:solidFill>
-                <a:latin typeface="Source Sans Pro Light" panose="020B0403030403020204" pitchFamily="34" charset="77"/>
-                <a:ea typeface="Source Sans Pro" panose="020B0503030403020204" pitchFamily="34" charset="0"/>
-              </a:rPr>
-              <a:t/>
-            </a:r>
             <a:br>
               <a:rPr lang="en-US" sz="1158" spc="30" dirty="0">
                 <a:solidFill>
@@ -15526,7 +15496,7 @@
           <p:cNvPr id="46" name="Content Placeholder 52">
             <a:extLst>
               <a:ext uri="{FF2B5EF4-FFF2-40B4-BE49-F238E27FC236}">
-                <a16:creationId xmlns:a16="http://schemas.microsoft.com/office/drawing/2014/main" xmlns="" id="{16FDB233-B738-8D4E-B43F-750A1A983DE9}"/>
+                <a16:creationId xmlns:a16="http://schemas.microsoft.com/office/drawing/2014/main" id="{16FDB233-B738-8D4E-B43F-750A1A983DE9}"/>
               </a:ext>
             </a:extLst>
           </p:cNvPr>
@@ -15762,7 +15732,7 @@
           <p:cNvPr id="47" name="Picture 46">
             <a:extLst>
               <a:ext uri="{FF2B5EF4-FFF2-40B4-BE49-F238E27FC236}">
-                <a16:creationId xmlns:a16="http://schemas.microsoft.com/office/drawing/2014/main" xmlns="" id="{E394D0E0-025D-644F-82A2-ED215AC1B381}"/>
+                <a16:creationId xmlns:a16="http://schemas.microsoft.com/office/drawing/2014/main" id="{E394D0E0-025D-644F-82A2-ED215AC1B381}"/>
               </a:ext>
             </a:extLst>
           </p:cNvPr>
@@ -15798,7 +15768,7 @@
           <p:cNvPr id="48" name="Picture 47">
             <a:extLst>
               <a:ext uri="{FF2B5EF4-FFF2-40B4-BE49-F238E27FC236}">
-                <a16:creationId xmlns:a16="http://schemas.microsoft.com/office/drawing/2014/main" xmlns="" id="{35E0AA7F-0EA4-224A-92F8-C9A9D5B1B802}"/>
+                <a16:creationId xmlns:a16="http://schemas.microsoft.com/office/drawing/2014/main" id="{35E0AA7F-0EA4-224A-92F8-C9A9D5B1B802}"/>
               </a:ext>
             </a:extLst>
           </p:cNvPr>
@@ -15834,7 +15804,7 @@
           <p:cNvPr id="49" name="Picture 48">
             <a:extLst>
               <a:ext uri="{FF2B5EF4-FFF2-40B4-BE49-F238E27FC236}">
-                <a16:creationId xmlns:a16="http://schemas.microsoft.com/office/drawing/2014/main" xmlns="" id="{A48092AC-915B-524D-9672-FE0826E130E7}"/>
+                <a16:creationId xmlns:a16="http://schemas.microsoft.com/office/drawing/2014/main" id="{A48092AC-915B-524D-9672-FE0826E130E7}"/>
               </a:ext>
             </a:extLst>
           </p:cNvPr>
@@ -15870,7 +15840,7 @@
           <p:cNvPr id="51" name="Picture 50">
             <a:extLst>
               <a:ext uri="{FF2B5EF4-FFF2-40B4-BE49-F238E27FC236}">
-                <a16:creationId xmlns:a16="http://schemas.microsoft.com/office/drawing/2014/main" xmlns="" id="{27E440A9-1FB1-A44A-8917-F3A839BAF906}"/>
+                <a16:creationId xmlns:a16="http://schemas.microsoft.com/office/drawing/2014/main" id="{27E440A9-1FB1-A44A-8917-F3A839BAF906}"/>
               </a:ext>
             </a:extLst>
           </p:cNvPr>
@@ -15906,7 +15876,7 @@
           <p:cNvPr id="52" name="Picture 51">
             <a:extLst>
               <a:ext uri="{FF2B5EF4-FFF2-40B4-BE49-F238E27FC236}">
-                <a16:creationId xmlns:a16="http://schemas.microsoft.com/office/drawing/2014/main" xmlns="" id="{FFFF220F-F683-2F48-A73D-6A41401B0D05}"/>
+                <a16:creationId xmlns:a16="http://schemas.microsoft.com/office/drawing/2014/main" id="{FFFF220F-F683-2F48-A73D-6A41401B0D05}"/>
               </a:ext>
             </a:extLst>
           </p:cNvPr>
@@ -15942,7 +15912,7 @@
           <p:cNvPr id="53" name="Picture 52">
             <a:extLst>
               <a:ext uri="{FF2B5EF4-FFF2-40B4-BE49-F238E27FC236}">
-                <a16:creationId xmlns:a16="http://schemas.microsoft.com/office/drawing/2014/main" xmlns="" id="{FC96BF3C-2C18-7E4E-AADA-8075C799317A}"/>
+                <a16:creationId xmlns:a16="http://schemas.microsoft.com/office/drawing/2014/main" id="{FC96BF3C-2C18-7E4E-AADA-8075C799317A}"/>
               </a:ext>
             </a:extLst>
           </p:cNvPr>
@@ -15978,7 +15948,7 @@
           <p:cNvPr id="54" name="Content Placeholder 52">
             <a:extLst>
               <a:ext uri="{FF2B5EF4-FFF2-40B4-BE49-F238E27FC236}">
-                <a16:creationId xmlns:a16="http://schemas.microsoft.com/office/drawing/2014/main" xmlns="" id="{8184E9DC-A05F-994B-8D0E-6F0964DE93A1}"/>
+                <a16:creationId xmlns:a16="http://schemas.microsoft.com/office/drawing/2014/main" id="{8184E9DC-A05F-994B-8D0E-6F0964DE93A1}"/>
               </a:ext>
             </a:extLst>
           </p:cNvPr>
@@ -16189,17 +16159,6 @@
               </a:rPr>
               <a:t>GERMANY</a:t>
             </a:r>
-            <a:r>
-              <a:rPr lang="en-US" sz="1158" b="1" spc="10" dirty="0">
-                <a:solidFill>
-                  <a:srgbClr val="FFFFFF"/>
-                </a:solidFill>
-                <a:latin typeface="Brandon Grotesque Black" charset="0"/>
-                <a:ea typeface="Brandon Grotesque Black" charset="0"/>
-                <a:cs typeface="Brandon Grotesque Black" charset="0"/>
-              </a:rPr>
-              <a:t/>
-            </a:r>
             <a:br>
               <a:rPr lang="en-US" sz="1158" b="1" spc="10" dirty="0">
                 <a:solidFill>
@@ -16235,7 +16194,7 @@
           <p:cNvPr id="37" name="Content Placeholder 52">
             <a:extLst>
               <a:ext uri="{FF2B5EF4-FFF2-40B4-BE49-F238E27FC236}">
-                <a16:creationId xmlns:a16="http://schemas.microsoft.com/office/drawing/2014/main" xmlns="" id="{A1F29D74-7F07-D84E-B102-930FD141E5B9}"/>
+                <a16:creationId xmlns:a16="http://schemas.microsoft.com/office/drawing/2014/main" id="{A1F29D74-7F07-D84E-B102-930FD141E5B9}"/>
               </a:ext>
             </a:extLst>
           </p:cNvPr>
@@ -16471,7 +16430,7 @@
           <p:cNvPr id="38" name="Picture 37">
             <a:extLst>
               <a:ext uri="{FF2B5EF4-FFF2-40B4-BE49-F238E27FC236}">
-                <a16:creationId xmlns:a16="http://schemas.microsoft.com/office/drawing/2014/main" xmlns="" id="{B4EE7BA3-3882-054B-9C71-4C6C9D45BBC3}"/>
+                <a16:creationId xmlns:a16="http://schemas.microsoft.com/office/drawing/2014/main" id="{B4EE7BA3-3882-054B-9C71-4C6C9D45BBC3}"/>
               </a:ext>
             </a:extLst>
           </p:cNvPr>
@@ -16507,7 +16466,7 @@
           <p:cNvPr id="63" name="Hexagon 5">
             <a:extLst>
               <a:ext uri="{FF2B5EF4-FFF2-40B4-BE49-F238E27FC236}">
-                <a16:creationId xmlns:a16="http://schemas.microsoft.com/office/drawing/2014/main" xmlns="" id="{364503C3-2EEB-304D-8F5A-656CAD26AC38}"/>
+                <a16:creationId xmlns:a16="http://schemas.microsoft.com/office/drawing/2014/main" id="{364503C3-2EEB-304D-8F5A-656CAD26AC38}"/>
               </a:ext>
             </a:extLst>
           </p:cNvPr>
@@ -16781,7 +16740,7 @@
           <p:cNvPr id="64" name="Picture 63">
             <a:extLst>
               <a:ext uri="{FF2B5EF4-FFF2-40B4-BE49-F238E27FC236}">
-                <a16:creationId xmlns:a16="http://schemas.microsoft.com/office/drawing/2014/main" xmlns="" id="{6241EA04-8B95-A04D-BFAA-ECA5355B2F83}"/>
+                <a16:creationId xmlns:a16="http://schemas.microsoft.com/office/drawing/2014/main" id="{6241EA04-8B95-A04D-BFAA-ECA5355B2F83}"/>
               </a:ext>
             </a:extLst>
           </p:cNvPr>
@@ -16818,7 +16777,7 @@
             <a:hlinkClick r:id="rId12"/>
             <a:extLst>
               <a:ext uri="{FF2B5EF4-FFF2-40B4-BE49-F238E27FC236}">
-                <a16:creationId xmlns:a16="http://schemas.microsoft.com/office/drawing/2014/main" xmlns="" id="{242972D4-E45D-4C48-98B1-E9B8928925A8}"/>
+                <a16:creationId xmlns:a16="http://schemas.microsoft.com/office/drawing/2014/main" id="{242972D4-E45D-4C48-98B1-E9B8928925A8}"/>
               </a:ext>
             </a:extLst>
           </p:cNvPr>
@@ -16885,7 +16844,7 @@
           <p:cNvPr id="68" name="Content Placeholder 52">
             <a:extLst>
               <a:ext uri="{FF2B5EF4-FFF2-40B4-BE49-F238E27FC236}">
-                <a16:creationId xmlns:a16="http://schemas.microsoft.com/office/drawing/2014/main" xmlns="" id="{B59D4673-E8B1-2C49-81BA-06195A220AB1}"/>
+                <a16:creationId xmlns:a16="http://schemas.microsoft.com/office/drawing/2014/main" id="{B59D4673-E8B1-2C49-81BA-06195A220AB1}"/>
               </a:ext>
             </a:extLst>
           </p:cNvPr>
@@ -17091,7 +17050,7 @@
             <a:hlinkClick r:id="rId12"/>
             <a:extLst>
               <a:ext uri="{FF2B5EF4-FFF2-40B4-BE49-F238E27FC236}">
-                <a16:creationId xmlns:a16="http://schemas.microsoft.com/office/drawing/2014/main" xmlns="" id="{E8323CE4-5234-8142-9DE4-A809DB291451}"/>
+                <a16:creationId xmlns:a16="http://schemas.microsoft.com/office/drawing/2014/main" id="{E8323CE4-5234-8142-9DE4-A809DB291451}"/>
               </a:ext>
             </a:extLst>
           </p:cNvPr>
@@ -17150,7 +17109,7 @@
             <a:hlinkClick r:id="rId3"/>
             <a:extLst>
               <a:ext uri="{FF2B5EF4-FFF2-40B4-BE49-F238E27FC236}">
-                <a16:creationId xmlns:a16="http://schemas.microsoft.com/office/drawing/2014/main" xmlns="" id="{6C78789D-668C-3346-9A82-AE9B686AF055}"/>
+                <a16:creationId xmlns:a16="http://schemas.microsoft.com/office/drawing/2014/main" id="{6C78789D-668C-3346-9A82-AE9B686AF055}"/>
               </a:ext>
             </a:extLst>
           </p:cNvPr>
@@ -17209,7 +17168,7 @@
             <a:hlinkClick r:id="rId2"/>
             <a:extLst>
               <a:ext uri="{FF2B5EF4-FFF2-40B4-BE49-F238E27FC236}">
-                <a16:creationId xmlns:a16="http://schemas.microsoft.com/office/drawing/2014/main" xmlns="" id="{B054C5B9-06BF-FE44-99FF-F2FA5C20AC60}"/>
+                <a16:creationId xmlns:a16="http://schemas.microsoft.com/office/drawing/2014/main" id="{B054C5B9-06BF-FE44-99FF-F2FA5C20AC60}"/>
               </a:ext>
             </a:extLst>
           </p:cNvPr>
@@ -17298,7 +17257,7 @@
           <p:cNvPr id="2" name="Title 1">
             <a:extLst>
               <a:ext uri="{FF2B5EF4-FFF2-40B4-BE49-F238E27FC236}">
-                <a16:creationId xmlns:a16="http://schemas.microsoft.com/office/drawing/2014/main" xmlns="" id="{61CB242F-90DA-4932-9B60-1E44AEF49484}"/>
+                <a16:creationId xmlns:a16="http://schemas.microsoft.com/office/drawing/2014/main" id="{61CB242F-90DA-4932-9B60-1E44AEF49484}"/>
               </a:ext>
             </a:extLst>
           </p:cNvPr>
@@ -17326,7 +17285,7 @@
           <p:cNvPr id="3" name="Content Placeholder 2">
             <a:extLst>
               <a:ext uri="{FF2B5EF4-FFF2-40B4-BE49-F238E27FC236}">
-                <a16:creationId xmlns:a16="http://schemas.microsoft.com/office/drawing/2014/main" xmlns="" id="{788E95E5-B64D-46CE-ACF2-6A351D5FB94D}"/>
+                <a16:creationId xmlns:a16="http://schemas.microsoft.com/office/drawing/2014/main" id="{788E95E5-B64D-46CE-ACF2-6A351D5FB94D}"/>
               </a:ext>
             </a:extLst>
           </p:cNvPr>
@@ -17388,7 +17347,7 @@
           <p:cNvPr id="4" name="Content Placeholder 3">
             <a:extLst>
               <a:ext uri="{FF2B5EF4-FFF2-40B4-BE49-F238E27FC236}">
-                <a16:creationId xmlns:a16="http://schemas.microsoft.com/office/drawing/2014/main" xmlns="" id="{59BAA6EB-4BED-4357-983D-EA104F4B060A}"/>
+                <a16:creationId xmlns:a16="http://schemas.microsoft.com/office/drawing/2014/main" id="{59BAA6EB-4BED-4357-983D-EA104F4B060A}"/>
               </a:ext>
             </a:extLst>
           </p:cNvPr>
@@ -17450,7 +17409,7 @@
           <p:cNvPr id="5" name="Date Placeholder 4">
             <a:extLst>
               <a:ext uri="{FF2B5EF4-FFF2-40B4-BE49-F238E27FC236}">
-                <a16:creationId xmlns:a16="http://schemas.microsoft.com/office/drawing/2014/main" xmlns="" id="{5A25FC22-7C76-457B-B4AA-215CA835C3E1}"/>
+                <a16:creationId xmlns:a16="http://schemas.microsoft.com/office/drawing/2014/main" id="{5A25FC22-7C76-457B-B4AA-215CA835C3E1}"/>
               </a:ext>
             </a:extLst>
           </p:cNvPr>
@@ -17468,7 +17427,7 @@
           <a:p>
             <a:fld id="{A3AE657A-D284-404D-960B-6B1864A84D1B}" type="datetimeFigureOut">
               <a:rPr lang="en-US" smtClean="0"/>
-              <a:t>4/20/2022</a:t>
+              <a:t>6/14/2024</a:t>
             </a:fld>
             <a:endParaRPr lang="en-US"/>
           </a:p>
@@ -17479,7 +17438,7 @@
           <p:cNvPr id="6" name="Footer Placeholder 5">
             <a:extLst>
               <a:ext uri="{FF2B5EF4-FFF2-40B4-BE49-F238E27FC236}">
-                <a16:creationId xmlns:a16="http://schemas.microsoft.com/office/drawing/2014/main" xmlns="" id="{F8AD7C2F-FD59-46E5-85F6-10CBA1C0F450}"/>
+                <a16:creationId xmlns:a16="http://schemas.microsoft.com/office/drawing/2014/main" id="{F8AD7C2F-FD59-46E5-85F6-10CBA1C0F450}"/>
               </a:ext>
             </a:extLst>
           </p:cNvPr>
@@ -17504,7 +17463,7 @@
           <p:cNvPr id="7" name="Slide Number Placeholder 6">
             <a:extLst>
               <a:ext uri="{FF2B5EF4-FFF2-40B4-BE49-F238E27FC236}">
-                <a16:creationId xmlns:a16="http://schemas.microsoft.com/office/drawing/2014/main" xmlns="" id="{98B3FFE0-2B60-4C11-A32E-1FCF8493AF62}"/>
+                <a16:creationId xmlns:a16="http://schemas.microsoft.com/office/drawing/2014/main" id="{98B3FFE0-2B60-4C11-A32E-1FCF8493AF62}"/>
               </a:ext>
             </a:extLst>
           </p:cNvPr>
@@ -17563,7 +17522,7 @@
           <p:cNvPr id="2" name="Title 1">
             <a:extLst>
               <a:ext uri="{FF2B5EF4-FFF2-40B4-BE49-F238E27FC236}">
-                <a16:creationId xmlns:a16="http://schemas.microsoft.com/office/drawing/2014/main" xmlns="" id="{1C78C062-392B-449C-B8CE-B5DE3D886F86}"/>
+                <a16:creationId xmlns:a16="http://schemas.microsoft.com/office/drawing/2014/main" id="{1C78C062-392B-449C-B8CE-B5DE3D886F86}"/>
               </a:ext>
             </a:extLst>
           </p:cNvPr>
@@ -17596,7 +17555,7 @@
           <p:cNvPr id="3" name="Text Placeholder 2">
             <a:extLst>
               <a:ext uri="{FF2B5EF4-FFF2-40B4-BE49-F238E27FC236}">
-                <a16:creationId xmlns:a16="http://schemas.microsoft.com/office/drawing/2014/main" xmlns="" id="{F6CD22DE-6688-42E5-983F-AB537BC15F61}"/>
+                <a16:creationId xmlns:a16="http://schemas.microsoft.com/office/drawing/2014/main" id="{F6CD22DE-6688-42E5-983F-AB537BC15F61}"/>
               </a:ext>
             </a:extLst>
           </p:cNvPr>
@@ -17667,7 +17626,7 @@
           <p:cNvPr id="4" name="Content Placeholder 3">
             <a:extLst>
               <a:ext uri="{FF2B5EF4-FFF2-40B4-BE49-F238E27FC236}">
-                <a16:creationId xmlns:a16="http://schemas.microsoft.com/office/drawing/2014/main" xmlns="" id="{EBE71AF3-41EE-4F51-8C21-BC7D3E327C8D}"/>
+                <a16:creationId xmlns:a16="http://schemas.microsoft.com/office/drawing/2014/main" id="{EBE71AF3-41EE-4F51-8C21-BC7D3E327C8D}"/>
               </a:ext>
             </a:extLst>
           </p:cNvPr>
@@ -17729,7 +17688,7 @@
           <p:cNvPr id="5" name="Text Placeholder 4">
             <a:extLst>
               <a:ext uri="{FF2B5EF4-FFF2-40B4-BE49-F238E27FC236}">
-                <a16:creationId xmlns:a16="http://schemas.microsoft.com/office/drawing/2014/main" xmlns="" id="{73B194B6-F36E-4B56-AE2D-FC9E3BE7932C}"/>
+                <a16:creationId xmlns:a16="http://schemas.microsoft.com/office/drawing/2014/main" id="{73B194B6-F36E-4B56-AE2D-FC9E3BE7932C}"/>
               </a:ext>
             </a:extLst>
           </p:cNvPr>
@@ -17800,7 +17759,7 @@
           <p:cNvPr id="6" name="Content Placeholder 5">
             <a:extLst>
               <a:ext uri="{FF2B5EF4-FFF2-40B4-BE49-F238E27FC236}">
-                <a16:creationId xmlns:a16="http://schemas.microsoft.com/office/drawing/2014/main" xmlns="" id="{B01EC941-0411-4396-BA23-9E4B19E149B4}"/>
+                <a16:creationId xmlns:a16="http://schemas.microsoft.com/office/drawing/2014/main" id="{B01EC941-0411-4396-BA23-9E4B19E149B4}"/>
               </a:ext>
             </a:extLst>
           </p:cNvPr>
@@ -17862,7 +17821,7 @@
           <p:cNvPr id="7" name="Date Placeholder 6">
             <a:extLst>
               <a:ext uri="{FF2B5EF4-FFF2-40B4-BE49-F238E27FC236}">
-                <a16:creationId xmlns:a16="http://schemas.microsoft.com/office/drawing/2014/main" xmlns="" id="{2E728EBB-506B-4F31-886B-80D8B3A550A6}"/>
+                <a16:creationId xmlns:a16="http://schemas.microsoft.com/office/drawing/2014/main" id="{2E728EBB-506B-4F31-886B-80D8B3A550A6}"/>
               </a:ext>
             </a:extLst>
           </p:cNvPr>
@@ -17880,7 +17839,7 @@
           <a:p>
             <a:fld id="{A3AE657A-D284-404D-960B-6B1864A84D1B}" type="datetimeFigureOut">
               <a:rPr lang="en-US" smtClean="0"/>
-              <a:t>4/20/2022</a:t>
+              <a:t>6/14/2024</a:t>
             </a:fld>
             <a:endParaRPr lang="en-US"/>
           </a:p>
@@ -17891,7 +17850,7 @@
           <p:cNvPr id="8" name="Footer Placeholder 7">
             <a:extLst>
               <a:ext uri="{FF2B5EF4-FFF2-40B4-BE49-F238E27FC236}">
-                <a16:creationId xmlns:a16="http://schemas.microsoft.com/office/drawing/2014/main" xmlns="" id="{B44AF1B1-CDB9-4627-9337-59449F01AC7A}"/>
+                <a16:creationId xmlns:a16="http://schemas.microsoft.com/office/drawing/2014/main" id="{B44AF1B1-CDB9-4627-9337-59449F01AC7A}"/>
               </a:ext>
             </a:extLst>
           </p:cNvPr>
@@ -17916,7 +17875,7 @@
           <p:cNvPr id="9" name="Slide Number Placeholder 8">
             <a:extLst>
               <a:ext uri="{FF2B5EF4-FFF2-40B4-BE49-F238E27FC236}">
-                <a16:creationId xmlns:a16="http://schemas.microsoft.com/office/drawing/2014/main" xmlns="" id="{9B0C9E1E-6E34-454C-9223-EA62E44F00AD}"/>
+                <a16:creationId xmlns:a16="http://schemas.microsoft.com/office/drawing/2014/main" id="{9B0C9E1E-6E34-454C-9223-EA62E44F00AD}"/>
               </a:ext>
             </a:extLst>
           </p:cNvPr>
@@ -17975,7 +17934,7 @@
           <p:cNvPr id="2" name="Title 1">
             <a:extLst>
               <a:ext uri="{FF2B5EF4-FFF2-40B4-BE49-F238E27FC236}">
-                <a16:creationId xmlns:a16="http://schemas.microsoft.com/office/drawing/2014/main" xmlns="" id="{8DA7F72A-1F12-41E4-95DD-89CB88B4CB47}"/>
+                <a16:creationId xmlns:a16="http://schemas.microsoft.com/office/drawing/2014/main" id="{8DA7F72A-1F12-41E4-95DD-89CB88B4CB47}"/>
               </a:ext>
             </a:extLst>
           </p:cNvPr>
@@ -18003,7 +17962,7 @@
           <p:cNvPr id="3" name="Date Placeholder 2">
             <a:extLst>
               <a:ext uri="{FF2B5EF4-FFF2-40B4-BE49-F238E27FC236}">
-                <a16:creationId xmlns:a16="http://schemas.microsoft.com/office/drawing/2014/main" xmlns="" id="{E1230E12-6076-49CB-9E6E-C5C642FE4793}"/>
+                <a16:creationId xmlns:a16="http://schemas.microsoft.com/office/drawing/2014/main" id="{E1230E12-6076-49CB-9E6E-C5C642FE4793}"/>
               </a:ext>
             </a:extLst>
           </p:cNvPr>
@@ -18021,7 +17980,7 @@
           <a:p>
             <a:fld id="{A3AE657A-D284-404D-960B-6B1864A84D1B}" type="datetimeFigureOut">
               <a:rPr lang="en-US" smtClean="0"/>
-              <a:t>4/20/2022</a:t>
+              <a:t>6/14/2024</a:t>
             </a:fld>
             <a:endParaRPr lang="en-US"/>
           </a:p>
@@ -18032,7 +17991,7 @@
           <p:cNvPr id="4" name="Footer Placeholder 3">
             <a:extLst>
               <a:ext uri="{FF2B5EF4-FFF2-40B4-BE49-F238E27FC236}">
-                <a16:creationId xmlns:a16="http://schemas.microsoft.com/office/drawing/2014/main" xmlns="" id="{09513BE8-E2C4-4578-AD28-62A82C5C8748}"/>
+                <a16:creationId xmlns:a16="http://schemas.microsoft.com/office/drawing/2014/main" id="{09513BE8-E2C4-4578-AD28-62A82C5C8748}"/>
               </a:ext>
             </a:extLst>
           </p:cNvPr>
@@ -18057,7 +18016,7 @@
           <p:cNvPr id="5" name="Slide Number Placeholder 4">
             <a:extLst>
               <a:ext uri="{FF2B5EF4-FFF2-40B4-BE49-F238E27FC236}">
-                <a16:creationId xmlns:a16="http://schemas.microsoft.com/office/drawing/2014/main" xmlns="" id="{488EB3D3-86DA-4F31-BDBB-695ABC949AE5}"/>
+                <a16:creationId xmlns:a16="http://schemas.microsoft.com/office/drawing/2014/main" id="{488EB3D3-86DA-4F31-BDBB-695ABC949AE5}"/>
               </a:ext>
             </a:extLst>
           </p:cNvPr>
@@ -18116,7 +18075,7 @@
           <p:cNvPr id="2" name="Date Placeholder 1">
             <a:extLst>
               <a:ext uri="{FF2B5EF4-FFF2-40B4-BE49-F238E27FC236}">
-                <a16:creationId xmlns:a16="http://schemas.microsoft.com/office/drawing/2014/main" xmlns="" id="{57F069B2-016A-4E27-86F1-362553CBFBF8}"/>
+                <a16:creationId xmlns:a16="http://schemas.microsoft.com/office/drawing/2014/main" id="{57F069B2-016A-4E27-86F1-362553CBFBF8}"/>
               </a:ext>
             </a:extLst>
           </p:cNvPr>
@@ -18134,7 +18093,7 @@
           <a:p>
             <a:fld id="{A3AE657A-D284-404D-960B-6B1864A84D1B}" type="datetimeFigureOut">
               <a:rPr lang="en-US" smtClean="0"/>
-              <a:t>4/20/2022</a:t>
+              <a:t>6/14/2024</a:t>
             </a:fld>
             <a:endParaRPr lang="en-US"/>
           </a:p>
@@ -18145,7 +18104,7 @@
           <p:cNvPr id="3" name="Footer Placeholder 2">
             <a:extLst>
               <a:ext uri="{FF2B5EF4-FFF2-40B4-BE49-F238E27FC236}">
-                <a16:creationId xmlns:a16="http://schemas.microsoft.com/office/drawing/2014/main" xmlns="" id="{791F90A9-3720-4BB0-A934-298DAE23A04B}"/>
+                <a16:creationId xmlns:a16="http://schemas.microsoft.com/office/drawing/2014/main" id="{791F90A9-3720-4BB0-A934-298DAE23A04B}"/>
               </a:ext>
             </a:extLst>
           </p:cNvPr>
@@ -18170,7 +18129,7 @@
           <p:cNvPr id="4" name="Slide Number Placeholder 3">
             <a:extLst>
               <a:ext uri="{FF2B5EF4-FFF2-40B4-BE49-F238E27FC236}">
-                <a16:creationId xmlns:a16="http://schemas.microsoft.com/office/drawing/2014/main" xmlns="" id="{664794EF-DBBD-482B-A780-21502550ABE7}"/>
+                <a16:creationId xmlns:a16="http://schemas.microsoft.com/office/drawing/2014/main" id="{664794EF-DBBD-482B-A780-21502550ABE7}"/>
               </a:ext>
             </a:extLst>
           </p:cNvPr>
@@ -18229,7 +18188,7 @@
           <p:cNvPr id="2" name="Title 1">
             <a:extLst>
               <a:ext uri="{FF2B5EF4-FFF2-40B4-BE49-F238E27FC236}">
-                <a16:creationId xmlns:a16="http://schemas.microsoft.com/office/drawing/2014/main" xmlns="" id="{6D0CC981-BC2A-4566-BA54-B1FACDCAF48D}"/>
+                <a16:creationId xmlns:a16="http://schemas.microsoft.com/office/drawing/2014/main" id="{6D0CC981-BC2A-4566-BA54-B1FACDCAF48D}"/>
               </a:ext>
             </a:extLst>
           </p:cNvPr>
@@ -18266,7 +18225,7 @@
           <p:cNvPr id="3" name="Content Placeholder 2">
             <a:extLst>
               <a:ext uri="{FF2B5EF4-FFF2-40B4-BE49-F238E27FC236}">
-                <a16:creationId xmlns:a16="http://schemas.microsoft.com/office/drawing/2014/main" xmlns="" id="{CF32CEED-D1F1-4801-84AD-CB77A51AB429}"/>
+                <a16:creationId xmlns:a16="http://schemas.microsoft.com/office/drawing/2014/main" id="{CF32CEED-D1F1-4801-84AD-CB77A51AB429}"/>
               </a:ext>
             </a:extLst>
           </p:cNvPr>
@@ -18356,7 +18315,7 @@
           <p:cNvPr id="4" name="Text Placeholder 3">
             <a:extLst>
               <a:ext uri="{FF2B5EF4-FFF2-40B4-BE49-F238E27FC236}">
-                <a16:creationId xmlns:a16="http://schemas.microsoft.com/office/drawing/2014/main" xmlns="" id="{81C6CE86-C87A-4620-91E1-94FBE4804063}"/>
+                <a16:creationId xmlns:a16="http://schemas.microsoft.com/office/drawing/2014/main" id="{81C6CE86-C87A-4620-91E1-94FBE4804063}"/>
               </a:ext>
             </a:extLst>
           </p:cNvPr>
@@ -18427,7 +18386,7 @@
           <p:cNvPr id="5" name="Date Placeholder 4">
             <a:extLst>
               <a:ext uri="{FF2B5EF4-FFF2-40B4-BE49-F238E27FC236}">
-                <a16:creationId xmlns:a16="http://schemas.microsoft.com/office/drawing/2014/main" xmlns="" id="{84A81CCF-6073-4981-805E-B970CA8EAB70}"/>
+                <a16:creationId xmlns:a16="http://schemas.microsoft.com/office/drawing/2014/main" id="{84A81CCF-6073-4981-805E-B970CA8EAB70}"/>
               </a:ext>
             </a:extLst>
           </p:cNvPr>
@@ -18445,7 +18404,7 @@
           <a:p>
             <a:fld id="{A3AE657A-D284-404D-960B-6B1864A84D1B}" type="datetimeFigureOut">
               <a:rPr lang="en-US" smtClean="0"/>
-              <a:t>4/20/2022</a:t>
+              <a:t>6/14/2024</a:t>
             </a:fld>
             <a:endParaRPr lang="en-US"/>
           </a:p>
@@ -18456,7 +18415,7 @@
           <p:cNvPr id="6" name="Footer Placeholder 5">
             <a:extLst>
               <a:ext uri="{FF2B5EF4-FFF2-40B4-BE49-F238E27FC236}">
-                <a16:creationId xmlns:a16="http://schemas.microsoft.com/office/drawing/2014/main" xmlns="" id="{FE1F0BBE-5758-4FEB-B74D-E83097EF1A0E}"/>
+                <a16:creationId xmlns:a16="http://schemas.microsoft.com/office/drawing/2014/main" id="{FE1F0BBE-5758-4FEB-B74D-E83097EF1A0E}"/>
               </a:ext>
             </a:extLst>
           </p:cNvPr>
@@ -18481,7 +18440,7 @@
           <p:cNvPr id="7" name="Slide Number Placeholder 6">
             <a:extLst>
               <a:ext uri="{FF2B5EF4-FFF2-40B4-BE49-F238E27FC236}">
-                <a16:creationId xmlns:a16="http://schemas.microsoft.com/office/drawing/2014/main" xmlns="" id="{2DD8899B-B015-4679-B980-75A6FE60E7C1}"/>
+                <a16:creationId xmlns:a16="http://schemas.microsoft.com/office/drawing/2014/main" id="{2DD8899B-B015-4679-B980-75A6FE60E7C1}"/>
               </a:ext>
             </a:extLst>
           </p:cNvPr>
@@ -18540,7 +18499,7 @@
           <p:cNvPr id="2" name="Title 1">
             <a:extLst>
               <a:ext uri="{FF2B5EF4-FFF2-40B4-BE49-F238E27FC236}">
-                <a16:creationId xmlns:a16="http://schemas.microsoft.com/office/drawing/2014/main" xmlns="" id="{8B4C2EBA-5FFF-4E97-9A88-E605A6524D13}"/>
+                <a16:creationId xmlns:a16="http://schemas.microsoft.com/office/drawing/2014/main" id="{8B4C2EBA-5FFF-4E97-9A88-E605A6524D13}"/>
               </a:ext>
             </a:extLst>
           </p:cNvPr>
@@ -18577,7 +18536,7 @@
           <p:cNvPr id="3" name="Picture Placeholder 2">
             <a:extLst>
               <a:ext uri="{FF2B5EF4-FFF2-40B4-BE49-F238E27FC236}">
-                <a16:creationId xmlns:a16="http://schemas.microsoft.com/office/drawing/2014/main" xmlns="" id="{4BEEE40D-DDC8-4194-95AE-3F8428D2A75E}"/>
+                <a16:creationId xmlns:a16="http://schemas.microsoft.com/office/drawing/2014/main" id="{4BEEE40D-DDC8-4194-95AE-3F8428D2A75E}"/>
               </a:ext>
             </a:extLst>
           </p:cNvPr>
@@ -18644,7 +18603,7 @@
           <p:cNvPr id="4" name="Text Placeholder 3">
             <a:extLst>
               <a:ext uri="{FF2B5EF4-FFF2-40B4-BE49-F238E27FC236}">
-                <a16:creationId xmlns:a16="http://schemas.microsoft.com/office/drawing/2014/main" xmlns="" id="{41A49CA5-9F13-48B1-AD08-99DB2DE25458}"/>
+                <a16:creationId xmlns:a16="http://schemas.microsoft.com/office/drawing/2014/main" id="{41A49CA5-9F13-48B1-AD08-99DB2DE25458}"/>
               </a:ext>
             </a:extLst>
           </p:cNvPr>
@@ -18715,7 +18674,7 @@
           <p:cNvPr id="5" name="Date Placeholder 4">
             <a:extLst>
               <a:ext uri="{FF2B5EF4-FFF2-40B4-BE49-F238E27FC236}">
-                <a16:creationId xmlns:a16="http://schemas.microsoft.com/office/drawing/2014/main" xmlns="" id="{17763D3E-C535-4B90-814D-77964803AC10}"/>
+                <a16:creationId xmlns:a16="http://schemas.microsoft.com/office/drawing/2014/main" id="{17763D3E-C535-4B90-814D-77964803AC10}"/>
               </a:ext>
             </a:extLst>
           </p:cNvPr>
@@ -18733,7 +18692,7 @@
           <a:p>
             <a:fld id="{A3AE657A-D284-404D-960B-6B1864A84D1B}" type="datetimeFigureOut">
               <a:rPr lang="en-US" smtClean="0"/>
-              <a:t>4/20/2022</a:t>
+              <a:t>6/14/2024</a:t>
             </a:fld>
             <a:endParaRPr lang="en-US"/>
           </a:p>
@@ -18744,7 +18703,7 @@
           <p:cNvPr id="6" name="Footer Placeholder 5">
             <a:extLst>
               <a:ext uri="{FF2B5EF4-FFF2-40B4-BE49-F238E27FC236}">
-                <a16:creationId xmlns:a16="http://schemas.microsoft.com/office/drawing/2014/main" xmlns="" id="{7E4472C7-A0B9-48B6-AECC-45F7EF14EFE4}"/>
+                <a16:creationId xmlns:a16="http://schemas.microsoft.com/office/drawing/2014/main" id="{7E4472C7-A0B9-48B6-AECC-45F7EF14EFE4}"/>
               </a:ext>
             </a:extLst>
           </p:cNvPr>
@@ -18769,7 +18728,7 @@
           <p:cNvPr id="7" name="Slide Number Placeholder 6">
             <a:extLst>
               <a:ext uri="{FF2B5EF4-FFF2-40B4-BE49-F238E27FC236}">
-                <a16:creationId xmlns:a16="http://schemas.microsoft.com/office/drawing/2014/main" xmlns="" id="{E9C83EB5-6CC3-45AD-A266-794B610EEE1C}"/>
+                <a16:creationId xmlns:a16="http://schemas.microsoft.com/office/drawing/2014/main" id="{E9C83EB5-6CC3-45AD-A266-794B610EEE1C}"/>
               </a:ext>
             </a:extLst>
           </p:cNvPr>
@@ -18833,7 +18792,7 @@
           <p:cNvPr id="2" name="Title Placeholder 1">
             <a:extLst>
               <a:ext uri="{FF2B5EF4-FFF2-40B4-BE49-F238E27FC236}">
-                <a16:creationId xmlns:a16="http://schemas.microsoft.com/office/drawing/2014/main" xmlns="" id="{FC07EE6F-80F7-498F-8FC8-766087863C96}"/>
+                <a16:creationId xmlns:a16="http://schemas.microsoft.com/office/drawing/2014/main" id="{FC07EE6F-80F7-498F-8FC8-766087863C96}"/>
               </a:ext>
             </a:extLst>
           </p:cNvPr>
@@ -18871,7 +18830,7 @@
           <p:cNvPr id="3" name="Text Placeholder 2">
             <a:extLst>
               <a:ext uri="{FF2B5EF4-FFF2-40B4-BE49-F238E27FC236}">
-                <a16:creationId xmlns:a16="http://schemas.microsoft.com/office/drawing/2014/main" xmlns="" id="{78F0F1D2-23C3-432E-BF86-FE9C26EB9A3E}"/>
+                <a16:creationId xmlns:a16="http://schemas.microsoft.com/office/drawing/2014/main" id="{78F0F1D2-23C3-432E-BF86-FE9C26EB9A3E}"/>
               </a:ext>
             </a:extLst>
           </p:cNvPr>
@@ -18938,7 +18897,7 @@
           <p:cNvPr id="4" name="Date Placeholder 3">
             <a:extLst>
               <a:ext uri="{FF2B5EF4-FFF2-40B4-BE49-F238E27FC236}">
-                <a16:creationId xmlns:a16="http://schemas.microsoft.com/office/drawing/2014/main" xmlns="" id="{45FBC486-1BCB-4B13-9054-B2C57F6EE911}"/>
+                <a16:creationId xmlns:a16="http://schemas.microsoft.com/office/drawing/2014/main" id="{45FBC486-1BCB-4B13-9054-B2C57F6EE911}"/>
               </a:ext>
             </a:extLst>
           </p:cNvPr>
@@ -18974,7 +18933,7 @@
           <a:p>
             <a:fld id="{A3AE657A-D284-404D-960B-6B1864A84D1B}" type="datetimeFigureOut">
               <a:rPr lang="en-US" smtClean="0"/>
-              <a:t>4/20/2022</a:t>
+              <a:t>6/14/2024</a:t>
             </a:fld>
             <a:endParaRPr lang="en-US"/>
           </a:p>
@@ -18985,7 +18944,7 @@
           <p:cNvPr id="5" name="Footer Placeholder 4">
             <a:extLst>
               <a:ext uri="{FF2B5EF4-FFF2-40B4-BE49-F238E27FC236}">
-                <a16:creationId xmlns:a16="http://schemas.microsoft.com/office/drawing/2014/main" xmlns="" id="{3B8AAE3E-84DF-43F6-902B-A5E732AF278A}"/>
+                <a16:creationId xmlns:a16="http://schemas.microsoft.com/office/drawing/2014/main" id="{3B8AAE3E-84DF-43F6-902B-A5E732AF278A}"/>
               </a:ext>
             </a:extLst>
           </p:cNvPr>
@@ -19028,7 +18987,7 @@
           <p:cNvPr id="6" name="Slide Number Placeholder 5">
             <a:extLst>
               <a:ext uri="{FF2B5EF4-FFF2-40B4-BE49-F238E27FC236}">
-                <a16:creationId xmlns:a16="http://schemas.microsoft.com/office/drawing/2014/main" xmlns="" id="{7579D16B-435A-46BA-B9D4-735DD6980E26}"/>
+                <a16:creationId xmlns:a16="http://schemas.microsoft.com/office/drawing/2014/main" id="{7579D16B-435A-46BA-B9D4-735DD6980E26}"/>
               </a:ext>
             </a:extLst>
           </p:cNvPr>
@@ -19401,7 +19360,7 @@
           <p:cNvPr id="14" name="Slide Number Placeholder 5">
             <a:extLst>
               <a:ext uri="{FF2B5EF4-FFF2-40B4-BE49-F238E27FC236}">
-                <a16:creationId xmlns:a16="http://schemas.microsoft.com/office/drawing/2014/main" xmlns="" id="{D6A5EA0A-9DA9-564F-8F7D-CF263DB84C39}"/>
+                <a16:creationId xmlns:a16="http://schemas.microsoft.com/office/drawing/2014/main" id="{D6A5EA0A-9DA9-564F-8F7D-CF263DB84C39}"/>
               </a:ext>
             </a:extLst>
           </p:cNvPr>
@@ -19545,7 +19504,7 @@
           <p:cNvPr id="21" name="Straight Connector 20">
             <a:extLst>
               <a:ext uri="{FF2B5EF4-FFF2-40B4-BE49-F238E27FC236}">
-                <a16:creationId xmlns:a16="http://schemas.microsoft.com/office/drawing/2014/main" xmlns="" id="{F4443C96-B82D-F449-A71B-02134B6BB207}"/>
+                <a16:creationId xmlns:a16="http://schemas.microsoft.com/office/drawing/2014/main" id="{F4443C96-B82D-F449-A71B-02134B6BB207}"/>
               </a:ext>
             </a:extLst>
           </p:cNvPr>
@@ -19635,7 +19594,7 @@
           <p:cNvPr id="6" name="Picture 5">
             <a:extLst>
               <a:ext uri="{FF2B5EF4-FFF2-40B4-BE49-F238E27FC236}">
-                <a16:creationId xmlns:a16="http://schemas.microsoft.com/office/drawing/2014/main" xmlns="" id="{FFB611C2-DDCE-7F48-9E56-C0AF82F39DC1}"/>
+                <a16:creationId xmlns:a16="http://schemas.microsoft.com/office/drawing/2014/main" id="{FFB611C2-DDCE-7F48-9E56-C0AF82F39DC1}"/>
               </a:ext>
             </a:extLst>
           </p:cNvPr>
@@ -19977,102 +19936,102 @@
   <p:extLst>
     <p:ext uri="{27BBF7A9-308A-43DC-89C8-2F10F3537804}">
       <p15:sldGuideLst xmlns:p15="http://schemas.microsoft.com/office/powerpoint/2012/main">
-        <p15:guide id="4294967295" orient="horz" pos="3838">
+        <p15:guide id="1" orient="horz" pos="3838">
           <p15:clr>
             <a:srgbClr val="F26B43"/>
           </p15:clr>
         </p15:guide>
-        <p15:guide id="4294967295" pos="7333">
+        <p15:guide id="2" pos="7333">
           <p15:clr>
             <a:srgbClr val="F26B43"/>
           </p15:clr>
         </p15:guide>
-        <p15:guide id="4294967295" pos="347">
+        <p15:guide id="3" pos="347">
           <p15:clr>
             <a:srgbClr val="F26B43"/>
           </p15:clr>
         </p15:guide>
-        <p15:guide id="4294967295" orient="horz" pos="406">
+        <p15:guide id="4" orient="horz" pos="406">
           <p15:clr>
             <a:srgbClr val="F26B43"/>
           </p15:clr>
         </p15:guide>
-        <p15:guide id="4294967295" orient="horz" pos="3916">
+        <p15:guide id="5" orient="horz" pos="3916">
           <p15:clr>
             <a:srgbClr val="F26B43"/>
           </p15:clr>
         </p15:guide>
-        <p15:guide id="4294967295" pos="6834">
+        <p15:guide id="6" pos="6834">
           <p15:clr>
             <a:srgbClr val="F26B43"/>
           </p15:clr>
         </p15:guide>
-        <p15:guide id="4294967295" pos="6728">
+        <p15:guide id="7" pos="6728">
           <p15:clr>
             <a:srgbClr val="F26B43"/>
           </p15:clr>
         </p15:guide>
-        <p15:guide id="4294967295" pos="1292">
+        <p15:guide id="8" pos="1292">
           <p15:clr>
             <a:srgbClr val="F26B43"/>
           </p15:clr>
         </p15:guide>
-        <p15:guide id="4294967295" pos="1044">
+        <p15:guide id="9" pos="1044">
           <p15:clr>
             <a:srgbClr val="F26B43"/>
           </p15:clr>
         </p15:guide>
-        <p15:guide id="4294967295" pos="1990">
+        <p15:guide id="10" pos="1990">
           <p15:clr>
             <a:srgbClr val="F26B43"/>
           </p15:clr>
         </p15:guide>
-        <p15:guide id="4294967295" pos="2242">
+        <p15:guide id="11" pos="2242">
           <p15:clr>
             <a:srgbClr val="F26B43"/>
           </p15:clr>
         </p15:guide>
-        <p15:guide id="4294967295" pos="2938">
+        <p15:guide id="12" pos="2938">
           <p15:clr>
             <a:srgbClr val="F26B43"/>
           </p15:clr>
         </p15:guide>
-        <p15:guide id="4294967295" pos="3190">
+        <p15:guide id="13" pos="3190">
           <p15:clr>
             <a:srgbClr val="F26B43"/>
           </p15:clr>
         </p15:guide>
-        <p15:guide id="4294967295" pos="4138">
+        <p15:guide id="14" pos="4138">
           <p15:clr>
             <a:srgbClr val="F26B43"/>
           </p15:clr>
         </p15:guide>
-        <p15:guide id="4294967295" pos="3885">
+        <p15:guide id="15" pos="3885">
           <p15:clr>
             <a:srgbClr val="F26B43"/>
           </p15:clr>
         </p15:guide>
-        <p15:guide id="4294967295" pos="4838">
+        <p15:guide id="16" pos="4838">
           <p15:clr>
             <a:srgbClr val="F26B43"/>
           </p15:clr>
         </p15:guide>
-        <p15:guide id="4294967295" pos="5084">
+        <p15:guide id="17" pos="5084">
           <p15:clr>
             <a:srgbClr val="F26B43"/>
           </p15:clr>
         </p15:guide>
-        <p15:guide id="4294967295" pos="5784">
+        <p15:guide id="18" pos="5784">
           <p15:clr>
             <a:srgbClr val="F26B43"/>
           </p15:clr>
         </p15:guide>
-        <p15:guide id="4294967295" pos="6032">
+        <p15:guide id="19" pos="6032">
           <p15:clr>
             <a:srgbClr val="F26B43"/>
           </p15:clr>
         </p15:guide>
-        <p15:guide id="4294967295" orient="horz" pos="300">
+        <p15:guide id="20" orient="horz" pos="300">
           <p15:clr>
             <a:srgbClr val="F26B43"/>
           </p15:clr>
@@ -20105,7 +20064,7 @@
           <p:cNvPr id="51" name="Rounded Rectangle 50">
             <a:extLst>
               <a:ext uri="{FF2B5EF4-FFF2-40B4-BE49-F238E27FC236}">
-                <a16:creationId xmlns:a16="http://schemas.microsoft.com/office/drawing/2014/main" xmlns="" id="{F6B18FC4-0EC2-D842-9F91-793486EBD6C6}"/>
+                <a16:creationId xmlns:a16="http://schemas.microsoft.com/office/drawing/2014/main" id="{F6B18FC4-0EC2-D842-9F91-793486EBD6C6}"/>
               </a:ext>
             </a:extLst>
           </p:cNvPr>
@@ -20227,7 +20186,7 @@
           <p:cNvPr id="65" name="Rounded Rectangle 64">
             <a:extLst>
               <a:ext uri="{FF2B5EF4-FFF2-40B4-BE49-F238E27FC236}">
-                <a16:creationId xmlns:a16="http://schemas.microsoft.com/office/drawing/2014/main" xmlns="" id="{68B161DF-0B04-DA43-8872-F08463775AF3}"/>
+                <a16:creationId xmlns:a16="http://schemas.microsoft.com/office/drawing/2014/main" id="{68B161DF-0B04-DA43-8872-F08463775AF3}"/>
               </a:ext>
             </a:extLst>
           </p:cNvPr>
@@ -20356,7 +20315,7 @@
           <p:cNvPr id="54" name="Rounded Rectangle 53">
             <a:extLst>
               <a:ext uri="{FF2B5EF4-FFF2-40B4-BE49-F238E27FC236}">
-                <a16:creationId xmlns:a16="http://schemas.microsoft.com/office/drawing/2014/main" xmlns="" id="{0FF18F5A-C793-934C-8AEF-05C54219B54D}"/>
+                <a16:creationId xmlns:a16="http://schemas.microsoft.com/office/drawing/2014/main" id="{0FF18F5A-C793-934C-8AEF-05C54219B54D}"/>
               </a:ext>
             </a:extLst>
           </p:cNvPr>
@@ -20499,7 +20458,7 @@
           <a:p>
             <a:pPr defTabSz="914377"/>
             <a:r>
-              <a:rPr lang="en-US" sz="1400" b="1" dirty="0" smtClean="0">
+              <a:rPr lang="en-US" sz="1400" b="1" dirty="0">
                 <a:solidFill>
                   <a:srgbClr val="4B5357"/>
                 </a:solidFill>
@@ -20509,14 +20468,6 @@
               </a:rPr>
               <a:t>Binary Repositories</a:t>
             </a:r>
-            <a:endParaRPr lang="en-US" sz="1400" b="1" dirty="0">
-              <a:solidFill>
-                <a:srgbClr val="4B5357"/>
-              </a:solidFill>
-              <a:latin typeface="Source Sans Pro" charset="0"/>
-              <a:ea typeface="Source Sans Pro" charset="0"/>
-              <a:cs typeface="Source Sans Pro" charset="0"/>
-            </a:endParaRPr>
           </a:p>
         </p:txBody>
       </p:sp>
@@ -20544,7 +20495,7 @@
           <a:p>
             <a:pPr algn="ctr" defTabSz="914377"/>
             <a:r>
-              <a:rPr lang="en-US" sz="1400" b="1" dirty="0" smtClean="0">
+              <a:rPr lang="en-US" sz="1400" b="1" dirty="0">
                 <a:solidFill>
                   <a:srgbClr val="4B5357"/>
                 </a:solidFill>
@@ -20607,7 +20558,7 @@
           <p:cNvPr id="43" name="Picture 42">
             <a:extLst>
               <a:ext uri="{FF2B5EF4-FFF2-40B4-BE49-F238E27FC236}">
-                <a16:creationId xmlns:a16="http://schemas.microsoft.com/office/drawing/2014/main" xmlns="" id="{12F00518-C1C0-8D40-A208-E7A5D1093A00}"/>
+                <a16:creationId xmlns:a16="http://schemas.microsoft.com/office/drawing/2014/main" id="{12F00518-C1C0-8D40-A208-E7A5D1093A00}"/>
               </a:ext>
             </a:extLst>
           </p:cNvPr>
@@ -20643,7 +20594,7 @@
           <p:cNvPr id="55" name="Rounded Rectangle 54">
             <a:extLst>
               <a:ext uri="{FF2B5EF4-FFF2-40B4-BE49-F238E27FC236}">
-                <a16:creationId xmlns:a16="http://schemas.microsoft.com/office/drawing/2014/main" xmlns="" id="{323AA134-BF24-B440-8CF0-7162071EAC75}"/>
+                <a16:creationId xmlns:a16="http://schemas.microsoft.com/office/drawing/2014/main" id="{323AA134-BF24-B440-8CF0-7162071EAC75}"/>
               </a:ext>
             </a:extLst>
           </p:cNvPr>
@@ -20724,7 +20675,7 @@
           <a:p>
             <a:pPr defTabSz="914377"/>
             <a:r>
-              <a:rPr lang="en-US" sz="1400" b="1" dirty="0" smtClean="0">
+              <a:rPr lang="en-US" sz="1400" b="1" dirty="0">
                 <a:solidFill>
                   <a:srgbClr val="4B5357"/>
                 </a:solidFill>
@@ -20734,14 +20685,6 @@
               </a:rPr>
               <a:t>Source Repositories</a:t>
             </a:r>
-            <a:endParaRPr lang="en-US" sz="1400" b="1" dirty="0">
-              <a:solidFill>
-                <a:srgbClr val="4B5357"/>
-              </a:solidFill>
-              <a:latin typeface="Source Sans Pro" charset="0"/>
-              <a:ea typeface="Source Sans Pro" charset="0"/>
-              <a:cs typeface="Source Sans Pro" charset="0"/>
-            </a:endParaRPr>
           </a:p>
         </p:txBody>
       </p:sp>
@@ -20750,7 +20693,7 @@
           <p:cNvPr id="86" name="Rounded Rectangle 85">
             <a:extLst>
               <a:ext uri="{FF2B5EF4-FFF2-40B4-BE49-F238E27FC236}">
-                <a16:creationId xmlns:a16="http://schemas.microsoft.com/office/drawing/2014/main" xmlns="" id="{500A1F69-90C8-614E-A109-B2AB4C011D21}"/>
+                <a16:creationId xmlns:a16="http://schemas.microsoft.com/office/drawing/2014/main" id="{500A1F69-90C8-614E-A109-B2AB4C011D21}"/>
               </a:ext>
             </a:extLst>
           </p:cNvPr>
@@ -20817,7 +20760,7 @@
           <p:cNvPr id="87" name="Picture 86">
             <a:extLst>
               <a:ext uri="{FF2B5EF4-FFF2-40B4-BE49-F238E27FC236}">
-                <a16:creationId xmlns:a16="http://schemas.microsoft.com/office/drawing/2014/main" xmlns="" id="{50E82368-37D9-DF47-81F6-6FDDE0883723}"/>
+                <a16:creationId xmlns:a16="http://schemas.microsoft.com/office/drawing/2014/main" id="{50E82368-37D9-DF47-81F6-6FDDE0883723}"/>
               </a:ext>
             </a:extLst>
           </p:cNvPr>
@@ -20853,7 +20796,7 @@
           <p:cNvPr id="90" name="Rounded Rectangle 89">
             <a:extLst>
               <a:ext uri="{FF2B5EF4-FFF2-40B4-BE49-F238E27FC236}">
-                <a16:creationId xmlns:a16="http://schemas.microsoft.com/office/drawing/2014/main" xmlns="" id="{ABAC10A3-2F9D-8845-95D6-EA98A639CD92}"/>
+                <a16:creationId xmlns:a16="http://schemas.microsoft.com/office/drawing/2014/main" id="{ABAC10A3-2F9D-8845-95D6-EA98A639CD92}"/>
               </a:ext>
             </a:extLst>
           </p:cNvPr>
@@ -20920,7 +20863,7 @@
           <p:cNvPr id="92" name="TextBox 91">
             <a:extLst>
               <a:ext uri="{FF2B5EF4-FFF2-40B4-BE49-F238E27FC236}">
-                <a16:creationId xmlns:a16="http://schemas.microsoft.com/office/drawing/2014/main" xmlns="" id="{67C95280-1B8D-1941-BF7A-21E0CE227DE4}"/>
+                <a16:creationId xmlns:a16="http://schemas.microsoft.com/office/drawing/2014/main" id="{67C95280-1B8D-1941-BF7A-21E0CE227DE4}"/>
               </a:ext>
             </a:extLst>
           </p:cNvPr>
@@ -20945,7 +20888,7 @@
           <a:p>
             <a:pPr defTabSz="914377"/>
             <a:r>
-              <a:rPr lang="en-US" sz="1400" b="1" dirty="0" smtClean="0">
+              <a:rPr lang="en-US" sz="1400" b="1" dirty="0">
                 <a:solidFill>
                   <a:srgbClr val="4B5357"/>
                 </a:solidFill>
@@ -20955,14 +20898,6 @@
               </a:rPr>
               <a:t>Module Repositories</a:t>
             </a:r>
-            <a:endParaRPr lang="en-US" sz="1400" b="1" dirty="0">
-              <a:solidFill>
-                <a:srgbClr val="4B5357"/>
-              </a:solidFill>
-              <a:latin typeface="Source Sans Pro" charset="0"/>
-              <a:ea typeface="Source Sans Pro" charset="0"/>
-              <a:cs typeface="Source Sans Pro" charset="0"/>
-            </a:endParaRPr>
           </a:p>
         </p:txBody>
       </p:sp>
@@ -20971,7 +20906,7 @@
           <p:cNvPr id="93" name="Picture 92">
             <a:extLst>
               <a:ext uri="{FF2B5EF4-FFF2-40B4-BE49-F238E27FC236}">
-                <a16:creationId xmlns:a16="http://schemas.microsoft.com/office/drawing/2014/main" xmlns="" id="{4EA4C80E-71CE-6F43-AD4A-DABA38A275A2}"/>
+                <a16:creationId xmlns:a16="http://schemas.microsoft.com/office/drawing/2014/main" id="{4EA4C80E-71CE-6F43-AD4A-DABA38A275A2}"/>
               </a:ext>
             </a:extLst>
           </p:cNvPr>
@@ -21008,7 +20943,7 @@
           <p:cNvPr id="94" name="Picture 93">
             <a:extLst>
               <a:ext uri="{FF2B5EF4-FFF2-40B4-BE49-F238E27FC236}">
-                <a16:creationId xmlns:a16="http://schemas.microsoft.com/office/drawing/2014/main" xmlns="" id="{73AF7480-2B09-0942-AAD4-91F4A5814BE4}"/>
+                <a16:creationId xmlns:a16="http://schemas.microsoft.com/office/drawing/2014/main" id="{73AF7480-2B09-0942-AAD4-91F4A5814BE4}"/>
               </a:ext>
             </a:extLst>
           </p:cNvPr>
@@ -21044,7 +20979,7 @@
           <p:cNvPr id="96" name="Picture 95">
             <a:extLst>
               <a:ext uri="{FF2B5EF4-FFF2-40B4-BE49-F238E27FC236}">
-                <a16:creationId xmlns:a16="http://schemas.microsoft.com/office/drawing/2014/main" xmlns="" id="{159EF0D3-DB25-9A4F-89AC-5C47D43EFDEF}"/>
+                <a16:creationId xmlns:a16="http://schemas.microsoft.com/office/drawing/2014/main" id="{159EF0D3-DB25-9A4F-89AC-5C47D43EFDEF}"/>
               </a:ext>
             </a:extLst>
           </p:cNvPr>
@@ -21080,7 +21015,7 @@
           <p:cNvPr id="39" name="Group 38">
             <a:extLst>
               <a:ext uri="{FF2B5EF4-FFF2-40B4-BE49-F238E27FC236}">
-                <a16:creationId xmlns="" xmlns:a16="http://schemas.microsoft.com/office/drawing/2014/main" id="{66CE9EBE-BF9D-304C-9CEE-2C209F5596D9}"/>
+                <a16:creationId xmlns:a16="http://schemas.microsoft.com/office/drawing/2014/main" id="{66CE9EBE-BF9D-304C-9CEE-2C209F5596D9}"/>
               </a:ext>
             </a:extLst>
           </p:cNvPr>
@@ -21100,7 +21035,7 @@
             <p:cNvPr id="40" name="Picture 39">
               <a:extLst>
                 <a:ext uri="{FF2B5EF4-FFF2-40B4-BE49-F238E27FC236}">
-                  <a16:creationId xmlns="" xmlns:a16="http://schemas.microsoft.com/office/drawing/2014/main" id="{2E68AFA2-27D2-1640-B922-A80370DF5D11}"/>
+                  <a16:creationId xmlns:a16="http://schemas.microsoft.com/office/drawing/2014/main" id="{2E68AFA2-27D2-1640-B922-A80370DF5D11}"/>
                 </a:ext>
               </a:extLst>
             </p:cNvPr>
@@ -21136,7 +21071,7 @@
             <p:cNvPr id="41" name="Picture 40">
               <a:extLst>
                 <a:ext uri="{FF2B5EF4-FFF2-40B4-BE49-F238E27FC236}">
-                  <a16:creationId xmlns="" xmlns:a16="http://schemas.microsoft.com/office/drawing/2014/main" id="{2530B10C-D24D-A04B-8105-7EC17417282A}"/>
+                  <a16:creationId xmlns:a16="http://schemas.microsoft.com/office/drawing/2014/main" id="{2530B10C-D24D-A04B-8105-7EC17417282A}"/>
                 </a:ext>
               </a:extLst>
             </p:cNvPr>
@@ -21248,7 +21183,7 @@
           <p:cNvPr id="48" name="Picture 47">
             <a:extLst>
               <a:ext uri="{FF2B5EF4-FFF2-40B4-BE49-F238E27FC236}">
-                <a16:creationId xmlns:a16="http://schemas.microsoft.com/office/drawing/2014/main" xmlns="" id="{6E47523C-39E3-414E-8E44-2AF044AA7D00}"/>
+                <a16:creationId xmlns:a16="http://schemas.microsoft.com/office/drawing/2014/main" id="{6E47523C-39E3-414E-8E44-2AF044AA7D00}"/>
               </a:ext>
             </a:extLst>
           </p:cNvPr>
@@ -21343,31 +21278,1285 @@
       </p:grpSpPr>
       <p:sp>
         <p:nvSpPr>
-          <p:cNvPr id="4" name="Title 3"/>
-          <p:cNvSpPr>
-            <a:spLocks noGrp="1"/>
-          </p:cNvSpPr>
-          <p:nvPr>
-            <p:ph type="ctrTitle"/>
-          </p:nvPr>
-        </p:nvSpPr>
-        <p:spPr/>
-        <p:txBody>
-          <a:bodyPr/>
+          <p:cNvPr id="51" name="Rounded Rectangle 50">
+            <a:extLst>
+              <a:ext uri="{FF2B5EF4-FFF2-40B4-BE49-F238E27FC236}">
+                <a16:creationId xmlns:a16="http://schemas.microsoft.com/office/drawing/2014/main" id="{F6B18FC4-0EC2-D842-9F91-793486EBD6C6}"/>
+              </a:ext>
+            </a:extLst>
+          </p:cNvPr>
+          <p:cNvSpPr/>
+          <p:nvPr/>
+        </p:nvSpPr>
+        <p:spPr>
+          <a:xfrm>
+            <a:off x="796414" y="1208915"/>
+            <a:ext cx="2894138" cy="2440448"/>
+          </a:xfrm>
+          <a:prstGeom prst="roundRect">
+            <a:avLst>
+              <a:gd name="adj" fmla="val 5167"/>
+            </a:avLst>
+          </a:prstGeom>
+          <a:solidFill>
+            <a:schemeClr val="bg1"/>
+          </a:solidFill>
+          <a:ln w="12700">
+            <a:solidFill>
+              <a:schemeClr val="bg2"/>
+            </a:solidFill>
+          </a:ln>
+        </p:spPr>
+        <p:style>
+          <a:lnRef idx="2">
+            <a:schemeClr val="accent1">
+              <a:shade val="50000"/>
+            </a:schemeClr>
+          </a:lnRef>
+          <a:fillRef idx="1">
+            <a:schemeClr val="accent1"/>
+          </a:fillRef>
+          <a:effectRef idx="0">
+            <a:schemeClr val="accent1"/>
+          </a:effectRef>
+          <a:fontRef idx="minor">
+            <a:schemeClr val="lt1"/>
+          </a:fontRef>
+        </p:style>
+        <p:txBody>
+          <a:bodyPr rtlCol="0" anchor="ctr"/>
           <a:lstStyle/>
           <a:p>
-            <a:r>
-              <a:rPr lang="en-US" dirty="0" smtClean="0"/>
-              <a:t>OLD TDE-&gt;VROUSSEAU</a:t>
-            </a:r>
-            <a:endParaRPr lang="en-US" dirty="0"/>
+            <a:pPr algn="ctr" defTabSz="914377"/>
+            <a:endParaRPr lang="en-US" dirty="0">
+              <a:solidFill>
+                <a:srgbClr val="FFFFFF"/>
+              </a:solidFill>
+            </a:endParaRPr>
+          </a:p>
+        </p:txBody>
+      </p:sp>
+      <p:sp>
+        <p:nvSpPr>
+          <p:cNvPr id="50" name="Rounded Rectangle 49"/>
+          <p:cNvSpPr/>
+          <p:nvPr/>
+        </p:nvSpPr>
+        <p:spPr>
+          <a:xfrm>
+            <a:off x="929815" y="2954966"/>
+            <a:ext cx="2641335" cy="576885"/>
+          </a:xfrm>
+          <a:prstGeom prst="roundRect">
+            <a:avLst>
+              <a:gd name="adj" fmla="val 4301"/>
+            </a:avLst>
+          </a:prstGeom>
+          <a:solidFill>
+            <a:schemeClr val="bg1"/>
+          </a:solidFill>
+          <a:ln w="12700">
+            <a:solidFill>
+              <a:schemeClr val="bg2"/>
+            </a:solidFill>
+          </a:ln>
+        </p:spPr>
+        <p:style>
+          <a:lnRef idx="2">
+            <a:schemeClr val="accent1">
+              <a:shade val="50000"/>
+            </a:schemeClr>
+          </a:lnRef>
+          <a:fillRef idx="1">
+            <a:schemeClr val="accent1"/>
+          </a:fillRef>
+          <a:effectRef idx="0">
+            <a:schemeClr val="accent1"/>
+          </a:effectRef>
+          <a:fontRef idx="minor">
+            <a:schemeClr val="lt1"/>
+          </a:fontRef>
+        </p:style>
+        <p:txBody>
+          <a:bodyPr rtlCol="0" anchor="ctr"/>
+          <a:lstStyle/>
+          <a:p>
+            <a:pPr algn="ctr" defTabSz="914377"/>
+            <a:r>
+              <a:rPr lang="en-US">
+                <a:solidFill>
+                  <a:srgbClr val="FFFFFF"/>
+                </a:solidFill>
+              </a:rPr>
+              <a:t>vz</a:t>
+            </a:r>
+            <a:endParaRPr lang="en-US" dirty="0">
+              <a:solidFill>
+                <a:srgbClr val="FFFFFF"/>
+              </a:solidFill>
+            </a:endParaRPr>
+          </a:p>
+        </p:txBody>
+      </p:sp>
+      <p:sp>
+        <p:nvSpPr>
+          <p:cNvPr id="65" name="Rounded Rectangle 64">
+            <a:extLst>
+              <a:ext uri="{FF2B5EF4-FFF2-40B4-BE49-F238E27FC236}">
+                <a16:creationId xmlns:a16="http://schemas.microsoft.com/office/drawing/2014/main" id="{68B161DF-0B04-DA43-8872-F08463775AF3}"/>
+              </a:ext>
+            </a:extLst>
+          </p:cNvPr>
+          <p:cNvSpPr/>
+          <p:nvPr/>
+        </p:nvSpPr>
+        <p:spPr>
+          <a:xfrm>
+            <a:off x="5599414" y="1208914"/>
+            <a:ext cx="2894400" cy="2440449"/>
+          </a:xfrm>
+          <a:prstGeom prst="roundRect">
+            <a:avLst>
+              <a:gd name="adj" fmla="val 5167"/>
+            </a:avLst>
+          </a:prstGeom>
+          <a:solidFill>
+            <a:schemeClr val="bg1"/>
+          </a:solidFill>
+          <a:ln w="12700">
+            <a:noFill/>
+          </a:ln>
+          <a:effectLst>
+            <a:outerShdw blurRad="101600" algn="ctr" rotWithShape="0">
+              <a:prstClr val="black">
+                <a:alpha val="20000"/>
+              </a:prstClr>
+            </a:outerShdw>
+          </a:effectLst>
+        </p:spPr>
+        <p:style>
+          <a:lnRef idx="2">
+            <a:schemeClr val="accent1">
+              <a:shade val="50000"/>
+            </a:schemeClr>
+          </a:lnRef>
+          <a:fillRef idx="1">
+            <a:schemeClr val="accent1"/>
+          </a:fillRef>
+          <a:effectRef idx="0">
+            <a:schemeClr val="accent1"/>
+          </a:effectRef>
+          <a:fontRef idx="minor">
+            <a:schemeClr val="lt1"/>
+          </a:fontRef>
+        </p:style>
+        <p:txBody>
+          <a:bodyPr rtlCol="0" anchor="ctr"/>
+          <a:lstStyle/>
+          <a:p>
+            <a:pPr algn="ctr" defTabSz="914377"/>
+            <a:endParaRPr lang="en-US" dirty="0">
+              <a:solidFill>
+                <a:srgbClr val="FFFFFF"/>
+              </a:solidFill>
+              <a:latin typeface="Source Sans Pro" panose="020B0503030403020204" pitchFamily="34" charset="0"/>
+              <a:ea typeface="Source Sans Pro" panose="020B0503030403020204" pitchFamily="34" charset="0"/>
+            </a:endParaRPr>
+          </a:p>
+        </p:txBody>
+      </p:sp>
+      <p:sp>
+        <p:nvSpPr>
+          <p:cNvPr id="122" name="Rounded Rectangle 121"/>
+          <p:cNvSpPr/>
+          <p:nvPr/>
+        </p:nvSpPr>
+        <p:spPr>
+          <a:xfrm>
+            <a:off x="939115" y="1626745"/>
+            <a:ext cx="2632036" cy="1198833"/>
+          </a:xfrm>
+          <a:prstGeom prst="roundRect">
+            <a:avLst>
+              <a:gd name="adj" fmla="val 4301"/>
+            </a:avLst>
+          </a:prstGeom>
+          <a:solidFill>
+            <a:schemeClr val="bg1"/>
+          </a:solidFill>
+          <a:ln w="12700">
+            <a:solidFill>
+              <a:schemeClr val="bg2"/>
+            </a:solidFill>
+          </a:ln>
+        </p:spPr>
+        <p:style>
+          <a:lnRef idx="2">
+            <a:schemeClr val="accent1">
+              <a:shade val="50000"/>
+            </a:schemeClr>
+          </a:lnRef>
+          <a:fillRef idx="1">
+            <a:schemeClr val="accent1"/>
+          </a:fillRef>
+          <a:effectRef idx="0">
+            <a:schemeClr val="accent1"/>
+          </a:effectRef>
+          <a:fontRef idx="minor">
+            <a:schemeClr val="lt1"/>
+          </a:fontRef>
+        </p:style>
+        <p:txBody>
+          <a:bodyPr rtlCol="0" anchor="ctr"/>
+          <a:lstStyle/>
+          <a:p>
+            <a:pPr algn="ctr" defTabSz="914377"/>
+            <a:r>
+              <a:rPr lang="en-US">
+                <a:solidFill>
+                  <a:srgbClr val="FFFFFF"/>
+                </a:solidFill>
+              </a:rPr>
+              <a:t>vz</a:t>
+            </a:r>
+            <a:endParaRPr lang="en-US" dirty="0">
+              <a:solidFill>
+                <a:srgbClr val="FFFFFF"/>
+              </a:solidFill>
+            </a:endParaRPr>
+          </a:p>
+        </p:txBody>
+      </p:sp>
+      <p:sp>
+        <p:nvSpPr>
+          <p:cNvPr id="54" name="Rounded Rectangle 53">
+            <a:extLst>
+              <a:ext uri="{FF2B5EF4-FFF2-40B4-BE49-F238E27FC236}">
+                <a16:creationId xmlns:a16="http://schemas.microsoft.com/office/drawing/2014/main" id="{0FF18F5A-C793-934C-8AEF-05C54219B54D}"/>
+              </a:ext>
+            </a:extLst>
+          </p:cNvPr>
+          <p:cNvSpPr/>
+          <p:nvPr/>
+        </p:nvSpPr>
+        <p:spPr>
+          <a:xfrm>
+            <a:off x="5718816" y="1594397"/>
+            <a:ext cx="2684512" cy="731460"/>
+          </a:xfrm>
+          <a:prstGeom prst="roundRect">
+            <a:avLst>
+              <a:gd name="adj" fmla="val 8907"/>
+            </a:avLst>
+          </a:prstGeom>
+          <a:solidFill>
+            <a:schemeClr val="bg1"/>
+          </a:solidFill>
+          <a:ln w="12700">
+            <a:solidFill>
+              <a:schemeClr val="bg2"/>
+            </a:solidFill>
+          </a:ln>
+        </p:spPr>
+        <p:style>
+          <a:lnRef idx="2">
+            <a:schemeClr val="accent1">
+              <a:shade val="50000"/>
+            </a:schemeClr>
+          </a:lnRef>
+          <a:fillRef idx="1">
+            <a:schemeClr val="accent1"/>
+          </a:fillRef>
+          <a:effectRef idx="0">
+            <a:schemeClr val="accent1"/>
+          </a:effectRef>
+          <a:fontRef idx="minor">
+            <a:schemeClr val="lt1"/>
+          </a:fontRef>
+        </p:style>
+        <p:txBody>
+          <a:bodyPr rtlCol="0" anchor="ctr"/>
+          <a:lstStyle/>
+          <a:p>
+            <a:pPr algn="ctr" defTabSz="914377"/>
+            <a:endParaRPr lang="en-US" dirty="0">
+              <a:solidFill>
+                <a:srgbClr val="FFFFFF"/>
+              </a:solidFill>
+              <a:latin typeface="Source Sans Pro" panose="020B0503030403020204" pitchFamily="34" charset="0"/>
+              <a:ea typeface="Source Sans Pro" panose="020B0503030403020204" pitchFamily="34" charset="0"/>
+            </a:endParaRPr>
+          </a:p>
+        </p:txBody>
+      </p:sp>
+      <p:sp>
+        <p:nvSpPr>
+          <p:cNvPr id="32" name="Rounded Rectangle 31"/>
+          <p:cNvSpPr/>
+          <p:nvPr/>
+        </p:nvSpPr>
+        <p:spPr>
+          <a:xfrm>
+            <a:off x="3810724" y="1229825"/>
+            <a:ext cx="1669087" cy="2419538"/>
+          </a:xfrm>
+          <a:prstGeom prst="roundRect">
+            <a:avLst>
+              <a:gd name="adj" fmla="val 5765"/>
+            </a:avLst>
+          </a:prstGeom>
+          <a:solidFill>
+            <a:schemeClr val="bg1"/>
+          </a:solidFill>
+          <a:ln w="12700">
+            <a:solidFill>
+              <a:schemeClr val="bg2"/>
+            </a:solidFill>
+          </a:ln>
+        </p:spPr>
+        <p:style>
+          <a:lnRef idx="2">
+            <a:schemeClr val="accent1">
+              <a:shade val="50000"/>
+            </a:schemeClr>
+          </a:lnRef>
+          <a:fillRef idx="1">
+            <a:schemeClr val="accent1"/>
+          </a:fillRef>
+          <a:effectRef idx="0">
+            <a:schemeClr val="accent1"/>
+          </a:effectRef>
+          <a:fontRef idx="minor">
+            <a:schemeClr val="lt1"/>
+          </a:fontRef>
+        </p:style>
+        <p:txBody>
+          <a:bodyPr rtlCol="0" anchor="ctr"/>
+          <a:lstStyle/>
+          <a:p>
+            <a:pPr algn="ctr" defTabSz="914377"/>
+            <a:r>
+              <a:rPr lang="en-US">
+                <a:solidFill>
+                  <a:srgbClr val="FFFFFF"/>
+                </a:solidFill>
+              </a:rPr>
+              <a:t>vz</a:t>
+            </a:r>
+            <a:endParaRPr lang="en-US" dirty="0">
+              <a:solidFill>
+                <a:srgbClr val="FFFFFF"/>
+              </a:solidFill>
+            </a:endParaRPr>
+          </a:p>
+        </p:txBody>
+      </p:sp>
+      <p:sp>
+        <p:nvSpPr>
+          <p:cNvPr id="78" name="TextBox 77"/>
+          <p:cNvSpPr txBox="1"/>
+          <p:nvPr/>
+        </p:nvSpPr>
+        <p:spPr>
+          <a:xfrm>
+            <a:off x="5752764" y="1802950"/>
+            <a:ext cx="1931600" cy="307777"/>
+          </a:xfrm>
+          <a:prstGeom prst="rect">
+            <a:avLst/>
+          </a:prstGeom>
+          <a:noFill/>
+        </p:spPr>
+        <p:txBody>
+          <a:bodyPr wrap="square" rtlCol="0">
+            <a:spAutoFit/>
+          </a:bodyPr>
+          <a:lstStyle/>
+          <a:p>
+            <a:pPr defTabSz="914377"/>
+            <a:r>
+              <a:rPr lang="en-US" sz="1400" b="1" dirty="0">
+                <a:solidFill>
+                  <a:srgbClr val="4B5357"/>
+                </a:solidFill>
+                <a:latin typeface="Source Sans Pro" charset="0"/>
+                <a:ea typeface="Source Sans Pro" charset="0"/>
+                <a:cs typeface="Source Sans Pro" charset="0"/>
+              </a:rPr>
+              <a:t>Binary Repositories</a:t>
+            </a:r>
+          </a:p>
+        </p:txBody>
+      </p:sp>
+      <p:sp>
+        <p:nvSpPr>
+          <p:cNvPr id="120" name="TextBox 119"/>
+          <p:cNvSpPr txBox="1"/>
+          <p:nvPr/>
+        </p:nvSpPr>
+        <p:spPr>
+          <a:xfrm>
+            <a:off x="922638" y="1679276"/>
+            <a:ext cx="2648512" cy="307777"/>
+          </a:xfrm>
+          <a:prstGeom prst="rect">
+            <a:avLst/>
+          </a:prstGeom>
+          <a:noFill/>
+        </p:spPr>
+        <p:txBody>
+          <a:bodyPr wrap="square" rtlCol="0">
+            <a:spAutoFit/>
+          </a:bodyPr>
+          <a:lstStyle/>
+          <a:p>
+            <a:pPr algn="ctr" defTabSz="914377"/>
+            <a:r>
+              <a:rPr lang="en-US" sz="1400" b="1" dirty="0">
+                <a:solidFill>
+                  <a:srgbClr val="4B5357"/>
+                </a:solidFill>
+                <a:latin typeface="Source Sans Pro" charset="0"/>
+                <a:ea typeface="Source Sans Pro" charset="0"/>
+                <a:cs typeface="Source Sans Pro" charset="0"/>
+              </a:rPr>
+              <a:t>IDEs</a:t>
+            </a:r>
+            <a:endParaRPr lang="en-US" sz="1400" b="1" dirty="0">
+              <a:solidFill>
+                <a:srgbClr val="4B5357"/>
+              </a:solidFill>
+              <a:latin typeface="Consolas" panose="020B0609020204030204" pitchFamily="49" charset="0"/>
+              <a:ea typeface="Source Sans Pro" charset="0"/>
+              <a:cs typeface="Source Sans Pro" charset="0"/>
+            </a:endParaRPr>
+          </a:p>
+        </p:txBody>
+      </p:sp>
+      <p:sp>
+        <p:nvSpPr>
+          <p:cNvPr id="33" name="TextBox 32"/>
+          <p:cNvSpPr txBox="1"/>
+          <p:nvPr/>
+        </p:nvSpPr>
+        <p:spPr>
+          <a:xfrm>
+            <a:off x="3810724" y="1330785"/>
+            <a:ext cx="1669087" cy="307777"/>
+          </a:xfrm>
+          <a:prstGeom prst="rect">
+            <a:avLst/>
+          </a:prstGeom>
+          <a:noFill/>
+        </p:spPr>
+        <p:txBody>
+          <a:bodyPr wrap="square" rtlCol="0">
+            <a:spAutoFit/>
+          </a:bodyPr>
+          <a:lstStyle/>
+          <a:p>
+            <a:pPr algn="ctr" defTabSz="914377"/>
+            <a:r>
+              <a:rPr lang="en-US" sz="1400" b="1" dirty="0">
+                <a:solidFill>
+                  <a:srgbClr val="4B5357"/>
+                </a:solidFill>
+                <a:latin typeface="Source Sans Pro" charset="0"/>
+                <a:ea typeface="Source Sans Pro" charset="0"/>
+                <a:cs typeface="Source Sans Pro" charset="0"/>
+              </a:rPr>
+              <a:t>Architecture</a:t>
+            </a:r>
+          </a:p>
+        </p:txBody>
+      </p:sp>
+      <p:pic>
+        <p:nvPicPr>
+          <p:cNvPr id="43" name="Picture 42">
+            <a:extLst>
+              <a:ext uri="{FF2B5EF4-FFF2-40B4-BE49-F238E27FC236}">
+                <a16:creationId xmlns:a16="http://schemas.microsoft.com/office/drawing/2014/main" id="{12F00518-C1C0-8D40-A208-E7A5D1093A00}"/>
+              </a:ext>
+            </a:extLst>
+          </p:cNvPr>
+          <p:cNvPicPr>
+            <a:picLocks noChangeAspect="1"/>
+          </p:cNvPicPr>
+          <p:nvPr/>
+        </p:nvPicPr>
+        <p:blipFill>
+          <a:blip r:embed="rId2" cstate="print">
+            <a:extLst>
+              <a:ext uri="{28A0092B-C50C-407E-A947-70E740481C1C}">
+                <a14:useLocalDpi xmlns:a14="http://schemas.microsoft.com/office/drawing/2010/main" val="0"/>
+              </a:ext>
+            </a:extLst>
+          </a:blip>
+          <a:stretch>
+            <a:fillRect/>
+          </a:stretch>
+        </p:blipFill>
+        <p:spPr>
+          <a:xfrm>
+            <a:off x="7699572" y="1636405"/>
+            <a:ext cx="628219" cy="642668"/>
+          </a:xfrm>
+          <a:prstGeom prst="rect">
+            <a:avLst/>
+          </a:prstGeom>
+        </p:spPr>
+      </p:pic>
+      <p:sp>
+        <p:nvSpPr>
+          <p:cNvPr id="55" name="Rounded Rectangle 54">
+            <a:extLst>
+              <a:ext uri="{FF2B5EF4-FFF2-40B4-BE49-F238E27FC236}">
+                <a16:creationId xmlns:a16="http://schemas.microsoft.com/office/drawing/2014/main" id="{323AA134-BF24-B440-8CF0-7162071EAC75}"/>
+              </a:ext>
+            </a:extLst>
+          </p:cNvPr>
+          <p:cNvSpPr/>
+          <p:nvPr/>
+        </p:nvSpPr>
+        <p:spPr>
+          <a:xfrm>
+            <a:off x="5705784" y="2703137"/>
+            <a:ext cx="2684512" cy="730800"/>
+          </a:xfrm>
+          <a:prstGeom prst="roundRect">
+            <a:avLst>
+              <a:gd name="adj" fmla="val 8907"/>
+            </a:avLst>
+          </a:prstGeom>
+          <a:solidFill>
+            <a:schemeClr val="bg1"/>
+          </a:solidFill>
+          <a:ln w="12700">
+            <a:solidFill>
+              <a:schemeClr val="bg2"/>
+            </a:solidFill>
+          </a:ln>
+        </p:spPr>
+        <p:style>
+          <a:lnRef idx="2">
+            <a:schemeClr val="accent1">
+              <a:shade val="50000"/>
+            </a:schemeClr>
+          </a:lnRef>
+          <a:fillRef idx="1">
+            <a:schemeClr val="accent1"/>
+          </a:fillRef>
+          <a:effectRef idx="0">
+            <a:schemeClr val="accent1"/>
+          </a:effectRef>
+          <a:fontRef idx="minor">
+            <a:schemeClr val="lt1"/>
+          </a:fontRef>
+        </p:style>
+        <p:txBody>
+          <a:bodyPr rtlCol="0" anchor="ctr"/>
+          <a:lstStyle/>
+          <a:p>
+            <a:pPr algn="ctr" defTabSz="914377"/>
+            <a:endParaRPr lang="en-US" dirty="0">
+              <a:solidFill>
+                <a:srgbClr val="FFFFFF"/>
+              </a:solidFill>
+              <a:latin typeface="Source Sans Pro" panose="020B0503030403020204" pitchFamily="34" charset="0"/>
+              <a:ea typeface="Source Sans Pro" panose="020B0503030403020204" pitchFamily="34" charset="0"/>
+            </a:endParaRPr>
+          </a:p>
+        </p:txBody>
+      </p:sp>
+      <p:sp>
+        <p:nvSpPr>
+          <p:cNvPr id="84" name="TextBox 83"/>
+          <p:cNvSpPr txBox="1"/>
+          <p:nvPr/>
+        </p:nvSpPr>
+        <p:spPr>
+          <a:xfrm>
+            <a:off x="5797031" y="2919959"/>
+            <a:ext cx="1909130" cy="307777"/>
+          </a:xfrm>
+          <a:prstGeom prst="rect">
+            <a:avLst/>
+          </a:prstGeom>
+          <a:noFill/>
+        </p:spPr>
+        <p:txBody>
+          <a:bodyPr wrap="square" rtlCol="0">
+            <a:spAutoFit/>
+          </a:bodyPr>
+          <a:lstStyle/>
+          <a:p>
+            <a:pPr defTabSz="914377"/>
+            <a:r>
+              <a:rPr lang="en-US" sz="1400" b="1" dirty="0">
+                <a:solidFill>
+                  <a:srgbClr val="4B5357"/>
+                </a:solidFill>
+                <a:latin typeface="Source Sans Pro" charset="0"/>
+                <a:ea typeface="Source Sans Pro" charset="0"/>
+                <a:cs typeface="Source Sans Pro" charset="0"/>
+              </a:rPr>
+              <a:t>Source Repositories</a:t>
+            </a:r>
+          </a:p>
+        </p:txBody>
+      </p:sp>
+      <p:sp>
+        <p:nvSpPr>
+          <p:cNvPr id="86" name="Rounded Rectangle 85">
+            <a:extLst>
+              <a:ext uri="{FF2B5EF4-FFF2-40B4-BE49-F238E27FC236}">
+                <a16:creationId xmlns:a16="http://schemas.microsoft.com/office/drawing/2014/main" id="{500A1F69-90C8-614E-A109-B2AB4C011D21}"/>
+              </a:ext>
+            </a:extLst>
+          </p:cNvPr>
+          <p:cNvSpPr/>
+          <p:nvPr/>
+        </p:nvSpPr>
+        <p:spPr>
+          <a:xfrm>
+            <a:off x="939115" y="945895"/>
+            <a:ext cx="2632035" cy="498545"/>
+          </a:xfrm>
+          <a:prstGeom prst="roundRect">
+            <a:avLst>
+              <a:gd name="adj" fmla="val 50000"/>
+            </a:avLst>
+          </a:prstGeom>
+          <a:solidFill>
+            <a:schemeClr val="bg1"/>
+          </a:solidFill>
+          <a:ln w="12700">
+            <a:noFill/>
+          </a:ln>
+          <a:effectLst>
+            <a:outerShdw blurRad="101600" algn="ctr" rotWithShape="0">
+              <a:prstClr val="black">
+                <a:alpha val="20000"/>
+              </a:prstClr>
+            </a:outerShdw>
+          </a:effectLst>
+        </p:spPr>
+        <p:style>
+          <a:lnRef idx="2">
+            <a:schemeClr val="accent1">
+              <a:shade val="50000"/>
+            </a:schemeClr>
+          </a:lnRef>
+          <a:fillRef idx="1">
+            <a:schemeClr val="accent1"/>
+          </a:fillRef>
+          <a:effectRef idx="0">
+            <a:schemeClr val="accent1"/>
+          </a:effectRef>
+          <a:fontRef idx="minor">
+            <a:schemeClr val="lt1"/>
+          </a:fontRef>
+        </p:style>
+        <p:txBody>
+          <a:bodyPr rtlCol="0" anchor="ctr"/>
+          <a:lstStyle/>
+          <a:p>
+            <a:pPr algn="ctr" defTabSz="914377"/>
+            <a:endParaRPr lang="en-US" dirty="0">
+              <a:solidFill>
+                <a:srgbClr val="FFFFFF"/>
+              </a:solidFill>
+              <a:latin typeface="Source Sans Pro" panose="020B0503030403020204" pitchFamily="34" charset="0"/>
+              <a:ea typeface="Source Sans Pro" panose="020B0503030403020204" pitchFamily="34" charset="0"/>
+            </a:endParaRPr>
+          </a:p>
+        </p:txBody>
+      </p:sp>
+      <p:sp>
+        <p:nvSpPr>
+          <p:cNvPr id="90" name="Rounded Rectangle 89">
+            <a:extLst>
+              <a:ext uri="{FF2B5EF4-FFF2-40B4-BE49-F238E27FC236}">
+                <a16:creationId xmlns:a16="http://schemas.microsoft.com/office/drawing/2014/main" id="{ABAC10A3-2F9D-8845-95D6-EA98A639CD92}"/>
+              </a:ext>
+            </a:extLst>
+          </p:cNvPr>
+          <p:cNvSpPr/>
+          <p:nvPr/>
+        </p:nvSpPr>
+        <p:spPr>
+          <a:xfrm>
+            <a:off x="5908906" y="945895"/>
+            <a:ext cx="2280751" cy="498545"/>
+          </a:xfrm>
+          <a:prstGeom prst="roundRect">
+            <a:avLst>
+              <a:gd name="adj" fmla="val 50000"/>
+            </a:avLst>
+          </a:prstGeom>
+          <a:solidFill>
+            <a:schemeClr val="bg1"/>
+          </a:solidFill>
+          <a:ln w="12700">
+            <a:noFill/>
+          </a:ln>
+          <a:effectLst>
+            <a:outerShdw blurRad="101600" algn="ctr" rotWithShape="0">
+              <a:prstClr val="black">
+                <a:alpha val="20000"/>
+              </a:prstClr>
+            </a:outerShdw>
+          </a:effectLst>
+        </p:spPr>
+        <p:style>
+          <a:lnRef idx="2">
+            <a:schemeClr val="accent1">
+              <a:shade val="50000"/>
+            </a:schemeClr>
+          </a:lnRef>
+          <a:fillRef idx="1">
+            <a:schemeClr val="accent1"/>
+          </a:fillRef>
+          <a:effectRef idx="0">
+            <a:schemeClr val="accent1"/>
+          </a:effectRef>
+          <a:fontRef idx="minor">
+            <a:schemeClr val="lt1"/>
+          </a:fontRef>
+        </p:style>
+        <p:txBody>
+          <a:bodyPr rtlCol="0" anchor="ctr"/>
+          <a:lstStyle/>
+          <a:p>
+            <a:pPr algn="ctr" defTabSz="914377"/>
+            <a:endParaRPr lang="en-US" dirty="0">
+              <a:solidFill>
+                <a:srgbClr val="FFFFFF"/>
+              </a:solidFill>
+              <a:latin typeface="Source Sans Pro" panose="020B0503030403020204" pitchFamily="34" charset="0"/>
+              <a:ea typeface="Source Sans Pro" panose="020B0503030403020204" pitchFamily="34" charset="0"/>
+            </a:endParaRPr>
+          </a:p>
+        </p:txBody>
+      </p:sp>
+      <p:sp>
+        <p:nvSpPr>
+          <p:cNvPr id="92" name="TextBox 91">
+            <a:extLst>
+              <a:ext uri="{FF2B5EF4-FFF2-40B4-BE49-F238E27FC236}">
+                <a16:creationId xmlns:a16="http://schemas.microsoft.com/office/drawing/2014/main" id="{67C95280-1B8D-1941-BF7A-21E0CE227DE4}"/>
+              </a:ext>
+            </a:extLst>
+          </p:cNvPr>
+          <p:cNvSpPr txBox="1"/>
+          <p:nvPr/>
+        </p:nvSpPr>
+        <p:spPr>
+          <a:xfrm>
+            <a:off x="6359157" y="1061463"/>
+            <a:ext cx="1963944" cy="307777"/>
+          </a:xfrm>
+          <a:prstGeom prst="rect">
+            <a:avLst/>
+          </a:prstGeom>
+          <a:noFill/>
+        </p:spPr>
+        <p:txBody>
+          <a:bodyPr wrap="square" rtlCol="0">
+            <a:spAutoFit/>
+          </a:bodyPr>
+          <a:lstStyle/>
+          <a:p>
+            <a:pPr defTabSz="914377"/>
+            <a:r>
+              <a:rPr lang="en-US" sz="1400" b="1" dirty="0">
+                <a:solidFill>
+                  <a:srgbClr val="4B5357"/>
+                </a:solidFill>
+                <a:latin typeface="Source Sans Pro" charset="0"/>
+                <a:ea typeface="Source Sans Pro" charset="0"/>
+                <a:cs typeface="Source Sans Pro" charset="0"/>
+              </a:rPr>
+              <a:t>Module Repositories</a:t>
+            </a:r>
+          </a:p>
+        </p:txBody>
+      </p:sp>
+      <p:pic>
+        <p:nvPicPr>
+          <p:cNvPr id="93" name="Picture 92">
+            <a:extLst>
+              <a:ext uri="{FF2B5EF4-FFF2-40B4-BE49-F238E27FC236}">
+                <a16:creationId xmlns:a16="http://schemas.microsoft.com/office/drawing/2014/main" id="{4EA4C80E-71CE-6F43-AD4A-DABA38A275A2}"/>
+              </a:ext>
+            </a:extLst>
+          </p:cNvPr>
+          <p:cNvPicPr>
+            <a:picLocks noChangeAspect="1"/>
+          </p:cNvPicPr>
+          <p:nvPr/>
+        </p:nvPicPr>
+        <p:blipFill>
+          <a:blip r:embed="rId3" cstate="print">
+            <a:grayscl/>
+            <a:extLst>
+              <a:ext uri="{28A0092B-C50C-407E-A947-70E740481C1C}">
+                <a14:useLocalDpi xmlns:a14="http://schemas.microsoft.com/office/drawing/2010/main" val="0"/>
+              </a:ext>
+            </a:extLst>
+          </a:blip>
+          <a:stretch>
+            <a:fillRect/>
+          </a:stretch>
+        </p:blipFill>
+        <p:spPr>
+          <a:xfrm>
+            <a:off x="5977973" y="1017772"/>
+            <a:ext cx="370688" cy="351467"/>
+          </a:xfrm>
+          <a:prstGeom prst="rect">
+            <a:avLst/>
+          </a:prstGeom>
+        </p:spPr>
+      </p:pic>
+      <p:pic>
+        <p:nvPicPr>
+          <p:cNvPr id="94" name="Picture 93">
+            <a:extLst>
+              <a:ext uri="{FF2B5EF4-FFF2-40B4-BE49-F238E27FC236}">
+                <a16:creationId xmlns:a16="http://schemas.microsoft.com/office/drawing/2014/main" id="{73AF7480-2B09-0942-AAD4-91F4A5814BE4}"/>
+              </a:ext>
+            </a:extLst>
+          </p:cNvPr>
+          <p:cNvPicPr>
+            <a:picLocks noChangeAspect="1"/>
+          </p:cNvPicPr>
+          <p:nvPr/>
+        </p:nvPicPr>
+        <p:blipFill>
+          <a:blip r:embed="rId4" cstate="print">
+            <a:extLst>
+              <a:ext uri="{28A0092B-C50C-407E-A947-70E740481C1C}">
+                <a14:useLocalDpi xmlns:a14="http://schemas.microsoft.com/office/drawing/2010/main" val="0"/>
+              </a:ext>
+            </a:extLst>
+          </a:blip>
+          <a:stretch>
+            <a:fillRect/>
+          </a:stretch>
+        </p:blipFill>
+        <p:spPr>
+          <a:xfrm>
+            <a:off x="7797408" y="2848651"/>
+            <a:ext cx="464445" cy="464445"/>
+          </a:xfrm>
+          <a:prstGeom prst="rect">
+            <a:avLst/>
+          </a:prstGeom>
+        </p:spPr>
+      </p:pic>
+      <p:pic>
+        <p:nvPicPr>
+          <p:cNvPr id="96" name="Picture 95">
+            <a:extLst>
+              <a:ext uri="{FF2B5EF4-FFF2-40B4-BE49-F238E27FC236}">
+                <a16:creationId xmlns:a16="http://schemas.microsoft.com/office/drawing/2014/main" id="{159EF0D3-DB25-9A4F-89AC-5C47D43EFDEF}"/>
+              </a:ext>
+            </a:extLst>
+          </p:cNvPr>
+          <p:cNvPicPr>
+            <a:picLocks noChangeAspect="1"/>
+          </p:cNvPicPr>
+          <p:nvPr/>
+        </p:nvPicPr>
+        <p:blipFill>
+          <a:blip r:embed="rId5" cstate="print">
+            <a:extLst>
+              <a:ext uri="{28A0092B-C50C-407E-A947-70E740481C1C}">
+                <a14:useLocalDpi xmlns:a14="http://schemas.microsoft.com/office/drawing/2010/main" val="0"/>
+              </a:ext>
+            </a:extLst>
+          </a:blip>
+          <a:stretch>
+            <a:fillRect/>
+          </a:stretch>
+        </p:blipFill>
+        <p:spPr>
+          <a:xfrm>
+            <a:off x="3092688" y="3032171"/>
+            <a:ext cx="401766" cy="401766"/>
+          </a:xfrm>
+          <a:prstGeom prst="rect">
+            <a:avLst/>
+          </a:prstGeom>
+        </p:spPr>
+      </p:pic>
+      <p:grpSp>
+        <p:nvGrpSpPr>
+          <p:cNvPr id="39" name="Group 38">
+            <a:extLst>
+              <a:ext uri="{FF2B5EF4-FFF2-40B4-BE49-F238E27FC236}">
+                <a16:creationId xmlns:a16="http://schemas.microsoft.com/office/drawing/2014/main" id="{66CE9EBE-BF9D-304C-9CEE-2C209F5596D9}"/>
+              </a:ext>
+            </a:extLst>
+          </p:cNvPr>
+          <p:cNvGrpSpPr/>
+          <p:nvPr/>
+        </p:nvGrpSpPr>
+        <p:grpSpPr>
+          <a:xfrm>
+            <a:off x="1236854" y="1919130"/>
+            <a:ext cx="605365" cy="839945"/>
+            <a:chOff x="1907721" y="1888816"/>
+            <a:chExt cx="948941" cy="1316657"/>
+          </a:xfrm>
+        </p:grpSpPr>
+        <p:pic>
+          <p:nvPicPr>
+            <p:cNvPr id="40" name="Picture 39">
+              <a:extLst>
+                <a:ext uri="{FF2B5EF4-FFF2-40B4-BE49-F238E27FC236}">
+                  <a16:creationId xmlns:a16="http://schemas.microsoft.com/office/drawing/2014/main" id="{2E68AFA2-27D2-1640-B922-A80370DF5D11}"/>
+                </a:ext>
+              </a:extLst>
+            </p:cNvPr>
+            <p:cNvPicPr>
+              <a:picLocks noChangeAspect="1"/>
+            </p:cNvPicPr>
+            <p:nvPr/>
+          </p:nvPicPr>
+          <p:blipFill>
+            <a:blip r:embed="rId6" cstate="print">
+              <a:extLst>
+                <a:ext uri="{28A0092B-C50C-407E-A947-70E740481C1C}">
+                  <a14:useLocalDpi xmlns:a14="http://schemas.microsoft.com/office/drawing/2010/main" val="0"/>
+                </a:ext>
+              </a:extLst>
+            </a:blip>
+            <a:stretch>
+              <a:fillRect/>
+            </a:stretch>
+          </p:blipFill>
+          <p:spPr>
+            <a:xfrm>
+              <a:off x="1907721" y="1888816"/>
+              <a:ext cx="948941" cy="1316657"/>
+            </a:xfrm>
+            <a:prstGeom prst="rect">
+              <a:avLst/>
+            </a:prstGeom>
+          </p:spPr>
+        </p:pic>
+        <p:pic>
+          <p:nvPicPr>
+            <p:cNvPr id="41" name="Picture 40">
+              <a:extLst>
+                <a:ext uri="{FF2B5EF4-FFF2-40B4-BE49-F238E27FC236}">
+                  <a16:creationId xmlns:a16="http://schemas.microsoft.com/office/drawing/2014/main" id="{2530B10C-D24D-A04B-8105-7EC17417282A}"/>
+                </a:ext>
+              </a:extLst>
+            </p:cNvPr>
+            <p:cNvPicPr>
+              <a:picLocks noChangeAspect="1"/>
+            </p:cNvPicPr>
+            <p:nvPr/>
+          </p:nvPicPr>
+          <p:blipFill>
+            <a:blip r:embed="rId7">
+              <a:extLst>
+                <a:ext uri="{28A0092B-C50C-407E-A947-70E740481C1C}">
+                  <a14:useLocalDpi xmlns:a14="http://schemas.microsoft.com/office/drawing/2010/main" val="0"/>
+                </a:ext>
+              </a:extLst>
+            </a:blip>
+            <a:stretch>
+              <a:fillRect/>
+            </a:stretch>
+          </p:blipFill>
+          <p:spPr>
+            <a:xfrm>
+              <a:off x="2216203" y="2264577"/>
+              <a:ext cx="505261" cy="505261"/>
+            </a:xfrm>
+            <a:prstGeom prst="rect">
+              <a:avLst/>
+            </a:prstGeom>
+            <a:scene3d>
+              <a:camera prst="isometricLeftDown"/>
+              <a:lightRig rig="threePt" dir="t"/>
+            </a:scene3d>
+          </p:spPr>
+        </p:pic>
+      </p:grpSp>
+      <p:pic>
+        <p:nvPicPr>
+          <p:cNvPr id="45" name="Picture 44"/>
+          <p:cNvPicPr>
+            <a:picLocks noChangeAspect="1"/>
+          </p:cNvPicPr>
+          <p:nvPr/>
+        </p:nvPicPr>
+        <p:blipFill>
+          <a:blip r:embed="rId8" cstate="print">
+            <a:extLst>
+              <a:ext uri="{28A0092B-C50C-407E-A947-70E740481C1C}">
+                <a14:useLocalDpi xmlns:a14="http://schemas.microsoft.com/office/drawing/2010/main" val="0"/>
+              </a:ext>
+            </a:extLst>
+          </a:blip>
+          <a:stretch>
+            <a:fillRect/>
+          </a:stretch>
+        </p:blipFill>
+        <p:spPr>
+          <a:xfrm>
+            <a:off x="3776613" y="1960127"/>
+            <a:ext cx="1825654" cy="994839"/>
+          </a:xfrm>
+          <a:prstGeom prst="rect">
+            <a:avLst/>
+          </a:prstGeom>
+        </p:spPr>
+      </p:pic>
+      <p:pic>
+        <p:nvPicPr>
+          <p:cNvPr id="48" name="Picture 47">
+            <a:extLst>
+              <a:ext uri="{FF2B5EF4-FFF2-40B4-BE49-F238E27FC236}">
+                <a16:creationId xmlns:a16="http://schemas.microsoft.com/office/drawing/2014/main" id="{6E47523C-39E3-414E-8E44-2AF044AA7D00}"/>
+              </a:ext>
+            </a:extLst>
+          </p:cNvPr>
+          <p:cNvPicPr>
+            <a:picLocks noChangeAspect="1"/>
+          </p:cNvPicPr>
+          <p:nvPr/>
+        </p:nvPicPr>
+        <p:blipFill>
+          <a:blip r:embed="rId9" cstate="print">
+            <a:extLst>
+              <a:ext uri="{28A0092B-C50C-407E-A947-70E740481C1C}">
+                <a14:useLocalDpi xmlns:a14="http://schemas.microsoft.com/office/drawing/2010/main" val="0"/>
+              </a:ext>
+            </a:extLst>
+          </a:blip>
+          <a:stretch>
+            <a:fillRect/>
+          </a:stretch>
+        </p:blipFill>
+        <p:spPr>
+          <a:xfrm>
+            <a:off x="4417536" y="3066610"/>
+            <a:ext cx="455462" cy="459117"/>
+          </a:xfrm>
+          <a:prstGeom prst="rect">
+            <a:avLst/>
+          </a:prstGeom>
+        </p:spPr>
+      </p:pic>
+      <p:sp>
+        <p:nvSpPr>
+          <p:cNvPr id="49" name="TextBox 48"/>
+          <p:cNvSpPr txBox="1"/>
+          <p:nvPr/>
+        </p:nvSpPr>
+        <p:spPr>
+          <a:xfrm>
+            <a:off x="929815" y="3066610"/>
+            <a:ext cx="2584577" cy="307777"/>
+          </a:xfrm>
+          <a:prstGeom prst="rect">
+            <a:avLst/>
+          </a:prstGeom>
+          <a:noFill/>
+        </p:spPr>
+        <p:txBody>
+          <a:bodyPr wrap="square" rtlCol="0">
+            <a:spAutoFit/>
+          </a:bodyPr>
+          <a:lstStyle/>
+          <a:p>
+            <a:pPr algn="ctr"/>
+            <a:r>
+              <a:rPr lang="en-US" sz="1400" b="1" dirty="0">
+                <a:latin typeface="Source Sans Pro" charset="0"/>
+              </a:rPr>
+              <a:t>Build System</a:t>
+            </a:r>
+          </a:p>
+        </p:txBody>
+      </p:sp>
+      <p:pic>
+        <p:nvPicPr>
+          <p:cNvPr id="2" name="Picture 4" descr="upload.wikimedia.org/wikipedia/commons/thumb/9/...">
+            <a:extLst>
+              <a:ext uri="{FF2B5EF4-FFF2-40B4-BE49-F238E27FC236}">
+                <a16:creationId xmlns:a16="http://schemas.microsoft.com/office/drawing/2014/main" id="{51DB85A3-D6B4-3ECF-0BA0-9988410E4AD7}"/>
+              </a:ext>
+            </a:extLst>
+          </p:cNvPr>
+          <p:cNvPicPr>
+            <a:picLocks noChangeAspect="1" noChangeArrowheads="1"/>
+          </p:cNvPicPr>
+          <p:nvPr/>
+        </p:nvPicPr>
+        <p:blipFill>
+          <a:blip r:embed="rId10" cstate="print">
+            <a:extLst>
+              <a:ext uri="{28A0092B-C50C-407E-A947-70E740481C1C}">
+                <a14:useLocalDpi xmlns:a14="http://schemas.microsoft.com/office/drawing/2010/main" val="0"/>
+              </a:ext>
+            </a:extLst>
+          </a:blip>
+          <a:srcRect/>
+          <a:stretch>
+            <a:fillRect/>
+          </a:stretch>
+        </p:blipFill>
+        <p:spPr bwMode="auto">
+          <a:xfrm>
+            <a:off x="2426106" y="1961639"/>
+            <a:ext cx="407762" cy="407762"/>
+          </a:xfrm>
+          <a:prstGeom prst="rect">
+            <a:avLst/>
+          </a:prstGeom>
+          <a:noFill/>
+          <a:extLst>
+            <a:ext uri="{909E8E84-426E-40DD-AFC4-6F175D3DCCD1}">
+              <a14:hiddenFill xmlns:a14="http://schemas.microsoft.com/office/drawing/2010/main">
+                <a:solidFill>
+                  <a:srgbClr val="FFFFFF"/>
+                </a:solidFill>
+              </a14:hiddenFill>
+            </a:ext>
+          </a:extLst>
+        </p:spPr>
+      </p:pic>
+      <p:pic>
+        <p:nvPicPr>
+          <p:cNvPr id="3" name="Picture 2" descr="Android Studio — Wikipédia">
+            <a:extLst>
+              <a:ext uri="{FF2B5EF4-FFF2-40B4-BE49-F238E27FC236}">
+                <a16:creationId xmlns:a16="http://schemas.microsoft.com/office/drawing/2014/main" id="{CAA766B2-13B6-BFA4-B41F-6343BBCB6EDF}"/>
+              </a:ext>
+            </a:extLst>
+          </p:cNvPr>
+          <p:cNvPicPr>
+            <a:picLocks noChangeAspect="1" noChangeArrowheads="1"/>
+          </p:cNvPicPr>
+          <p:nvPr/>
+        </p:nvPicPr>
+        <p:blipFill>
+          <a:blip r:embed="rId11" cstate="print">
+            <a:extLst>
+              <a:ext uri="{28A0092B-C50C-407E-A947-70E740481C1C}">
+                <a14:useLocalDpi xmlns:a14="http://schemas.microsoft.com/office/drawing/2010/main" val="0"/>
+              </a:ext>
+            </a:extLst>
+          </a:blip>
+          <a:srcRect/>
+          <a:stretch>
+            <a:fillRect/>
+          </a:stretch>
+        </p:blipFill>
+        <p:spPr bwMode="auto">
+          <a:xfrm>
+            <a:off x="2976569" y="1928132"/>
+            <a:ext cx="469790" cy="469790"/>
+          </a:xfrm>
+          <a:prstGeom prst="rect">
+            <a:avLst/>
+          </a:prstGeom>
+          <a:noFill/>
+          <a:extLst>
+            <a:ext uri="{909E8E84-426E-40DD-AFC4-6F175D3DCCD1}">
+              <a14:hiddenFill xmlns:a14="http://schemas.microsoft.com/office/drawing/2010/main">
+                <a:solidFill>
+                  <a:srgbClr val="FFFFFF"/>
+                </a:solidFill>
+              </a14:hiddenFill>
+            </a:ext>
+          </a:extLst>
+        </p:spPr>
+      </p:pic>
+      <p:pic>
+        <p:nvPicPr>
+          <p:cNvPr id="4" name="Picture 3">
+            <a:extLst>
+              <a:ext uri="{FF2B5EF4-FFF2-40B4-BE49-F238E27FC236}">
+                <a16:creationId xmlns:a16="http://schemas.microsoft.com/office/drawing/2014/main" id="{39F45059-8F2A-D43C-21BD-B91608A4ED7B}"/>
+              </a:ext>
+            </a:extLst>
+          </p:cNvPr>
+          <p:cNvPicPr>
+            <a:picLocks noChangeAspect="1"/>
+          </p:cNvPicPr>
+          <p:nvPr/>
+        </p:nvPicPr>
+        <p:blipFill>
+          <a:blip r:embed="rId12"/>
+          <a:stretch>
+            <a:fillRect/>
+          </a:stretch>
+        </p:blipFill>
+        <p:spPr>
+          <a:xfrm>
+            <a:off x="2588933" y="2552457"/>
+            <a:ext cx="683499" cy="159928"/>
+          </a:xfrm>
+          <a:prstGeom prst="rect">
+            <a:avLst/>
+          </a:prstGeom>
+        </p:spPr>
+      </p:pic>
+      <p:sp>
+        <p:nvSpPr>
+          <p:cNvPr id="5" name="TextBox 4">
+            <a:extLst>
+              <a:ext uri="{FF2B5EF4-FFF2-40B4-BE49-F238E27FC236}">
+                <a16:creationId xmlns:a16="http://schemas.microsoft.com/office/drawing/2014/main" id="{A8E3B686-6102-F5A7-65D7-7769D8F9ECDD}"/>
+              </a:ext>
+            </a:extLst>
+          </p:cNvPr>
+          <p:cNvSpPr txBox="1"/>
+          <p:nvPr/>
+        </p:nvSpPr>
+        <p:spPr>
+          <a:xfrm>
+            <a:off x="1273160" y="1039371"/>
+            <a:ext cx="1963944" cy="307777"/>
+          </a:xfrm>
+          <a:prstGeom prst="rect">
+            <a:avLst/>
+          </a:prstGeom>
+          <a:noFill/>
+        </p:spPr>
+        <p:txBody>
+          <a:bodyPr wrap="square" rtlCol="0">
+            <a:spAutoFit/>
+          </a:bodyPr>
+          <a:lstStyle/>
+          <a:p>
+            <a:pPr algn="ctr" defTabSz="914377"/>
+            <a:r>
+              <a:rPr lang="en-US" sz="1400" b="1" dirty="0">
+                <a:solidFill>
+                  <a:srgbClr val="4B5357"/>
+                </a:solidFill>
+                <a:latin typeface="Source Sans Pro" charset="0"/>
+                <a:ea typeface="Source Sans Pro" charset="0"/>
+                <a:cs typeface="Source Sans Pro" charset="0"/>
+              </a:rPr>
+              <a:t>MICROEJ SDK</a:t>
+            </a:r>
           </a:p>
         </p:txBody>
       </p:sp>
     </p:spTree>
     <p:extLst>
       <p:ext uri="{BB962C8B-B14F-4D97-AF65-F5344CB8AC3E}">
-        <p14:creationId xmlns:p14="http://schemas.microsoft.com/office/powerpoint/2010/main" val="2306260515"/>
+        <p14:creationId xmlns:p14="http://schemas.microsoft.com/office/powerpoint/2010/main" val="1435073709"/>
       </p:ext>
     </p:extLst>
   </p:cSld>
@@ -21396,10 +22585,62 @@
       </p:grpSpPr>
       <p:sp>
         <p:nvSpPr>
+          <p:cNvPr id="4" name="Title 3"/>
+          <p:cNvSpPr>
+            <a:spLocks noGrp="1"/>
+          </p:cNvSpPr>
+          <p:nvPr>
+            <p:ph type="ctrTitle"/>
+          </p:nvPr>
+        </p:nvSpPr>
+        <p:spPr/>
+        <p:txBody>
+          <a:bodyPr/>
+          <a:lstStyle/>
+          <a:p>
+            <a:r>
+              <a:rPr lang="en-US" dirty="0"/>
+              <a:t>OLD TDE-&gt;VROUSSEAU</a:t>
+            </a:r>
+          </a:p>
+        </p:txBody>
+      </p:sp>
+    </p:spTree>
+    <p:extLst>
+      <p:ext uri="{BB962C8B-B14F-4D97-AF65-F5344CB8AC3E}">
+        <p14:creationId xmlns:p14="http://schemas.microsoft.com/office/powerpoint/2010/main" val="2306260515"/>
+      </p:ext>
+    </p:extLst>
+  </p:cSld>
+  <p:clrMapOvr>
+    <a:masterClrMapping/>
+  </p:clrMapOvr>
+</p:sld>
+</file>
+
+<file path=ppt/slides/slide4.xml><?xml version="1.0" encoding="utf-8"?>
+<p:sld xmlns:a="http://schemas.openxmlformats.org/drawingml/2006/main" xmlns:r="http://schemas.openxmlformats.org/officeDocument/2006/relationships" xmlns:p="http://schemas.openxmlformats.org/presentationml/2006/main">
+  <p:cSld>
+    <p:spTree>
+      <p:nvGrpSpPr>
+        <p:cNvPr id="1" name=""/>
+        <p:cNvGrpSpPr/>
+        <p:nvPr/>
+      </p:nvGrpSpPr>
+      <p:grpSpPr>
+        <a:xfrm>
+          <a:off x="0" y="0"/>
+          <a:ext cx="0" cy="0"/>
+          <a:chOff x="0" y="0"/>
+          <a:chExt cx="0" cy="0"/>
+        </a:xfrm>
+      </p:grpSpPr>
+      <p:sp>
+        <p:nvSpPr>
           <p:cNvPr id="28" name="Rounded Rectangle 27">
             <a:extLst>
               <a:ext uri="{FF2B5EF4-FFF2-40B4-BE49-F238E27FC236}">
-                <a16:creationId xmlns="" xmlns:a16="http://schemas.microsoft.com/office/drawing/2014/main" id="{A80A9CD7-A647-E145-A37F-AB80FF1D3990}"/>
+                <a16:creationId xmlns:a16="http://schemas.microsoft.com/office/drawing/2014/main" id="{A80A9CD7-A647-E145-A37F-AB80FF1D3990}"/>
               </a:ext>
             </a:extLst>
           </p:cNvPr>
@@ -21461,7 +22702,7 @@
           <p:cNvPr id="29" name="Rounded Rectangle 28">
             <a:extLst>
               <a:ext uri="{FF2B5EF4-FFF2-40B4-BE49-F238E27FC236}">
-                <a16:creationId xmlns="" xmlns:a16="http://schemas.microsoft.com/office/drawing/2014/main" id="{2785AD19-06CC-C341-BD60-5172E29CED33}"/>
+                <a16:creationId xmlns:a16="http://schemas.microsoft.com/office/drawing/2014/main" id="{2785AD19-06CC-C341-BD60-5172E29CED33}"/>
               </a:ext>
             </a:extLst>
           </p:cNvPr>
@@ -21525,7 +22766,7 @@
           <p:cNvPr id="30" name="Picture 29">
             <a:extLst>
               <a:ext uri="{FF2B5EF4-FFF2-40B4-BE49-F238E27FC236}">
-                <a16:creationId xmlns="" xmlns:a16="http://schemas.microsoft.com/office/drawing/2014/main" id="{F0E4D7CE-A9C5-E94A-9183-AB7AD1E4C69A}"/>
+                <a16:creationId xmlns:a16="http://schemas.microsoft.com/office/drawing/2014/main" id="{F0E4D7CE-A9C5-E94A-9183-AB7AD1E4C69A}"/>
               </a:ext>
             </a:extLst>
           </p:cNvPr>
@@ -21561,7 +22802,7 @@
           <p:cNvPr id="34" name="Rounded Rectangle 33">
             <a:extLst>
               <a:ext uri="{FF2B5EF4-FFF2-40B4-BE49-F238E27FC236}">
-                <a16:creationId xmlns="" xmlns:a16="http://schemas.microsoft.com/office/drawing/2014/main" id="{E7C03304-D263-1C4E-BBC0-67BDB9E2E0FB}"/>
+                <a16:creationId xmlns:a16="http://schemas.microsoft.com/office/drawing/2014/main" id="{E7C03304-D263-1C4E-BBC0-67BDB9E2E0FB}"/>
               </a:ext>
             </a:extLst>
           </p:cNvPr>
@@ -21621,7 +22862,7 @@
           <p:cNvPr id="37" name="Group 36">
             <a:extLst>
               <a:ext uri="{FF2B5EF4-FFF2-40B4-BE49-F238E27FC236}">
-                <a16:creationId xmlns="" xmlns:a16="http://schemas.microsoft.com/office/drawing/2014/main" id="{66CE9EBE-BF9D-304C-9CEE-2C209F5596D9}"/>
+                <a16:creationId xmlns:a16="http://schemas.microsoft.com/office/drawing/2014/main" id="{66CE9EBE-BF9D-304C-9CEE-2C209F5596D9}"/>
               </a:ext>
             </a:extLst>
           </p:cNvPr>
@@ -21641,7 +22882,7 @@
             <p:cNvPr id="38" name="Picture 37">
               <a:extLst>
                 <a:ext uri="{FF2B5EF4-FFF2-40B4-BE49-F238E27FC236}">
-                  <a16:creationId xmlns="" xmlns:a16="http://schemas.microsoft.com/office/drawing/2014/main" id="{2E68AFA2-27D2-1640-B922-A80370DF5D11}"/>
+                  <a16:creationId xmlns:a16="http://schemas.microsoft.com/office/drawing/2014/main" id="{2E68AFA2-27D2-1640-B922-A80370DF5D11}"/>
                 </a:ext>
               </a:extLst>
             </p:cNvPr>
@@ -21677,7 +22918,7 @@
             <p:cNvPr id="39" name="Picture 38">
               <a:extLst>
                 <a:ext uri="{FF2B5EF4-FFF2-40B4-BE49-F238E27FC236}">
-                  <a16:creationId xmlns="" xmlns:a16="http://schemas.microsoft.com/office/drawing/2014/main" id="{2530B10C-D24D-A04B-8105-7EC17417282A}"/>
+                  <a16:creationId xmlns:a16="http://schemas.microsoft.com/office/drawing/2014/main" id="{2530B10C-D24D-A04B-8105-7EC17417282A}"/>
                 </a:ext>
               </a:extLst>
             </p:cNvPr>
@@ -21718,7 +22959,7 @@
           <p:cNvPr id="42" name="Picture 41">
             <a:extLst>
               <a:ext uri="{FF2B5EF4-FFF2-40B4-BE49-F238E27FC236}">
-                <a16:creationId xmlns="" xmlns:a16="http://schemas.microsoft.com/office/drawing/2014/main" id="{AEBE8A8E-EF21-4748-A365-FAED746C2A7B}"/>
+                <a16:creationId xmlns:a16="http://schemas.microsoft.com/office/drawing/2014/main" id="{AEBE8A8E-EF21-4748-A365-FAED746C2A7B}"/>
               </a:ext>
             </a:extLst>
           </p:cNvPr>
@@ -21753,7 +22994,7 @@
           <p:cNvPr id="43" name="Rounded Rectangle 60">
             <a:extLst>
               <a:ext uri="{FF2B5EF4-FFF2-40B4-BE49-F238E27FC236}">
-                <a16:creationId xmlns="" xmlns:a16="http://schemas.microsoft.com/office/drawing/2014/main" id="{9DE66221-5E58-9046-84B8-BAC2F164E7F7}"/>
+                <a16:creationId xmlns:a16="http://schemas.microsoft.com/office/drawing/2014/main" id="{9DE66221-5E58-9046-84B8-BAC2F164E7F7}"/>
               </a:ext>
             </a:extLst>
           </p:cNvPr>
@@ -21821,7 +23062,7 @@
           <p:cNvPr id="44" name="Rounded Rectangle 60">
             <a:extLst>
               <a:ext uri="{FF2B5EF4-FFF2-40B4-BE49-F238E27FC236}">
-                <a16:creationId xmlns="" xmlns:a16="http://schemas.microsoft.com/office/drawing/2014/main" id="{EFDA6D52-D69F-4B4A-AF55-498748CEC29C}"/>
+                <a16:creationId xmlns:a16="http://schemas.microsoft.com/office/drawing/2014/main" id="{EFDA6D52-D69F-4B4A-AF55-498748CEC29C}"/>
               </a:ext>
             </a:extLst>
           </p:cNvPr>
@@ -21889,7 +23130,7 @@
           <p:cNvPr id="45" name="Rounded Rectangle 60">
             <a:extLst>
               <a:ext uri="{FF2B5EF4-FFF2-40B4-BE49-F238E27FC236}">
-                <a16:creationId xmlns="" xmlns:a16="http://schemas.microsoft.com/office/drawing/2014/main" id="{8DFC91B7-BBC3-A74C-B037-FA5DFFB8CE43}"/>
+                <a16:creationId xmlns:a16="http://schemas.microsoft.com/office/drawing/2014/main" id="{8DFC91B7-BBC3-A74C-B037-FA5DFFB8CE43}"/>
               </a:ext>
             </a:extLst>
           </p:cNvPr>
@@ -21957,7 +23198,7 @@
           <p:cNvPr id="46" name="Rounded Rectangle 60">
             <a:extLst>
               <a:ext uri="{FF2B5EF4-FFF2-40B4-BE49-F238E27FC236}">
-                <a16:creationId xmlns="" xmlns:a16="http://schemas.microsoft.com/office/drawing/2014/main" id="{B9E7E0AD-D1F5-AA46-B25B-51C9EC452EEA}"/>
+                <a16:creationId xmlns:a16="http://schemas.microsoft.com/office/drawing/2014/main" id="{B9E7E0AD-D1F5-AA46-B25B-51C9EC452EEA}"/>
               </a:ext>
             </a:extLst>
           </p:cNvPr>
@@ -22025,7 +23266,7 @@
           <p:cNvPr id="48" name="Rounded Rectangle 60">
             <a:extLst>
               <a:ext uri="{FF2B5EF4-FFF2-40B4-BE49-F238E27FC236}">
-                <a16:creationId xmlns="" xmlns:a16="http://schemas.microsoft.com/office/drawing/2014/main" id="{0423AE44-5774-4848-BCA5-36F45B60BCE1}"/>
+                <a16:creationId xmlns:a16="http://schemas.microsoft.com/office/drawing/2014/main" id="{0423AE44-5774-4848-BCA5-36F45B60BCE1}"/>
               </a:ext>
             </a:extLst>
           </p:cNvPr>
@@ -22094,7 +23335,7 @@
           <p:cNvPr id="49" name="Rounded Rectangle 60">
             <a:extLst>
               <a:ext uri="{FF2B5EF4-FFF2-40B4-BE49-F238E27FC236}">
-                <a16:creationId xmlns="" xmlns:a16="http://schemas.microsoft.com/office/drawing/2014/main" id="{A07728E8-31F3-DE4F-883F-CDB261210951}"/>
+                <a16:creationId xmlns:a16="http://schemas.microsoft.com/office/drawing/2014/main" id="{A07728E8-31F3-DE4F-883F-CDB261210951}"/>
               </a:ext>
             </a:extLst>
           </p:cNvPr>
@@ -22163,7 +23404,7 @@
           <p:cNvPr id="50" name="Rounded Rectangle 60">
             <a:extLst>
               <a:ext uri="{FF2B5EF4-FFF2-40B4-BE49-F238E27FC236}">
-                <a16:creationId xmlns="" xmlns:a16="http://schemas.microsoft.com/office/drawing/2014/main" id="{35AB1990-8CA0-3C47-95EA-BA228CB40F71}"/>
+                <a16:creationId xmlns:a16="http://schemas.microsoft.com/office/drawing/2014/main" id="{35AB1990-8CA0-3C47-95EA-BA228CB40F71}"/>
               </a:ext>
             </a:extLst>
           </p:cNvPr>
@@ -22243,7 +23484,7 @@
           <p:cNvPr id="53" name="Picture 52">
             <a:extLst>
               <a:ext uri="{FF2B5EF4-FFF2-40B4-BE49-F238E27FC236}">
-                <a16:creationId xmlns="" xmlns:a16="http://schemas.microsoft.com/office/drawing/2014/main" id="{BF2C8D43-A4AF-DA47-BDD8-9E4B943C63EF}"/>
+                <a16:creationId xmlns:a16="http://schemas.microsoft.com/office/drawing/2014/main" id="{BF2C8D43-A4AF-DA47-BDD8-9E4B943C63EF}"/>
               </a:ext>
             </a:extLst>
           </p:cNvPr>
@@ -22279,7 +23520,7 @@
           <p:cNvPr id="55" name="Picture 54">
             <a:extLst>
               <a:ext uri="{FF2B5EF4-FFF2-40B4-BE49-F238E27FC236}">
-                <a16:creationId xmlns="" xmlns:a16="http://schemas.microsoft.com/office/drawing/2014/main" id="{0647DBE0-C7DC-3F48-83AF-E7487FA7E175}"/>
+                <a16:creationId xmlns:a16="http://schemas.microsoft.com/office/drawing/2014/main" id="{0647DBE0-C7DC-3F48-83AF-E7487FA7E175}"/>
               </a:ext>
             </a:extLst>
           </p:cNvPr>
@@ -22315,7 +23556,7 @@
           <p:cNvPr id="63" name="Group 62">
             <a:extLst>
               <a:ext uri="{FF2B5EF4-FFF2-40B4-BE49-F238E27FC236}">
-                <a16:creationId xmlns="" xmlns:a16="http://schemas.microsoft.com/office/drawing/2014/main" id="{FDE56BFE-2768-174C-B5A3-6D1B1C8DF825}"/>
+                <a16:creationId xmlns:a16="http://schemas.microsoft.com/office/drawing/2014/main" id="{FDE56BFE-2768-174C-B5A3-6D1B1C8DF825}"/>
               </a:ext>
             </a:extLst>
           </p:cNvPr>
@@ -22335,7 +23576,7 @@
             <p:cNvPr id="60" name="Picture 59">
               <a:extLst>
                 <a:ext uri="{FF2B5EF4-FFF2-40B4-BE49-F238E27FC236}">
-                  <a16:creationId xmlns="" xmlns:a16="http://schemas.microsoft.com/office/drawing/2014/main" id="{10C24B00-B0DE-3A47-9C46-D482D90C250C}"/>
+                  <a16:creationId xmlns:a16="http://schemas.microsoft.com/office/drawing/2014/main" id="{10C24B00-B0DE-3A47-9C46-D482D90C250C}"/>
                 </a:ext>
               </a:extLst>
             </p:cNvPr>
@@ -22371,7 +23612,7 @@
             <p:cNvPr id="61" name="Rectangle 60">
               <a:extLst>
                 <a:ext uri="{FF2B5EF4-FFF2-40B4-BE49-F238E27FC236}">
-                  <a16:creationId xmlns="" xmlns:a16="http://schemas.microsoft.com/office/drawing/2014/main" id="{702B3B29-49DD-9E4C-A80E-9B56AF84245D}"/>
+                  <a16:creationId xmlns:a16="http://schemas.microsoft.com/office/drawing/2014/main" id="{702B3B29-49DD-9E4C-A80E-9B56AF84245D}"/>
                 </a:ext>
               </a:extLst>
             </p:cNvPr>
@@ -22434,7 +23675,7 @@
             <p:cNvPr id="62" name="Picture 61">
               <a:extLst>
                 <a:ext uri="{FF2B5EF4-FFF2-40B4-BE49-F238E27FC236}">
-                  <a16:creationId xmlns="" xmlns:a16="http://schemas.microsoft.com/office/drawing/2014/main" id="{CF41B359-95FB-A140-90A3-181DF9677C4E}"/>
+                  <a16:creationId xmlns:a16="http://schemas.microsoft.com/office/drawing/2014/main" id="{CF41B359-95FB-A140-90A3-181DF9677C4E}"/>
                 </a:ext>
               </a:extLst>
             </p:cNvPr>
@@ -22520,59 +23761,6 @@
 </p:sld>
 </file>
 
-<file path=ppt/slides/slide4.xml><?xml version="1.0" encoding="utf-8"?>
-<p:sld xmlns:a="http://schemas.openxmlformats.org/drawingml/2006/main" xmlns:r="http://schemas.openxmlformats.org/officeDocument/2006/relationships" xmlns:p="http://schemas.openxmlformats.org/presentationml/2006/main">
-  <p:cSld>
-    <p:spTree>
-      <p:nvGrpSpPr>
-        <p:cNvPr id="1" name=""/>
-        <p:cNvGrpSpPr/>
-        <p:nvPr/>
-      </p:nvGrpSpPr>
-      <p:grpSpPr>
-        <a:xfrm>
-          <a:off x="0" y="0"/>
-          <a:ext cx="0" cy="0"/>
-          <a:chOff x="0" y="0"/>
-          <a:chExt cx="0" cy="0"/>
-        </a:xfrm>
-      </p:grpSpPr>
-      <p:sp>
-        <p:nvSpPr>
-          <p:cNvPr id="4" name="Title 3"/>
-          <p:cNvSpPr>
-            <a:spLocks noGrp="1"/>
-          </p:cNvSpPr>
-          <p:nvPr>
-            <p:ph type="ctrTitle"/>
-          </p:nvPr>
-        </p:nvSpPr>
-        <p:spPr/>
-        <p:txBody>
-          <a:bodyPr/>
-          <a:lstStyle/>
-          <a:p>
-            <a:r>
-              <a:rPr lang="en-US" dirty="0" smtClean="0"/>
-              <a:t>OLF FRIVIERE</a:t>
-            </a:r>
-            <a:endParaRPr lang="en-US" dirty="0"/>
-          </a:p>
-        </p:txBody>
-      </p:sp>
-    </p:spTree>
-    <p:extLst>
-      <p:ext uri="{BB962C8B-B14F-4D97-AF65-F5344CB8AC3E}">
-        <p14:creationId xmlns:p14="http://schemas.microsoft.com/office/powerpoint/2010/main" val="3320209401"/>
-      </p:ext>
-    </p:extLst>
-  </p:cSld>
-  <p:clrMapOvr>
-    <a:masterClrMapping/>
-  </p:clrMapOvr>
-</p:sld>
-</file>
-
 <file path=ppt/slides/slide5.xml><?xml version="1.0" encoding="utf-8"?>
 <p:sld xmlns:a="http://schemas.openxmlformats.org/drawingml/2006/main" xmlns:r="http://schemas.openxmlformats.org/officeDocument/2006/relationships" xmlns:p="http://schemas.openxmlformats.org/presentationml/2006/main">
   <p:cSld>
@@ -22592,10 +23780,62 @@
       </p:grpSpPr>
       <p:sp>
         <p:nvSpPr>
+          <p:cNvPr id="4" name="Title 3"/>
+          <p:cNvSpPr>
+            <a:spLocks noGrp="1"/>
+          </p:cNvSpPr>
+          <p:nvPr>
+            <p:ph type="ctrTitle"/>
+          </p:nvPr>
+        </p:nvSpPr>
+        <p:spPr/>
+        <p:txBody>
+          <a:bodyPr/>
+          <a:lstStyle/>
+          <a:p>
+            <a:r>
+              <a:rPr lang="en-US" dirty="0"/>
+              <a:t>OLF FRIVIERE</a:t>
+            </a:r>
+          </a:p>
+        </p:txBody>
+      </p:sp>
+    </p:spTree>
+    <p:extLst>
+      <p:ext uri="{BB962C8B-B14F-4D97-AF65-F5344CB8AC3E}">
+        <p14:creationId xmlns:p14="http://schemas.microsoft.com/office/powerpoint/2010/main" val="3320209401"/>
+      </p:ext>
+    </p:extLst>
+  </p:cSld>
+  <p:clrMapOvr>
+    <a:masterClrMapping/>
+  </p:clrMapOvr>
+</p:sld>
+</file>
+
+<file path=ppt/slides/slide6.xml><?xml version="1.0" encoding="utf-8"?>
+<p:sld xmlns:a="http://schemas.openxmlformats.org/drawingml/2006/main" xmlns:r="http://schemas.openxmlformats.org/officeDocument/2006/relationships" xmlns:p="http://schemas.openxmlformats.org/presentationml/2006/main">
+  <p:cSld>
+    <p:spTree>
+      <p:nvGrpSpPr>
+        <p:cNvPr id="1" name=""/>
+        <p:cNvGrpSpPr/>
+        <p:nvPr/>
+      </p:nvGrpSpPr>
+      <p:grpSpPr>
+        <a:xfrm>
+          <a:off x="0" y="0"/>
+          <a:ext cx="0" cy="0"/>
+          <a:chOff x="0" y="0"/>
+          <a:chExt cx="0" cy="0"/>
+        </a:xfrm>
+      </p:grpSpPr>
+      <p:sp>
+        <p:nvSpPr>
           <p:cNvPr id="65" name="Rounded Rectangle 60">
             <a:extLst>
               <a:ext uri="{FF2B5EF4-FFF2-40B4-BE49-F238E27FC236}">
-                <a16:creationId xmlns:a16="http://schemas.microsoft.com/office/drawing/2014/main" xmlns="" id="{237A6621-EDB6-4188-8573-7B8B8746FFD7}"/>
+                <a16:creationId xmlns:a16="http://schemas.microsoft.com/office/drawing/2014/main" id="{237A6621-EDB6-4188-8573-7B8B8746FFD7}"/>
               </a:ext>
             </a:extLst>
           </p:cNvPr>
@@ -22701,7 +23941,7 @@
               <a:defRPr/>
             </a:pPr>
             <a:r>
-              <a:rPr kumimoji="0" lang="en-US" sz="1800" b="0" i="0" u="none" strike="noStrike" kern="0" cap="none" spc="0" normalizeH="0" baseline="0" noProof="0" smtClean="0">
+              <a:rPr kumimoji="0" lang="en-US" sz="1800" b="0" i="0" u="none" strike="noStrike" kern="0" cap="none" spc="0" normalizeH="0" baseline="0" noProof="0">
                 <a:ln>
                   <a:noFill/>
                 </a:ln>
@@ -22717,7 +23957,7 @@
               </a:rPr>
               <a:t>vz</a:t>
             </a:r>
-            <a:endParaRPr kumimoji="0" lang="en-US" sz="1800" b="0" i="0" u="none" strike="noStrike" kern="0" cap="none" spc="0" normalizeH="0" baseline="0" noProof="0" dirty="0" smtClean="0">
+            <a:endParaRPr kumimoji="0" lang="en-US" sz="1800" b="0" i="0" u="none" strike="noStrike" kern="0" cap="none" spc="0" normalizeH="0" baseline="0" noProof="0" dirty="0">
               <a:ln>
                 <a:noFill/>
               </a:ln>
@@ -22836,7 +24076,7 @@
               <a:tabLst/>
               <a:defRPr/>
             </a:pPr>
-            <a:endParaRPr kumimoji="0" lang="en-US" sz="1800" b="0" i="0" u="none" strike="noStrike" kern="0" cap="none" spc="0" normalizeH="0" baseline="0" noProof="0" dirty="0" smtClean="0">
+            <a:endParaRPr kumimoji="0" lang="en-US" sz="1800" b="0" i="0" u="none" strike="noStrike" kern="0" cap="none" spc="0" normalizeH="0" baseline="0" noProof="0" dirty="0">
               <a:ln>
                 <a:noFill/>
               </a:ln>
@@ -22877,7 +24117,7 @@
           <a:p>
             <a:pPr defTabSz="914377"/>
             <a:r>
-              <a:rPr lang="en-US" sz="1400" b="1" dirty="0" smtClean="0">
+              <a:rPr lang="en-US" sz="1400" b="1" dirty="0">
                 <a:solidFill>
                   <a:srgbClr val="4B5357"/>
                 </a:solidFill>
@@ -22887,14 +24127,6 @@
               </a:rPr>
               <a:t>Module Repositories</a:t>
             </a:r>
-            <a:endParaRPr lang="en-US" sz="1400" b="1" dirty="0">
-              <a:solidFill>
-                <a:srgbClr val="4B5357"/>
-              </a:solidFill>
-              <a:latin typeface="Source Sans Pro" charset="0"/>
-              <a:ea typeface="Source Sans Pro" charset="0"/>
-              <a:cs typeface="Source Sans Pro" charset="0"/>
-            </a:endParaRPr>
           </a:p>
         </p:txBody>
       </p:sp>
@@ -22946,7 +24178,7 @@
           <a:p>
             <a:pPr defTabSz="914377"/>
             <a:r>
-              <a:rPr lang="en-US" sz="1400" b="1" dirty="0" smtClean="0">
+              <a:rPr lang="en-US" sz="1400" b="1" dirty="0">
                 <a:solidFill>
                   <a:srgbClr val="4B5357"/>
                 </a:solidFill>
@@ -22956,14 +24188,6 @@
               </a:rPr>
               <a:t>Source Repositories</a:t>
             </a:r>
-            <a:endParaRPr lang="en-US" sz="1400" b="1" dirty="0">
-              <a:solidFill>
-                <a:srgbClr val="4B5357"/>
-              </a:solidFill>
-              <a:latin typeface="Source Sans Pro" charset="0"/>
-              <a:ea typeface="Source Sans Pro" charset="0"/>
-              <a:cs typeface="Source Sans Pro" charset="0"/>
-            </a:endParaRPr>
           </a:p>
         </p:txBody>
       </p:sp>
@@ -23148,7 +24372,7 @@
           <p:cNvPr id="77" name="Picture 76">
             <a:extLst>
               <a:ext uri="{FF2B5EF4-FFF2-40B4-BE49-F238E27FC236}">
-                <a16:creationId xmlns="" xmlns:a16="http://schemas.microsoft.com/office/drawing/2014/main" id="{72176D6D-182A-4BB5-8EA3-0ACC3EEFD101}"/>
+                <a16:creationId xmlns:a16="http://schemas.microsoft.com/office/drawing/2014/main" id="{72176D6D-182A-4BB5-8EA3-0ACC3EEFD101}"/>
               </a:ext>
             </a:extLst>
           </p:cNvPr>
@@ -23203,7 +24427,7 @@
           <a:p>
             <a:pPr algn="ctr" defTabSz="914377"/>
             <a:r>
-              <a:rPr lang="en-US" sz="1400" b="1" dirty="0" smtClean="0">
+              <a:rPr lang="en-US" sz="1400" b="1" dirty="0">
                 <a:solidFill>
                   <a:srgbClr val="4B5357"/>
                 </a:solidFill>
@@ -23213,14 +24437,6 @@
               </a:rPr>
               <a:t>Module Manager</a:t>
             </a:r>
-            <a:endParaRPr lang="en-US" sz="1400" b="1" dirty="0">
-              <a:solidFill>
-                <a:srgbClr val="4B5357"/>
-              </a:solidFill>
-              <a:latin typeface="Source Sans Pro" charset="0"/>
-              <a:ea typeface="Source Sans Pro" charset="0"/>
-              <a:cs typeface="Source Sans Pro" charset="0"/>
-            </a:endParaRPr>
           </a:p>
         </p:txBody>
       </p:sp>
@@ -23229,7 +24445,7 @@
           <p:cNvPr id="80" name="Picture 79">
             <a:extLst>
               <a:ext uri="{FF2B5EF4-FFF2-40B4-BE49-F238E27FC236}">
-                <a16:creationId xmlns:a16="http://schemas.microsoft.com/office/drawing/2014/main" xmlns="" id="{B9BC1CCF-31EE-4DC1-ABBF-BD10F1CF41F4}"/>
+                <a16:creationId xmlns:a16="http://schemas.microsoft.com/office/drawing/2014/main" id="{B9BC1CCF-31EE-4DC1-ABBF-BD10F1CF41F4}"/>
               </a:ext>
             </a:extLst>
           </p:cNvPr>
@@ -23284,7 +24500,7 @@
           <a:p>
             <a:pPr algn="ctr" defTabSz="914377"/>
             <a:r>
-              <a:rPr lang="en-US" sz="1400" b="1" dirty="0" smtClean="0">
+              <a:rPr lang="en-US" sz="1400" b="1" dirty="0">
                 <a:solidFill>
                   <a:srgbClr val="4B5357"/>
                 </a:solidFill>
@@ -23294,14 +24510,6 @@
               </a:rPr>
               <a:t>IDE</a:t>
             </a:r>
-            <a:endParaRPr lang="en-US" sz="1400" b="1" dirty="0">
-              <a:solidFill>
-                <a:srgbClr val="4B5357"/>
-              </a:solidFill>
-              <a:latin typeface="Source Sans Pro" charset="0"/>
-              <a:ea typeface="Source Sans Pro" charset="0"/>
-              <a:cs typeface="Source Sans Pro" charset="0"/>
-            </a:endParaRPr>
           </a:p>
         </p:txBody>
       </p:sp>
@@ -23310,7 +24518,7 @@
           <p:cNvPr id="82" name="Picture 81">
             <a:extLst>
               <a:ext uri="{FF2B5EF4-FFF2-40B4-BE49-F238E27FC236}">
-                <a16:creationId xmlns:a16="http://schemas.microsoft.com/office/drawing/2014/main" xmlns="" id="{579DE3DA-C1FA-49CF-890F-DF5AEF9DE1DD}"/>
+                <a16:creationId xmlns:a16="http://schemas.microsoft.com/office/drawing/2014/main" id="{579DE3DA-C1FA-49CF-890F-DF5AEF9DE1DD}"/>
               </a:ext>
             </a:extLst>
           </p:cNvPr>
@@ -23364,7 +24572,7 @@
           <a:p>
             <a:pPr algn="ctr" defTabSz="914377"/>
             <a:r>
-              <a:rPr lang="en-US" sz="1400" b="1" dirty="0" smtClean="0">
+              <a:rPr lang="en-US" sz="1400" b="1" dirty="0">
                 <a:solidFill>
                   <a:srgbClr val="4B5357"/>
                 </a:solidFill>
@@ -23374,14 +24582,6 @@
               </a:rPr>
               <a:t>Architecture</a:t>
             </a:r>
-            <a:endParaRPr lang="en-US" sz="1400" b="1" dirty="0">
-              <a:solidFill>
-                <a:srgbClr val="4B5357"/>
-              </a:solidFill>
-              <a:latin typeface="Source Sans Pro" charset="0"/>
-              <a:ea typeface="Source Sans Pro" charset="0"/>
-              <a:cs typeface="Source Sans Pro" charset="0"/>
-            </a:endParaRPr>
           </a:p>
         </p:txBody>
       </p:sp>
@@ -23420,7 +24620,7 @@
           <p:cNvPr id="79" name="Picture 78">
             <a:extLst>
               <a:ext uri="{FF2B5EF4-FFF2-40B4-BE49-F238E27FC236}">
-                <a16:creationId xmlns:a16="http://schemas.microsoft.com/office/drawing/2014/main" xmlns="" id="{6E47523C-39E3-414E-8E44-2AF044AA7D00}"/>
+                <a16:creationId xmlns:a16="http://schemas.microsoft.com/office/drawing/2014/main" id="{6E47523C-39E3-414E-8E44-2AF044AA7D00}"/>
               </a:ext>
             </a:extLst>
           </p:cNvPr>
@@ -23456,7 +24656,7 @@
           <p:cNvPr id="22" name="Picture 21">
             <a:extLst>
               <a:ext uri="{FF2B5EF4-FFF2-40B4-BE49-F238E27FC236}">
-                <a16:creationId xmlns="" xmlns:a16="http://schemas.microsoft.com/office/drawing/2014/main" id="{BF2C8D43-A4AF-DA47-BDD8-9E4B943C63EF}"/>
+                <a16:creationId xmlns:a16="http://schemas.microsoft.com/office/drawing/2014/main" id="{BF2C8D43-A4AF-DA47-BDD8-9E4B943C63EF}"/>
               </a:ext>
             </a:extLst>
           </p:cNvPr>
@@ -23492,7 +24692,7 @@
           <p:cNvPr id="23" name="Picture 22">
             <a:extLst>
               <a:ext uri="{FF2B5EF4-FFF2-40B4-BE49-F238E27FC236}">
-                <a16:creationId xmlns="" xmlns:a16="http://schemas.microsoft.com/office/drawing/2014/main" id="{0647DBE0-C7DC-3F48-83AF-E7487FA7E175}"/>
+                <a16:creationId xmlns:a16="http://schemas.microsoft.com/office/drawing/2014/main" id="{0647DBE0-C7DC-3F48-83AF-E7487FA7E175}"/>
               </a:ext>
             </a:extLst>
           </p:cNvPr>
